--- a/科普.pptx
+++ b/科普.pptx
@@ -7,8 +7,9 @@
   <p:sldIdLst>
     <p:sldId id="256" r:id="rId3"/>
     <p:sldId id="259" r:id="rId4"/>
-    <p:sldId id="258" r:id="rId5"/>
-    <p:sldId id="260" r:id="rId6"/>
+    <p:sldId id="261" r:id="rId5"/>
+    <p:sldId id="258" r:id="rId6"/>
+    <p:sldId id="260" r:id="rId7"/>
   </p:sldIdLst>
   <p:sldSz cx="12192000" cy="6858000"/>
   <p:notesSz cx="7103745" cy="10234295"/>
@@ -2801,22 +2802,6 @@
             </a:r>
             <a:endParaRPr lang="zh-CN" altLang="en-US"/>
           </a:p>
-          <a:p>
-            <a:pPr lvl="1"/>
-            <a:endParaRPr lang="zh-CN" altLang="en-US"/>
-          </a:p>
-          <a:p>
-            <a:pPr lvl="1"/>
-            <a:endParaRPr lang="zh-CN" altLang="en-US"/>
-          </a:p>
-          <a:p>
-            <a:pPr lvl="0"/>
-            <a:r>
-              <a:rPr lang="zh-CN" altLang="en-US"/>
-              <a:t>当你使用正则解决一个问题的时候，你就需要解决两个问题</a:t>
-            </a:r>
-            <a:endParaRPr lang="zh-CN" altLang="en-US"/>
-          </a:p>
         </p:txBody>
       </p:sp>
     </p:spTree>
@@ -2853,9 +2838,9 @@
           <a:p>
             <a:r>
               <a:rPr lang="zh-CN" altLang="en-US"/>
-              <a:t>优点</a:t>
-            </a:r>
-            <a:endParaRPr lang="zh-CN" altLang="en-US"/>
+              <a:t>举例</a:t>
+            </a:r>
+            <a:endParaRPr lang="en-US" altLang="zh-CN"/>
           </a:p>
         </p:txBody>
       </p:sp>
@@ -2877,88 +2862,81 @@
           <a:p>
             <a:r>
               <a:rPr lang="en-US" altLang="zh-CN"/>
-              <a:t>1</a:t>
+              <a:t>/\w+\d{3}/</a:t>
+            </a:r>
+            <a:endParaRPr lang="en-US" altLang="zh-CN"/>
+          </a:p>
+          <a:p>
+            <a:endParaRPr lang="en-US" altLang="zh-CN"/>
+          </a:p>
+          <a:p>
+            <a:r>
+              <a:rPr lang="en-US" altLang="zh-CN"/>
+              <a:t>lua</a:t>
             </a:r>
             <a:r>
               <a:rPr lang="zh-CN" altLang="en-US"/>
-              <a:t>、批量处理</a:t>
-            </a:r>
-            <a:endParaRPr lang="zh-CN" altLang="en-US"/>
-          </a:p>
-          <a:p>
-            <a:pPr lvl="1"/>
-            <a:r>
-              <a:rPr lang="zh-CN" altLang="en-US" sz="2400"/>
-              <a:t>爬虫</a:t>
-            </a:r>
-            <a:endParaRPr lang="zh-CN" altLang="en-US" sz="2400"/>
-          </a:p>
-          <a:p>
-            <a:pPr lvl="1"/>
-            <a:r>
-              <a:rPr lang="zh-CN" altLang="en-US" sz="2400"/>
-              <a:t>查找字符串</a:t>
-            </a:r>
-            <a:endParaRPr lang="zh-CN" altLang="en-US"/>
-          </a:p>
-          <a:p>
+              <a:t>：</a:t>
+            </a:r>
             <a:r>
               <a:rPr lang="en-US" altLang="zh-CN"/>
-              <a:t>2</a:t>
-            </a:r>
-            <a:r>
-              <a:rPr lang="zh-CN" altLang="en-US"/>
-              <a:t>、简洁</a:t>
-            </a:r>
-            <a:endParaRPr lang="zh-CN" altLang="en-US"/>
-          </a:p>
-          <a:p>
-            <a:pPr lvl="1"/>
-            <a:r>
-              <a:rPr lang="zh-CN" altLang="en-US"/>
-              <a:t>表单验证</a:t>
-            </a:r>
-            <a:endParaRPr lang="zh-CN" altLang="en-US"/>
-          </a:p>
-          <a:p>
-            <a:pPr lvl="0"/>
+              <a:t>%w+%d{3}</a:t>
+            </a:r>
+            <a:endParaRPr lang="zh-CN" altLang="en-US"/>
+          </a:p>
+          <a:p>
             <a:r>
               <a:rPr lang="en-US" altLang="zh-CN"/>
-              <a:t>3</a:t>
-            </a:r>
-            <a:r>
-              <a:rPr lang="zh-CN" altLang="en-US"/>
-              <a:t>、兼容多种业务场景</a:t>
-            </a:r>
-            <a:endParaRPr lang="zh-CN" altLang="en-US"/>
-          </a:p>
-          <a:p>
-            <a:pPr lvl="1"/>
-            <a:r>
-              <a:rPr lang="zh-CN" altLang="en-US"/>
-              <a:t>日期格式化</a:t>
-            </a:r>
-            <a:endParaRPr lang="zh-CN" altLang="en-US"/>
-          </a:p>
-          <a:p>
-            <a:pPr lvl="1"/>
-            <a:endParaRPr lang="zh-CN" altLang="en-US"/>
-          </a:p>
-          <a:p>
-            <a:pPr lvl="0"/>
-            <a:r>
-              <a:rPr lang="zh-CN" altLang="en-US"/>
-              <a:t>存在即为合理</a:t>
-            </a:r>
-            <a:endParaRPr lang="zh-CN" altLang="en-US"/>
-          </a:p>
-          <a:p>
-            <a:pPr lvl="0"/>
-            <a:r>
-              <a:rPr lang="zh-CN" altLang="en-US"/>
-              <a:t>扬长避短</a:t>
-            </a:r>
-            <a:endParaRPr lang="zh-CN" altLang="en-US"/>
+              <a:t>javascript: </a:t>
+            </a:r>
+            <a:r>
+              <a:rPr lang="en-US" altLang="zh-CN">
+                <a:sym typeface="+mn-ea"/>
+              </a:rPr>
+              <a:t>\w+\d{3}</a:t>
+            </a:r>
+            <a:endParaRPr lang="en-US" altLang="zh-CN">
+              <a:sym typeface="+mn-ea"/>
+            </a:endParaRPr>
+          </a:p>
+          <a:p>
+            <a:r>
+              <a:rPr lang="en-US" altLang="zh-CN"/>
+              <a:t>java: </a:t>
+            </a:r>
+            <a:r>
+              <a:rPr lang="en-US" altLang="zh-CN">
+                <a:sym typeface="+mn-ea"/>
+              </a:rPr>
+              <a:t>\w+\d{3}</a:t>
+            </a:r>
+            <a:endParaRPr lang="en-US" altLang="zh-CN">
+              <a:sym typeface="+mn-ea"/>
+            </a:endParaRPr>
+          </a:p>
+          <a:p>
+            <a:endParaRPr lang="en-US" altLang="zh-CN">
+              <a:sym typeface="+mn-ea"/>
+            </a:endParaRPr>
+          </a:p>
+          <a:p>
+            <a:r>
+              <a:rPr lang="en-US" altLang="zh-CN"/>
+              <a:t>[KILL](PSI|NEX|AMP|RET|US6)(.)\2[ BABYSPIDERS]</a:t>
+            </a:r>
+            <a:endParaRPr lang="en-US" altLang="zh-CN"/>
+          </a:p>
+          <a:p>
+            <a:endParaRPr lang="en-US" altLang="zh-CN"/>
+          </a:p>
+          <a:p>
+            <a:r>
+              <a:rPr lang="zh-CN" altLang="en-US">
+                <a:sym typeface="+mn-ea"/>
+              </a:rPr>
+              <a:t>当你使用正则解决一个问题的时候，你就需要解决两个问题</a:t>
+            </a:r>
+            <a:endParaRPr lang="en-US" altLang="zh-CN"/>
           </a:p>
         </p:txBody>
       </p:sp>
@@ -2971,6 +2949,149 @@
 </file>
 
 <file path=ppt/slides/slide4.xml><?xml version="1.0" encoding="utf-8"?>
+<p:sld xmlns:a="http://schemas.openxmlformats.org/drawingml/2006/main" xmlns:r="http://schemas.openxmlformats.org/officeDocument/2006/relationships" xmlns:p="http://schemas.openxmlformats.org/presentationml/2006/main">
+  <p:cSld>
+    <p:spTree>
+      <p:nvGrpSpPr>
+        <p:cNvPr id="1" name=""/>
+        <p:cNvGrpSpPr/>
+        <p:nvPr/>
+      </p:nvGrpSpPr>
+      <p:grpSpPr/>
+      <p:sp>
+        <p:nvSpPr>
+          <p:cNvPr id="2" name="标题 1"/>
+          <p:cNvSpPr>
+            <a:spLocks noGrp="1"/>
+          </p:cNvSpPr>
+          <p:nvPr>
+            <p:ph type="title"/>
+          </p:nvPr>
+        </p:nvSpPr>
+        <p:spPr/>
+        <p:txBody>
+          <a:bodyPr/>
+          <a:p>
+            <a:r>
+              <a:rPr lang="zh-CN" altLang="en-US"/>
+              <a:t>优点</a:t>
+            </a:r>
+            <a:endParaRPr lang="zh-CN" altLang="en-US"/>
+          </a:p>
+        </p:txBody>
+      </p:sp>
+      <p:sp>
+        <p:nvSpPr>
+          <p:cNvPr id="3" name="内容占位符 2"/>
+          <p:cNvSpPr>
+            <a:spLocks noGrp="1"/>
+          </p:cNvSpPr>
+          <p:nvPr>
+            <p:ph idx="1"/>
+          </p:nvPr>
+        </p:nvSpPr>
+        <p:spPr/>
+        <p:txBody>
+          <a:bodyPr>
+            <a:normAutofit lnSpcReduction="10000"/>
+          </a:bodyPr>
+          <a:p>
+            <a:r>
+              <a:rPr lang="en-US" altLang="zh-CN"/>
+              <a:t>1</a:t>
+            </a:r>
+            <a:r>
+              <a:rPr lang="zh-CN" altLang="en-US"/>
+              <a:t>、批量处理</a:t>
+            </a:r>
+            <a:endParaRPr lang="zh-CN" altLang="en-US"/>
+          </a:p>
+          <a:p>
+            <a:pPr lvl="1"/>
+            <a:r>
+              <a:rPr lang="zh-CN" altLang="en-US" sz="2400"/>
+              <a:t>爬虫</a:t>
+            </a:r>
+            <a:endParaRPr lang="zh-CN" altLang="en-US" sz="2400"/>
+          </a:p>
+          <a:p>
+            <a:pPr lvl="1"/>
+            <a:r>
+              <a:rPr lang="zh-CN" altLang="en-US" sz="2400"/>
+              <a:t>查找字符串</a:t>
+            </a:r>
+            <a:endParaRPr lang="zh-CN" altLang="en-US"/>
+          </a:p>
+          <a:p>
+            <a:r>
+              <a:rPr lang="en-US" altLang="zh-CN"/>
+              <a:t>2</a:t>
+            </a:r>
+            <a:r>
+              <a:rPr lang="zh-CN" altLang="en-US"/>
+              <a:t>、简洁</a:t>
+            </a:r>
+            <a:endParaRPr lang="zh-CN" altLang="en-US"/>
+          </a:p>
+          <a:p>
+            <a:pPr lvl="1"/>
+            <a:r>
+              <a:rPr lang="zh-CN" altLang="en-US"/>
+              <a:t>表单验证</a:t>
+            </a:r>
+            <a:endParaRPr lang="zh-CN" altLang="en-US"/>
+          </a:p>
+          <a:p>
+            <a:pPr lvl="0"/>
+            <a:r>
+              <a:rPr lang="en-US" altLang="zh-CN"/>
+              <a:t>3</a:t>
+            </a:r>
+            <a:r>
+              <a:rPr lang="zh-CN" altLang="en-US"/>
+              <a:t>、兼容多种业务场景</a:t>
+            </a:r>
+            <a:endParaRPr lang="zh-CN" altLang="en-US"/>
+          </a:p>
+          <a:p>
+            <a:pPr lvl="1"/>
+            <a:r>
+              <a:rPr lang="zh-CN" altLang="en-US"/>
+              <a:t>日期格式化</a:t>
+            </a:r>
+            <a:endParaRPr lang="zh-CN" altLang="en-US"/>
+          </a:p>
+          <a:p>
+            <a:pPr lvl="1"/>
+            <a:endParaRPr lang="zh-CN" altLang="en-US"/>
+          </a:p>
+          <a:p>
+            <a:pPr lvl="0"/>
+            <a:r>
+              <a:rPr lang="zh-CN" altLang="en-US"/>
+              <a:t>存在即为合理</a:t>
+            </a:r>
+            <a:endParaRPr lang="zh-CN" altLang="en-US"/>
+          </a:p>
+          <a:p>
+            <a:pPr lvl="0"/>
+            <a:r>
+              <a:rPr lang="zh-CN" altLang="en-US"/>
+              <a:t>扬长避短</a:t>
+            </a:r>
+            <a:endParaRPr lang="zh-CN" altLang="en-US"/>
+          </a:p>
+        </p:txBody>
+      </p:sp>
+    </p:spTree>
+  </p:cSld>
+  <p:clrMapOvr>
+    <a:masterClrMapping/>
+  </p:clrMapOvr>
+</p:sld>
+</file>
+
+<file path=ppt/slides/slide5.xml><?xml version="1.0" encoding="utf-8"?>
 <p:sld xmlns:a="http://schemas.openxmlformats.org/drawingml/2006/main" xmlns:r="http://schemas.openxmlformats.org/officeDocument/2006/relationships" xmlns:p="http://schemas.openxmlformats.org/presentationml/2006/main">
   <p:cSld>
     <p:spTree>

--- a/科普.pptx
+++ b/科普.pptx
@@ -2677,6 +2677,9 @@
   <p:clrMapOvr>
     <a:masterClrMapping/>
   </p:clrMapOvr>
+  <p:transition>
+    <p:random/>
+  </p:transition>
 </p:sld>
 </file>
 
@@ -2809,6 +2812,9 @@
   <p:clrMapOvr>
     <a:masterClrMapping/>
   </p:clrMapOvr>
+  <p:transition>
+    <p:random/>
+  </p:transition>
 </p:sld>
 </file>
 
@@ -2856,17 +2862,12 @@
         </p:nvSpPr>
         <p:spPr/>
         <p:txBody>
-          <a:bodyPr>
-            <a:normAutofit lnSpcReduction="10000"/>
-          </a:bodyPr>
+          <a:bodyPr/>
           <a:p>
             <a:r>
               <a:rPr lang="en-US" altLang="zh-CN"/>
               <a:t>/\w+\d{3}/</a:t>
             </a:r>
-            <a:endParaRPr lang="en-US" altLang="zh-CN"/>
-          </a:p>
-          <a:p>
             <a:endParaRPr lang="en-US" altLang="zh-CN"/>
           </a:p>
           <a:p>
@@ -2915,15 +2916,9 @@
             </a:endParaRPr>
           </a:p>
           <a:p>
-            <a:endParaRPr lang="en-US" altLang="zh-CN">
-              <a:sym typeface="+mn-ea"/>
-            </a:endParaRPr>
-          </a:p>
-          <a:p>
-            <a:r>
-              <a:rPr lang="en-US" altLang="zh-CN"/>
-              <a:t>[KILL](PSI|NEX|AMP|RET|US6)(.)\2[ BABYSPIDERS]</a:t>
-            </a:r>
+            <a:endParaRPr lang="en-US" altLang="zh-CN"/>
+          </a:p>
+          <a:p>
             <a:endParaRPr lang="en-US" altLang="zh-CN"/>
           </a:p>
           <a:p>
@@ -2945,6 +2940,9 @@
   <p:clrMapOvr>
     <a:masterClrMapping/>
   </p:clrMapOvr>
+  <p:transition>
+    <p:random/>
+  </p:transition>
 </p:sld>
 </file>
 
@@ -3088,6 +3086,9 @@
   <p:clrMapOvr>
     <a:masterClrMapping/>
   </p:clrMapOvr>
+  <p:transition>
+    <p:random/>
+  </p:transition>
 </p:sld>
 </file>
 
@@ -3259,6 +3260,9 @@
   <p:clrMapOvr>
     <a:masterClrMapping/>
   </p:clrMapOvr>
+  <p:transition>
+    <p:random/>
+  </p:transition>
 </p:sld>
 </file>
 

--- a/科普.pptx
+++ b/科普.pptx
@@ -5,11 +5,11 @@
     <p:sldMasterId id="2147483648" r:id="rId1"/>
   </p:sldMasterIdLst>
   <p:notesMasterIdLst>
-    <p:notesMasterId r:id="rId5"/>
+    <p:notesMasterId r:id="rId4"/>
   </p:notesMasterIdLst>
   <p:sldIdLst>
     <p:sldId id="265" r:id="rId3"/>
-    <p:sldId id="304" r:id="rId4"/>
+    <p:sldId id="304" r:id="rId5"/>
     <p:sldId id="286" r:id="rId6"/>
     <p:sldId id="287" r:id="rId7"/>
     <p:sldId id="288" r:id="rId8"/>
@@ -517,7 +517,31 @@
           <a:p>
             <a:r>
               <a:rPr lang="zh-CN" altLang="zh-CN"/>
-              <a:t>测试</a:t>
+              <a:t>大家好，今天给大家分享下我所了解的正则表达式，讲的不好或者不对的地方还请指正</a:t>
+            </a:r>
+            <a:endParaRPr lang="zh-CN" altLang="zh-CN"/>
+          </a:p>
+          <a:p>
+            <a:r>
+              <a:rPr lang="zh-CN" altLang="zh-CN"/>
+              <a:t>百度百科上对正则的定义是对字符串操作的一种逻辑公式</a:t>
+            </a:r>
+            <a:endParaRPr lang="zh-CN" altLang="zh-CN"/>
+          </a:p>
+          <a:p>
+            <a:r>
+              <a:rPr lang="zh-CN" altLang="zh-CN"/>
+              <a:t>在各个高级编程语言里面，几乎都支持正则，但是对正则的</a:t>
+            </a:r>
+            <a:r>
+              <a:rPr lang="zh-CN" altLang="zh-CN">
+                <a:sym typeface="+mn-ea"/>
+              </a:rPr>
+              <a:t>使用的</a:t>
+            </a:r>
+            <a:r>
+              <a:rPr lang="zh-CN" altLang="zh-CN"/>
+              <a:t>争议也是非常多的</a:t>
             </a:r>
             <a:endParaRPr lang="zh-CN" altLang="zh-CN"/>
           </a:p>
@@ -532,424 +556,6 @@
 </file>
 
 <file path=ppt/notesSlides/notesSlide10.xml><?xml version="1.0" encoding="utf-8"?>
-<p:notes xmlns:a="http://schemas.openxmlformats.org/drawingml/2006/main" xmlns:r="http://schemas.openxmlformats.org/officeDocument/2006/relationships" xmlns:p="http://schemas.openxmlformats.org/presentationml/2006/main">
-  <p:cSld>
-    <p:spTree>
-      <p:nvGrpSpPr>
-        <p:cNvPr id="1" name=""/>
-        <p:cNvGrpSpPr/>
-        <p:nvPr/>
-      </p:nvGrpSpPr>
-      <p:grpSpPr/>
-      <p:sp>
-        <p:nvSpPr>
-          <p:cNvPr id="2" name="幻灯片图像占位符 1"/>
-          <p:cNvSpPr/>
-          <p:nvPr>
-            <p:ph type="sldImg" idx="2"/>
-          </p:nvPr>
-        </p:nvSpPr>
-        <p:spPr/>
-      </p:sp>
-      <p:sp>
-        <p:nvSpPr>
-          <p:cNvPr id="3" name="文本占位符 2"/>
-          <p:cNvSpPr/>
-          <p:nvPr>
-            <p:ph type="body" idx="3"/>
-          </p:nvPr>
-        </p:nvSpPr>
-        <p:spPr/>
-        <p:txBody>
-          <a:bodyPr/>
-          <a:p>
-            <a:endParaRPr lang="zh-CN" altLang="en-US"/>
-          </a:p>
-        </p:txBody>
-      </p:sp>
-    </p:spTree>
-  </p:cSld>
-  <p:clrMapOvr>
-    <a:masterClrMapping/>
-  </p:clrMapOvr>
-</p:notes>
-</file>
-
-<file path=ppt/notesSlides/notesSlide11.xml><?xml version="1.0" encoding="utf-8"?>
-<p:notes xmlns:a="http://schemas.openxmlformats.org/drawingml/2006/main" xmlns:r="http://schemas.openxmlformats.org/officeDocument/2006/relationships" xmlns:p="http://schemas.openxmlformats.org/presentationml/2006/main">
-  <p:cSld>
-    <p:spTree>
-      <p:nvGrpSpPr>
-        <p:cNvPr id="1" name=""/>
-        <p:cNvGrpSpPr/>
-        <p:nvPr/>
-      </p:nvGrpSpPr>
-      <p:grpSpPr/>
-      <p:sp>
-        <p:nvSpPr>
-          <p:cNvPr id="2" name="幻灯片图像占位符 1"/>
-          <p:cNvSpPr/>
-          <p:nvPr>
-            <p:ph type="sldImg" idx="2"/>
-          </p:nvPr>
-        </p:nvSpPr>
-        <p:spPr/>
-      </p:sp>
-      <p:sp>
-        <p:nvSpPr>
-          <p:cNvPr id="3" name="文本占位符 2"/>
-          <p:cNvSpPr/>
-          <p:nvPr>
-            <p:ph type="body" idx="3"/>
-          </p:nvPr>
-        </p:nvSpPr>
-        <p:spPr/>
-        <p:txBody>
-          <a:bodyPr/>
-          <a:p>
-            <a:endParaRPr lang="zh-CN" altLang="en-US"/>
-          </a:p>
-        </p:txBody>
-      </p:sp>
-    </p:spTree>
-  </p:cSld>
-  <p:clrMapOvr>
-    <a:masterClrMapping/>
-  </p:clrMapOvr>
-</p:notes>
-</file>
-
-<file path=ppt/notesSlides/notesSlide2.xml><?xml version="1.0" encoding="utf-8"?>
-<p:notes xmlns:a="http://schemas.openxmlformats.org/drawingml/2006/main" xmlns:r="http://schemas.openxmlformats.org/officeDocument/2006/relationships" xmlns:p="http://schemas.openxmlformats.org/presentationml/2006/main">
-  <p:cSld>
-    <p:spTree>
-      <p:nvGrpSpPr>
-        <p:cNvPr id="1" name=""/>
-        <p:cNvGrpSpPr/>
-        <p:nvPr/>
-      </p:nvGrpSpPr>
-      <p:grpSpPr/>
-      <p:sp>
-        <p:nvSpPr>
-          <p:cNvPr id="2" name="幻灯片图像占位符 1"/>
-          <p:cNvSpPr/>
-          <p:nvPr>
-            <p:ph type="sldImg" idx="2"/>
-          </p:nvPr>
-        </p:nvSpPr>
-        <p:spPr/>
-      </p:sp>
-      <p:sp>
-        <p:nvSpPr>
-          <p:cNvPr id="3" name="文本占位符 2"/>
-          <p:cNvSpPr/>
-          <p:nvPr>
-            <p:ph type="body" idx="3"/>
-          </p:nvPr>
-        </p:nvSpPr>
-        <p:spPr/>
-        <p:txBody>
-          <a:bodyPr/>
-          <a:p>
-            <a:r>
-              <a:rPr lang="zh-CN" altLang="en-US"/>
-              <a:t>https://regex101.com/r/1CMTy3/2/</a:t>
-            </a:r>
-            <a:endParaRPr lang="zh-CN" altLang="en-US"/>
-          </a:p>
-          <a:p>
-            <a:r>
-              <a:rPr lang="zh-CN" altLang="en-US"/>
-              <a:t>https://regex101.com/r/1CMTy3/3/</a:t>
-            </a:r>
-            <a:endParaRPr lang="zh-CN" altLang="en-US"/>
-          </a:p>
-        </p:txBody>
-      </p:sp>
-    </p:spTree>
-  </p:cSld>
-  <p:clrMapOvr>
-    <a:masterClrMapping/>
-  </p:clrMapOvr>
-</p:notes>
-</file>
-
-<file path=ppt/notesSlides/notesSlide3.xml><?xml version="1.0" encoding="utf-8"?>
-<p:notes xmlns:a="http://schemas.openxmlformats.org/drawingml/2006/main" xmlns:r="http://schemas.openxmlformats.org/officeDocument/2006/relationships" xmlns:p="http://schemas.openxmlformats.org/presentationml/2006/main">
-  <p:cSld>
-    <p:spTree>
-      <p:nvGrpSpPr>
-        <p:cNvPr id="1" name=""/>
-        <p:cNvGrpSpPr/>
-        <p:nvPr/>
-      </p:nvGrpSpPr>
-      <p:grpSpPr/>
-      <p:sp>
-        <p:nvSpPr>
-          <p:cNvPr id="2" name="幻灯片图像占位符 1"/>
-          <p:cNvSpPr/>
-          <p:nvPr>
-            <p:ph type="sldImg" idx="2"/>
-          </p:nvPr>
-        </p:nvSpPr>
-        <p:spPr/>
-      </p:sp>
-      <p:sp>
-        <p:nvSpPr>
-          <p:cNvPr id="3" name="文本占位符 2"/>
-          <p:cNvSpPr/>
-          <p:nvPr>
-            <p:ph type="body" idx="3"/>
-          </p:nvPr>
-        </p:nvSpPr>
-        <p:spPr/>
-        <p:txBody>
-          <a:bodyPr/>
-          <a:p>
-            <a:r>
-              <a:rPr lang="zh-CN" altLang="en-US"/>
-              <a:t>https://regex101.com/r/1CMTy3/4/</a:t>
-            </a:r>
-            <a:endParaRPr lang="zh-CN" altLang="en-US"/>
-          </a:p>
-        </p:txBody>
-      </p:sp>
-    </p:spTree>
-  </p:cSld>
-  <p:clrMapOvr>
-    <a:masterClrMapping/>
-  </p:clrMapOvr>
-</p:notes>
-</file>
-
-<file path=ppt/notesSlides/notesSlide4.xml><?xml version="1.0" encoding="utf-8"?>
-<p:notes xmlns:a="http://schemas.openxmlformats.org/drawingml/2006/main" xmlns:r="http://schemas.openxmlformats.org/officeDocument/2006/relationships" xmlns:p="http://schemas.openxmlformats.org/presentationml/2006/main">
-  <p:cSld>
-    <p:spTree>
-      <p:nvGrpSpPr>
-        <p:cNvPr id="1" name=""/>
-        <p:cNvGrpSpPr/>
-        <p:nvPr/>
-      </p:nvGrpSpPr>
-      <p:grpSpPr/>
-      <p:sp>
-        <p:nvSpPr>
-          <p:cNvPr id="2" name="幻灯片图像占位符 1"/>
-          <p:cNvSpPr/>
-          <p:nvPr>
-            <p:ph type="sldImg" idx="2"/>
-          </p:nvPr>
-        </p:nvSpPr>
-        <p:spPr/>
-      </p:sp>
-      <p:sp>
-        <p:nvSpPr>
-          <p:cNvPr id="3" name="文本占位符 2"/>
-          <p:cNvSpPr/>
-          <p:nvPr>
-            <p:ph type="body" idx="3"/>
-          </p:nvPr>
-        </p:nvSpPr>
-        <p:spPr/>
-        <p:txBody>
-          <a:bodyPr/>
-          <a:p>
-            <a:r>
-              <a:rPr lang="zh-CN" altLang="en-US"/>
-              <a:t>https://regex101.com/r/1CMTy3/9</a:t>
-            </a:r>
-            <a:endParaRPr lang="zh-CN" altLang="en-US"/>
-          </a:p>
-          <a:p>
-            <a:r>
-              <a:rPr lang="zh-CN" altLang="en-US"/>
-              <a:t>https://regex101.com/r/1CMTy3/8/</a:t>
-            </a:r>
-            <a:endParaRPr lang="zh-CN" altLang="en-US"/>
-          </a:p>
-          <a:p>
-            <a:r>
-              <a:rPr lang="zh-CN" altLang="en-US"/>
-              <a:t>https://regex101.com/r/1CMTy3/11/</a:t>
-            </a:r>
-            <a:endParaRPr lang="zh-CN" altLang="en-US"/>
-          </a:p>
-          <a:p>
-            <a:r>
-              <a:rPr lang="zh-CN" altLang="en-US"/>
-              <a:t>https://regex101.com/r/1CMTy3/5/</a:t>
-            </a:r>
-            <a:endParaRPr lang="zh-CN" altLang="en-US"/>
-          </a:p>
-          <a:p>
-            <a:r>
-              <a:rPr lang="zh-CN" altLang="en-US"/>
-              <a:t>https://regex101.com/r/1CMTy3/6/</a:t>
-            </a:r>
-            <a:endParaRPr lang="zh-CN" altLang="en-US"/>
-          </a:p>
-        </p:txBody>
-      </p:sp>
-    </p:spTree>
-  </p:cSld>
-  <p:clrMapOvr>
-    <a:masterClrMapping/>
-  </p:clrMapOvr>
-</p:notes>
-</file>
-
-<file path=ppt/notesSlides/notesSlide5.xml><?xml version="1.0" encoding="utf-8"?>
-<p:notes xmlns:a="http://schemas.openxmlformats.org/drawingml/2006/main" xmlns:r="http://schemas.openxmlformats.org/officeDocument/2006/relationships" xmlns:p="http://schemas.openxmlformats.org/presentationml/2006/main">
-  <p:cSld>
-    <p:spTree>
-      <p:nvGrpSpPr>
-        <p:cNvPr id="1" name=""/>
-        <p:cNvGrpSpPr/>
-        <p:nvPr/>
-      </p:nvGrpSpPr>
-      <p:grpSpPr/>
-      <p:sp>
-        <p:nvSpPr>
-          <p:cNvPr id="2" name="幻灯片图像占位符 1"/>
-          <p:cNvSpPr/>
-          <p:nvPr>
-            <p:ph type="sldImg" idx="2"/>
-          </p:nvPr>
-        </p:nvSpPr>
-        <p:spPr/>
-      </p:sp>
-      <p:sp>
-        <p:nvSpPr>
-          <p:cNvPr id="3" name="文本占位符 2"/>
-          <p:cNvSpPr/>
-          <p:nvPr>
-            <p:ph type="body" idx="3"/>
-          </p:nvPr>
-        </p:nvSpPr>
-        <p:spPr/>
-        <p:txBody>
-          <a:bodyPr/>
-          <a:p>
-            <a:r>
-              <a:rPr lang="zh-CN" altLang="en-US"/>
-              <a:t>https://regex101.com/r/1CMTy3/12/</a:t>
-            </a:r>
-            <a:endParaRPr lang="zh-CN" altLang="en-US"/>
-          </a:p>
-        </p:txBody>
-      </p:sp>
-    </p:spTree>
-  </p:cSld>
-  <p:clrMapOvr>
-    <a:masterClrMapping/>
-  </p:clrMapOvr>
-</p:notes>
-</file>
-
-<file path=ppt/notesSlides/notesSlide6.xml><?xml version="1.0" encoding="utf-8"?>
-<p:notes xmlns:a="http://schemas.openxmlformats.org/drawingml/2006/main" xmlns:r="http://schemas.openxmlformats.org/officeDocument/2006/relationships" xmlns:p="http://schemas.openxmlformats.org/presentationml/2006/main">
-  <p:cSld>
-    <p:spTree>
-      <p:nvGrpSpPr>
-        <p:cNvPr id="1" name=""/>
-        <p:cNvGrpSpPr/>
-        <p:nvPr/>
-      </p:nvGrpSpPr>
-      <p:grpSpPr/>
-      <p:sp>
-        <p:nvSpPr>
-          <p:cNvPr id="2" name="幻灯片图像占位符 1"/>
-          <p:cNvSpPr/>
-          <p:nvPr>
-            <p:ph type="sldImg" idx="2"/>
-          </p:nvPr>
-        </p:nvSpPr>
-        <p:spPr/>
-      </p:sp>
-      <p:sp>
-        <p:nvSpPr>
-          <p:cNvPr id="3" name="文本占位符 2"/>
-          <p:cNvSpPr/>
-          <p:nvPr>
-            <p:ph type="body" idx="3"/>
-          </p:nvPr>
-        </p:nvSpPr>
-        <p:spPr/>
-        <p:txBody>
-          <a:bodyPr/>
-          <a:p>
-            <a:r>
-              <a:rPr lang="zh-CN" altLang="en-US"/>
-              <a:t>https://regex101.com/r/1CMTy3/13</a:t>
-            </a:r>
-            <a:endParaRPr lang="zh-CN" altLang="en-US"/>
-          </a:p>
-        </p:txBody>
-      </p:sp>
-    </p:spTree>
-  </p:cSld>
-  <p:clrMapOvr>
-    <a:masterClrMapping/>
-  </p:clrMapOvr>
-</p:notes>
-</file>
-
-<file path=ppt/notesSlides/notesSlide7.xml><?xml version="1.0" encoding="utf-8"?>
-<p:notes xmlns:a="http://schemas.openxmlformats.org/drawingml/2006/main" xmlns:r="http://schemas.openxmlformats.org/officeDocument/2006/relationships" xmlns:p="http://schemas.openxmlformats.org/presentationml/2006/main">
-  <p:cSld>
-    <p:spTree>
-      <p:nvGrpSpPr>
-        <p:cNvPr id="1" name=""/>
-        <p:cNvGrpSpPr/>
-        <p:nvPr/>
-      </p:nvGrpSpPr>
-      <p:grpSpPr/>
-      <p:sp>
-        <p:nvSpPr>
-          <p:cNvPr id="2" name="幻灯片图像占位符 1"/>
-          <p:cNvSpPr/>
-          <p:nvPr>
-            <p:ph type="sldImg" idx="2"/>
-          </p:nvPr>
-        </p:nvSpPr>
-        <p:spPr/>
-      </p:sp>
-      <p:sp>
-        <p:nvSpPr>
-          <p:cNvPr id="3" name="文本占位符 2"/>
-          <p:cNvSpPr/>
-          <p:nvPr>
-            <p:ph type="body" idx="3"/>
-          </p:nvPr>
-        </p:nvSpPr>
-        <p:spPr/>
-        <p:txBody>
-          <a:bodyPr/>
-          <a:p>
-            <a:r>
-              <a:rPr lang="zh-CN" altLang="en-US"/>
-              <a:t>http://git.hnjing.com:10080/jing.information/assets_front/issues/2</a:t>
-            </a:r>
-            <a:endParaRPr lang="zh-CN" altLang="en-US"/>
-          </a:p>
-          <a:p>
-            <a:r>
-              <a:rPr lang="zh-CN" altLang="en-US"/>
-              <a:t>https://regex101.com/r/1CMTy3/14</a:t>
-            </a:r>
-            <a:endParaRPr lang="zh-CN" altLang="en-US"/>
-          </a:p>
-        </p:txBody>
-      </p:sp>
-    </p:spTree>
-  </p:cSld>
-  <p:clrMapOvr>
-    <a:masterClrMapping/>
-  </p:clrMapOvr>
-</p:notes>
-</file>
-
-<file path=ppt/notesSlides/notesSlide8.xml><?xml version="1.0" encoding="utf-8"?>
 <p:notes xmlns:a="http://schemas.openxmlformats.org/drawingml/2006/main" xmlns:r="http://schemas.openxmlformats.org/officeDocument/2006/relationships" xmlns:p="http://schemas.openxmlformats.org/presentationml/2006/main">
   <p:cSld>
     <p:spTree>
@@ -1004,7 +610,7 @@
 </p:notes>
 </file>
 
-<file path=ppt/notesSlides/notesSlide9.xml><?xml version="1.0" encoding="utf-8"?>
+<file path=ppt/notesSlides/notesSlide11.xml><?xml version="1.0" encoding="utf-8"?>
 <p:notes xmlns:a="http://schemas.openxmlformats.org/drawingml/2006/main" xmlns:r="http://schemas.openxmlformats.org/officeDocument/2006/relationships" xmlns:p="http://schemas.openxmlformats.org/presentationml/2006/main">
   <p:cSld>
     <p:spTree>
@@ -1053,6 +659,565 @@
             <a:r>
               <a:rPr lang="zh-CN" altLang="en-US"/>
               <a:t>知识的贫穷限制了你的想象</a:t>
+            </a:r>
+            <a:endParaRPr lang="zh-CN" altLang="en-US"/>
+          </a:p>
+        </p:txBody>
+      </p:sp>
+    </p:spTree>
+  </p:cSld>
+  <p:clrMapOvr>
+    <a:masterClrMapping/>
+  </p:clrMapOvr>
+</p:notes>
+</file>
+
+<file path=ppt/notesSlides/notesSlide12.xml><?xml version="1.0" encoding="utf-8"?>
+<p:notes xmlns:a="http://schemas.openxmlformats.org/drawingml/2006/main" xmlns:r="http://schemas.openxmlformats.org/officeDocument/2006/relationships" xmlns:p="http://schemas.openxmlformats.org/presentationml/2006/main">
+  <p:cSld>
+    <p:spTree>
+      <p:nvGrpSpPr>
+        <p:cNvPr id="1" name=""/>
+        <p:cNvGrpSpPr/>
+        <p:nvPr/>
+      </p:nvGrpSpPr>
+      <p:grpSpPr/>
+      <p:sp>
+        <p:nvSpPr>
+          <p:cNvPr id="2" name="幻灯片图像占位符 1"/>
+          <p:cNvSpPr/>
+          <p:nvPr>
+            <p:ph type="sldImg" idx="2"/>
+          </p:nvPr>
+        </p:nvSpPr>
+        <p:spPr/>
+      </p:sp>
+      <p:sp>
+        <p:nvSpPr>
+          <p:cNvPr id="3" name="文本占位符 2"/>
+          <p:cNvSpPr/>
+          <p:nvPr>
+            <p:ph type="body" idx="3"/>
+          </p:nvPr>
+        </p:nvSpPr>
+        <p:spPr/>
+        <p:txBody>
+          <a:bodyPr/>
+          <a:p>
+            <a:endParaRPr lang="zh-CN" altLang="en-US"/>
+          </a:p>
+        </p:txBody>
+      </p:sp>
+    </p:spTree>
+  </p:cSld>
+  <p:clrMapOvr>
+    <a:masterClrMapping/>
+  </p:clrMapOvr>
+</p:notes>
+</file>
+
+<file path=ppt/notesSlides/notesSlide13.xml><?xml version="1.0" encoding="utf-8"?>
+<p:notes xmlns:a="http://schemas.openxmlformats.org/drawingml/2006/main" xmlns:r="http://schemas.openxmlformats.org/officeDocument/2006/relationships" xmlns:p="http://schemas.openxmlformats.org/presentationml/2006/main">
+  <p:cSld>
+    <p:spTree>
+      <p:nvGrpSpPr>
+        <p:cNvPr id="1" name=""/>
+        <p:cNvGrpSpPr/>
+        <p:nvPr/>
+      </p:nvGrpSpPr>
+      <p:grpSpPr/>
+      <p:sp>
+        <p:nvSpPr>
+          <p:cNvPr id="2" name="幻灯片图像占位符 1"/>
+          <p:cNvSpPr/>
+          <p:nvPr>
+            <p:ph type="sldImg" idx="2"/>
+          </p:nvPr>
+        </p:nvSpPr>
+        <p:spPr/>
+      </p:sp>
+      <p:sp>
+        <p:nvSpPr>
+          <p:cNvPr id="3" name="文本占位符 2"/>
+          <p:cNvSpPr/>
+          <p:nvPr>
+            <p:ph type="body" idx="3"/>
+          </p:nvPr>
+        </p:nvSpPr>
+        <p:spPr/>
+        <p:txBody>
+          <a:bodyPr/>
+          <a:p>
+            <a:endParaRPr lang="zh-CN" altLang="en-US"/>
+          </a:p>
+        </p:txBody>
+      </p:sp>
+    </p:spTree>
+  </p:cSld>
+  <p:clrMapOvr>
+    <a:masterClrMapping/>
+  </p:clrMapOvr>
+</p:notes>
+</file>
+
+<file path=ppt/notesSlides/notesSlide2.xml><?xml version="1.0" encoding="utf-8"?>
+<p:notes xmlns:a="http://schemas.openxmlformats.org/drawingml/2006/main" xmlns:r="http://schemas.openxmlformats.org/officeDocument/2006/relationships" xmlns:p="http://schemas.openxmlformats.org/presentationml/2006/main">
+  <p:cSld>
+    <p:spTree>
+      <p:nvGrpSpPr>
+        <p:cNvPr id="1" name=""/>
+        <p:cNvGrpSpPr/>
+        <p:nvPr/>
+      </p:nvGrpSpPr>
+      <p:grpSpPr/>
+      <p:sp>
+        <p:nvSpPr>
+          <p:cNvPr id="2" name="幻灯片图像占位符 1"/>
+          <p:cNvSpPr/>
+          <p:nvPr>
+            <p:ph type="sldImg" idx="2"/>
+          </p:nvPr>
+        </p:nvSpPr>
+        <p:spPr/>
+      </p:sp>
+      <p:sp>
+        <p:nvSpPr>
+          <p:cNvPr id="3" name="文本占位符 2"/>
+          <p:cNvSpPr/>
+          <p:nvPr>
+            <p:ph type="body" idx="3"/>
+          </p:nvPr>
+        </p:nvSpPr>
+        <p:spPr/>
+        <p:txBody>
+          <a:bodyPr/>
+          <a:p>
+            <a:r>
+              <a:rPr lang="zh-CN" altLang="zh-CN"/>
+              <a:t>比如性能问题，代表就是正则里面的回溯</a:t>
+            </a:r>
+            <a:endParaRPr lang="zh-CN" altLang="zh-CN"/>
+          </a:p>
+          <a:p>
+            <a:r>
+              <a:rPr lang="zh-CN" altLang="zh-CN"/>
+              <a:t>正是因为各个语言都支持，也就导致了各个语言的正则都所有区别，其中</a:t>
+            </a:r>
+            <a:r>
+              <a:rPr lang="en-US" altLang="zh-CN"/>
+              <a:t>lua</a:t>
+            </a:r>
+            <a:r>
+              <a:rPr lang="zh-CN" altLang="en-US"/>
+              <a:t>尤为突出</a:t>
+            </a:r>
+            <a:endParaRPr lang="zh-CN" altLang="en-US"/>
+          </a:p>
+          <a:p>
+            <a:r>
+              <a:rPr lang="zh-CN" altLang="en-US"/>
+              <a:t>不同版本的正则也就带来了学习成本</a:t>
+            </a:r>
+            <a:endParaRPr lang="zh-CN" altLang="en-US"/>
+          </a:p>
+          <a:p>
+            <a:r>
+              <a:rPr lang="zh-CN" altLang="en-US"/>
+              <a:t>在附加上正则本身一些抽象的语法规则，在学习的过程中，有时候会让人觉得难以理解</a:t>
+            </a:r>
+            <a:endParaRPr lang="zh-CN" altLang="en-US"/>
+          </a:p>
+        </p:txBody>
+      </p:sp>
+    </p:spTree>
+  </p:cSld>
+  <p:clrMapOvr>
+    <a:masterClrMapping/>
+  </p:clrMapOvr>
+</p:notes>
+</file>
+
+<file path=ppt/notesSlides/notesSlide3.xml><?xml version="1.0" encoding="utf-8"?>
+<p:notes xmlns:a="http://schemas.openxmlformats.org/drawingml/2006/main" xmlns:r="http://schemas.openxmlformats.org/officeDocument/2006/relationships" xmlns:p="http://schemas.openxmlformats.org/presentationml/2006/main">
+  <p:cSld>
+    <p:spTree>
+      <p:nvGrpSpPr>
+        <p:cNvPr id="1" name=""/>
+        <p:cNvGrpSpPr/>
+        <p:nvPr/>
+      </p:nvGrpSpPr>
+      <p:grpSpPr/>
+      <p:sp>
+        <p:nvSpPr>
+          <p:cNvPr id="2" name="幻灯片图像占位符 1"/>
+          <p:cNvSpPr/>
+          <p:nvPr>
+            <p:ph type="sldImg" idx="2"/>
+          </p:nvPr>
+        </p:nvSpPr>
+        <p:spPr/>
+      </p:sp>
+      <p:sp>
+        <p:nvSpPr>
+          <p:cNvPr id="3" name="文本占位符 2"/>
+          <p:cNvSpPr/>
+          <p:nvPr>
+            <p:ph type="body" idx="3"/>
+          </p:nvPr>
+        </p:nvSpPr>
+        <p:spPr/>
+        <p:txBody>
+          <a:bodyPr/>
+          <a:p>
+            <a:r>
+              <a:rPr lang="zh-CN" altLang="en-US"/>
+              <a:t>https://regex101.com/r/1CMTy3/2/</a:t>
+            </a:r>
+            <a:endParaRPr lang="zh-CN" altLang="en-US"/>
+          </a:p>
+          <a:p>
+            <a:r>
+              <a:rPr lang="zh-CN" altLang="en-US"/>
+              <a:t>https://regex101.com/r/1CMTy3/3/</a:t>
+            </a:r>
+            <a:endParaRPr lang="zh-CN" altLang="en-US"/>
+          </a:p>
+          <a:p>
+            <a:r>
+              <a:rPr lang="zh-CN" altLang="en-US"/>
+              <a:t>尽可能的多的匹配  连续的</a:t>
+            </a:r>
+            <a:r>
+              <a:rPr lang="en-US" altLang="zh-CN"/>
+              <a:t>1</a:t>
+            </a:r>
+            <a:r>
+              <a:rPr lang="zh-CN" altLang="en-US"/>
+              <a:t>到</a:t>
+            </a:r>
+            <a:r>
+              <a:rPr lang="en-US" altLang="zh-CN"/>
+              <a:t>n</a:t>
+            </a:r>
+            <a:r>
+              <a:rPr lang="zh-CN" altLang="en-US"/>
+              <a:t>个数字、字母、下划线</a:t>
+            </a:r>
+            <a:endParaRPr lang="zh-CN" altLang="en-US"/>
+          </a:p>
+        </p:txBody>
+      </p:sp>
+    </p:spTree>
+  </p:cSld>
+  <p:clrMapOvr>
+    <a:masterClrMapping/>
+  </p:clrMapOvr>
+</p:notes>
+</file>
+
+<file path=ppt/notesSlides/notesSlide4.xml><?xml version="1.0" encoding="utf-8"?>
+<p:notes xmlns:a="http://schemas.openxmlformats.org/drawingml/2006/main" xmlns:r="http://schemas.openxmlformats.org/officeDocument/2006/relationships" xmlns:p="http://schemas.openxmlformats.org/presentationml/2006/main">
+  <p:cSld>
+    <p:spTree>
+      <p:nvGrpSpPr>
+        <p:cNvPr id="1" name=""/>
+        <p:cNvGrpSpPr/>
+        <p:nvPr/>
+      </p:nvGrpSpPr>
+      <p:grpSpPr/>
+      <p:sp>
+        <p:nvSpPr>
+          <p:cNvPr id="2" name="幻灯片图像占位符 1"/>
+          <p:cNvSpPr/>
+          <p:nvPr>
+            <p:ph type="sldImg" idx="2"/>
+          </p:nvPr>
+        </p:nvSpPr>
+        <p:spPr/>
+      </p:sp>
+      <p:sp>
+        <p:nvSpPr>
+          <p:cNvPr id="3" name="文本占位符 2"/>
+          <p:cNvSpPr/>
+          <p:nvPr>
+            <p:ph type="body" idx="3"/>
+          </p:nvPr>
+        </p:nvSpPr>
+        <p:spPr/>
+        <p:txBody>
+          <a:bodyPr/>
+          <a:p>
+            <a:endParaRPr lang="zh-CN" altLang="en-US"/>
+          </a:p>
+        </p:txBody>
+      </p:sp>
+    </p:spTree>
+  </p:cSld>
+  <p:clrMapOvr>
+    <a:masterClrMapping/>
+  </p:clrMapOvr>
+</p:notes>
+</file>
+
+<file path=ppt/notesSlides/notesSlide5.xml><?xml version="1.0" encoding="utf-8"?>
+<p:notes xmlns:a="http://schemas.openxmlformats.org/drawingml/2006/main" xmlns:r="http://schemas.openxmlformats.org/officeDocument/2006/relationships" xmlns:p="http://schemas.openxmlformats.org/presentationml/2006/main">
+  <p:cSld>
+    <p:spTree>
+      <p:nvGrpSpPr>
+        <p:cNvPr id="1" name=""/>
+        <p:cNvGrpSpPr/>
+        <p:nvPr/>
+      </p:nvGrpSpPr>
+      <p:grpSpPr/>
+      <p:sp>
+        <p:nvSpPr>
+          <p:cNvPr id="2" name="幻灯片图像占位符 1"/>
+          <p:cNvSpPr/>
+          <p:nvPr>
+            <p:ph type="sldImg" idx="2"/>
+          </p:nvPr>
+        </p:nvSpPr>
+        <p:spPr/>
+      </p:sp>
+      <p:sp>
+        <p:nvSpPr>
+          <p:cNvPr id="3" name="文本占位符 2"/>
+          <p:cNvSpPr/>
+          <p:nvPr>
+            <p:ph type="body" idx="3"/>
+          </p:nvPr>
+        </p:nvSpPr>
+        <p:spPr/>
+        <p:txBody>
+          <a:bodyPr/>
+          <a:p>
+            <a:r>
+              <a:rPr lang="zh-CN" altLang="en-US"/>
+              <a:t>https://regex101.com/r/1CMTy3/4/</a:t>
+            </a:r>
+            <a:endParaRPr lang="zh-CN" altLang="en-US"/>
+          </a:p>
+        </p:txBody>
+      </p:sp>
+    </p:spTree>
+  </p:cSld>
+  <p:clrMapOvr>
+    <a:masterClrMapping/>
+  </p:clrMapOvr>
+</p:notes>
+</file>
+
+<file path=ppt/notesSlides/notesSlide6.xml><?xml version="1.0" encoding="utf-8"?>
+<p:notes xmlns:a="http://schemas.openxmlformats.org/drawingml/2006/main" xmlns:r="http://schemas.openxmlformats.org/officeDocument/2006/relationships" xmlns:p="http://schemas.openxmlformats.org/presentationml/2006/main">
+  <p:cSld>
+    <p:spTree>
+      <p:nvGrpSpPr>
+        <p:cNvPr id="1" name=""/>
+        <p:cNvGrpSpPr/>
+        <p:nvPr/>
+      </p:nvGrpSpPr>
+      <p:grpSpPr/>
+      <p:sp>
+        <p:nvSpPr>
+          <p:cNvPr id="2" name="幻灯片图像占位符 1"/>
+          <p:cNvSpPr/>
+          <p:nvPr>
+            <p:ph type="sldImg" idx="2"/>
+          </p:nvPr>
+        </p:nvSpPr>
+        <p:spPr/>
+      </p:sp>
+      <p:sp>
+        <p:nvSpPr>
+          <p:cNvPr id="3" name="文本占位符 2"/>
+          <p:cNvSpPr/>
+          <p:nvPr>
+            <p:ph type="body" idx="3"/>
+          </p:nvPr>
+        </p:nvSpPr>
+        <p:spPr/>
+        <p:txBody>
+          <a:bodyPr/>
+          <a:p>
+            <a:r>
+              <a:rPr lang="zh-CN" altLang="en-US"/>
+              <a:t>https://regex101.com/r/1CMTy3/9</a:t>
+            </a:r>
+            <a:r>
+              <a:rPr lang="en-US" altLang="zh-CN"/>
+              <a:t>/</a:t>
+            </a:r>
+            <a:endParaRPr lang="zh-CN" altLang="en-US"/>
+          </a:p>
+          <a:p>
+            <a:r>
+              <a:rPr lang="zh-CN" altLang="en-US"/>
+              <a:t>https://regex101.com/r/1CMTy3/8/</a:t>
+            </a:r>
+            <a:endParaRPr lang="zh-CN" altLang="en-US"/>
+          </a:p>
+          <a:p>
+            <a:r>
+              <a:rPr lang="zh-CN" altLang="en-US"/>
+              <a:t>https://regex101.com/r/1CMTy3/11/</a:t>
+            </a:r>
+            <a:endParaRPr lang="zh-CN" altLang="en-US"/>
+          </a:p>
+          <a:p>
+            <a:r>
+              <a:rPr lang="zh-CN" altLang="en-US"/>
+              <a:t>https://regex101.com/r/1CMTy3/6/</a:t>
+            </a:r>
+            <a:endParaRPr lang="zh-CN" altLang="en-US"/>
+          </a:p>
+        </p:txBody>
+      </p:sp>
+    </p:spTree>
+  </p:cSld>
+  <p:clrMapOvr>
+    <a:masterClrMapping/>
+  </p:clrMapOvr>
+</p:notes>
+</file>
+
+<file path=ppt/notesSlides/notesSlide7.xml><?xml version="1.0" encoding="utf-8"?>
+<p:notes xmlns:a="http://schemas.openxmlformats.org/drawingml/2006/main" xmlns:r="http://schemas.openxmlformats.org/officeDocument/2006/relationships" xmlns:p="http://schemas.openxmlformats.org/presentationml/2006/main">
+  <p:cSld>
+    <p:spTree>
+      <p:nvGrpSpPr>
+        <p:cNvPr id="1" name=""/>
+        <p:cNvGrpSpPr/>
+        <p:nvPr/>
+      </p:nvGrpSpPr>
+      <p:grpSpPr/>
+      <p:sp>
+        <p:nvSpPr>
+          <p:cNvPr id="2" name="幻灯片图像占位符 1"/>
+          <p:cNvSpPr/>
+          <p:nvPr>
+            <p:ph type="sldImg" idx="2"/>
+          </p:nvPr>
+        </p:nvSpPr>
+        <p:spPr/>
+      </p:sp>
+      <p:sp>
+        <p:nvSpPr>
+          <p:cNvPr id="3" name="文本占位符 2"/>
+          <p:cNvSpPr/>
+          <p:nvPr>
+            <p:ph type="body" idx="3"/>
+          </p:nvPr>
+        </p:nvSpPr>
+        <p:spPr/>
+        <p:txBody>
+          <a:bodyPr/>
+          <a:p>
+            <a:r>
+              <a:rPr lang="zh-CN" altLang="en-US"/>
+              <a:t>https://regex101.com/r/1CMTy3/12/</a:t>
+            </a:r>
+            <a:endParaRPr lang="zh-CN" altLang="en-US"/>
+          </a:p>
+        </p:txBody>
+      </p:sp>
+    </p:spTree>
+  </p:cSld>
+  <p:clrMapOvr>
+    <a:masterClrMapping/>
+  </p:clrMapOvr>
+</p:notes>
+</file>
+
+<file path=ppt/notesSlides/notesSlide8.xml><?xml version="1.0" encoding="utf-8"?>
+<p:notes xmlns:a="http://schemas.openxmlformats.org/drawingml/2006/main" xmlns:r="http://schemas.openxmlformats.org/officeDocument/2006/relationships" xmlns:p="http://schemas.openxmlformats.org/presentationml/2006/main">
+  <p:cSld>
+    <p:spTree>
+      <p:nvGrpSpPr>
+        <p:cNvPr id="1" name=""/>
+        <p:cNvGrpSpPr/>
+        <p:nvPr/>
+      </p:nvGrpSpPr>
+      <p:grpSpPr/>
+      <p:sp>
+        <p:nvSpPr>
+          <p:cNvPr id="2" name="幻灯片图像占位符 1"/>
+          <p:cNvSpPr/>
+          <p:nvPr>
+            <p:ph type="sldImg" idx="2"/>
+          </p:nvPr>
+        </p:nvSpPr>
+        <p:spPr/>
+      </p:sp>
+      <p:sp>
+        <p:nvSpPr>
+          <p:cNvPr id="3" name="文本占位符 2"/>
+          <p:cNvSpPr/>
+          <p:nvPr>
+            <p:ph type="body" idx="3"/>
+          </p:nvPr>
+        </p:nvSpPr>
+        <p:spPr/>
+        <p:txBody>
+          <a:bodyPr/>
+          <a:p>
+            <a:r>
+              <a:rPr lang="zh-CN" altLang="en-US"/>
+              <a:t>https://regex101.com/r/1CMTy3/13</a:t>
+            </a:r>
+            <a:endParaRPr lang="zh-CN" altLang="en-US"/>
+          </a:p>
+        </p:txBody>
+      </p:sp>
+    </p:spTree>
+  </p:cSld>
+  <p:clrMapOvr>
+    <a:masterClrMapping/>
+  </p:clrMapOvr>
+</p:notes>
+</file>
+
+<file path=ppt/notesSlides/notesSlide9.xml><?xml version="1.0" encoding="utf-8"?>
+<p:notes xmlns:a="http://schemas.openxmlformats.org/drawingml/2006/main" xmlns:r="http://schemas.openxmlformats.org/officeDocument/2006/relationships" xmlns:p="http://schemas.openxmlformats.org/presentationml/2006/main">
+  <p:cSld>
+    <p:spTree>
+      <p:nvGrpSpPr>
+        <p:cNvPr id="1" name=""/>
+        <p:cNvGrpSpPr/>
+        <p:nvPr/>
+      </p:nvGrpSpPr>
+      <p:grpSpPr/>
+      <p:sp>
+        <p:nvSpPr>
+          <p:cNvPr id="2" name="幻灯片图像占位符 1"/>
+          <p:cNvSpPr/>
+          <p:nvPr>
+            <p:ph type="sldImg" idx="2"/>
+          </p:nvPr>
+        </p:nvSpPr>
+        <p:spPr/>
+      </p:sp>
+      <p:sp>
+        <p:nvSpPr>
+          <p:cNvPr id="3" name="文本占位符 2"/>
+          <p:cNvSpPr/>
+          <p:nvPr>
+            <p:ph type="body" idx="3"/>
+          </p:nvPr>
+        </p:nvSpPr>
+        <p:spPr/>
+        <p:txBody>
+          <a:bodyPr/>
+          <a:p>
+            <a:r>
+              <a:rPr lang="zh-CN" altLang="en-US"/>
+              <a:t>http://git.hnjing.com:10080/jing.information/assets_front/issues/2</a:t>
+            </a:r>
+            <a:endParaRPr lang="zh-CN" altLang="en-US"/>
+          </a:p>
+          <a:p>
+            <a:r>
+              <a:rPr lang="zh-CN" altLang="en-US"/>
+              <a:t>https://regex101.com/r/1CMTy3/14</a:t>
             </a:r>
             <a:endParaRPr lang="zh-CN" altLang="en-US"/>
           </a:p>
@@ -15393,7 +15558,23 @@
                 <a:ea typeface="微软雅黑" panose="020B0503020204020204" charset="-122"/>
                 <a:cs typeface="微软雅黑" panose="020B0503020204020204" charset="-122"/>
               </a:rPr>
-              <a:t>某个位置的左边满足条件</a:t>
+              <a:t>某个位置的左边满足</a:t>
+            </a:r>
+            <a:r>
+              <a:rPr lang="zh-CN" altLang="en-US" sz="2400" spc="100" noProof="0">
+                <a:ln w="3175">
+                  <a:noFill/>
+                  <a:prstDash val="dash"/>
+                </a:ln>
+                <a:solidFill>
+                  <a:srgbClr val="595959"/>
+                </a:solidFill>
+                <a:latin typeface="微软雅黑" panose="020B0503020204020204" charset="-122"/>
+                <a:ea typeface="微软雅黑" panose="020B0503020204020204" charset="-122"/>
+                <a:cs typeface="微软雅黑" panose="020B0503020204020204" charset="-122"/>
+                <a:sym typeface="+mn-ea"/>
+              </a:rPr>
+              <a:t>表达式</a:t>
             </a:r>
             <a:endParaRPr kumimoji="0" lang="zh-CN" altLang="en-US" sz="2400" b="0" i="0" kern="1200" cap="none" spc="100" normalizeH="0" noProof="0">
               <a:ln w="3175">
@@ -16847,7 +17028,23 @@
                 <a:ea typeface="微软雅黑" panose="020B0503020204020204" charset="-122"/>
                 <a:cs typeface="微软雅黑" panose="020B0503020204020204" charset="-122"/>
               </a:rPr>
-              <a:t>某个位置的左边不满足条件</a:t>
+              <a:t>某个位置的左边不满足</a:t>
+            </a:r>
+            <a:r>
+              <a:rPr lang="zh-CN" altLang="en-US" sz="2400" spc="100" noProof="0">
+                <a:ln w="3175">
+                  <a:noFill/>
+                  <a:prstDash val="dash"/>
+                </a:ln>
+                <a:solidFill>
+                  <a:srgbClr val="595959"/>
+                </a:solidFill>
+                <a:latin typeface="微软雅黑" panose="020B0503020204020204" charset="-122"/>
+                <a:ea typeface="微软雅黑" panose="020B0503020204020204" charset="-122"/>
+                <a:cs typeface="微软雅黑" panose="020B0503020204020204" charset="-122"/>
+                <a:sym typeface="+mn-ea"/>
+              </a:rPr>
+              <a:t>表达式</a:t>
             </a:r>
             <a:endParaRPr kumimoji="0" lang="zh-CN" altLang="en-US" sz="2400" b="0" i="0" kern="1200" cap="none" spc="100" normalizeH="0" noProof="0">
               <a:ln w="3175">
@@ -19030,9 +19227,324 @@
                 <a:ea typeface="微软雅黑" panose="020B0503020204020204" charset="-122"/>
                 <a:cs typeface="微软雅黑" panose="020B0503020204020204" charset="-122"/>
               </a:rPr>
-              <a:t>网关原先支持cms_render_v1转化为cms_render/v1，后面需要支持cms-render-v1/cms_render-v1写法</a:t>
+              <a:t>网关原先支持</a:t>
             </a:r>
-            <a:endParaRPr lang="zh-CN" altLang="en-US" sz="1800" spc="50">
+            <a:r>
+              <a:rPr altLang="zh-CN" sz="1800" spc="50">
+                <a:ln w="3175">
+                  <a:noFill/>
+                  <a:prstDash val="dash"/>
+                </a:ln>
+                <a:solidFill>
+                  <a:srgbClr val="595959"/>
+                </a:solidFill>
+                <a:latin typeface="微软雅黑" panose="020B0503020204020204" charset="-122"/>
+                <a:ea typeface="微软雅黑" panose="020B0503020204020204" charset="-122"/>
+                <a:cs typeface="微软雅黑" panose="020B0503020204020204" charset="-122"/>
+              </a:rPr>
+              <a:t>a</a:t>
+            </a:r>
+            <a:r>
+              <a:rPr lang="zh-CN" altLang="en-US" sz="1800" spc="50">
+                <a:ln w="3175">
+                  <a:noFill/>
+                  <a:prstDash val="dash"/>
+                </a:ln>
+                <a:solidFill>
+                  <a:srgbClr val="595959"/>
+                </a:solidFill>
+                <a:latin typeface="微软雅黑" panose="020B0503020204020204" charset="-122"/>
+                <a:ea typeface="微软雅黑" panose="020B0503020204020204" charset="-122"/>
+                <a:cs typeface="微软雅黑" panose="020B0503020204020204" charset="-122"/>
+              </a:rPr>
+              <a:t>_</a:t>
+            </a:r>
+            <a:r>
+              <a:rPr altLang="zh-CN" sz="1800" spc="50">
+                <a:ln w="3175">
+                  <a:noFill/>
+                  <a:prstDash val="dash"/>
+                </a:ln>
+                <a:solidFill>
+                  <a:srgbClr val="595959"/>
+                </a:solidFill>
+                <a:latin typeface="微软雅黑" panose="020B0503020204020204" charset="-122"/>
+                <a:ea typeface="微软雅黑" panose="020B0503020204020204" charset="-122"/>
+                <a:cs typeface="微软雅黑" panose="020B0503020204020204" charset="-122"/>
+              </a:rPr>
+              <a:t>b_c</a:t>
+            </a:r>
+            <a:r>
+              <a:rPr lang="zh-CN" altLang="en-US" sz="1800" spc="50">
+                <a:ln w="3175">
+                  <a:noFill/>
+                  <a:prstDash val="dash"/>
+                </a:ln>
+                <a:solidFill>
+                  <a:srgbClr val="595959"/>
+                </a:solidFill>
+                <a:latin typeface="微软雅黑" panose="020B0503020204020204" charset="-122"/>
+                <a:ea typeface="微软雅黑" panose="020B0503020204020204" charset="-122"/>
+                <a:cs typeface="微软雅黑" panose="020B0503020204020204" charset="-122"/>
+              </a:rPr>
+              <a:t>_v1转化为</a:t>
+            </a:r>
+            <a:r>
+              <a:rPr altLang="zh-CN" sz="1800" spc="50">
+                <a:ln w="3175">
+                  <a:noFill/>
+                  <a:prstDash val="dash"/>
+                </a:ln>
+                <a:solidFill>
+                  <a:srgbClr val="595959"/>
+                </a:solidFill>
+                <a:latin typeface="微软雅黑" panose="020B0503020204020204" charset="-122"/>
+                <a:ea typeface="微软雅黑" panose="020B0503020204020204" charset="-122"/>
+                <a:cs typeface="微软雅黑" panose="020B0503020204020204" charset="-122"/>
+              </a:rPr>
+              <a:t>/a</a:t>
+            </a:r>
+            <a:r>
+              <a:rPr lang="zh-CN" altLang="en-US" sz="1800" spc="50">
+                <a:ln w="3175">
+                  <a:noFill/>
+                  <a:prstDash val="dash"/>
+                </a:ln>
+                <a:solidFill>
+                  <a:srgbClr val="595959"/>
+                </a:solidFill>
+                <a:latin typeface="微软雅黑" panose="020B0503020204020204" charset="-122"/>
+                <a:ea typeface="微软雅黑" panose="020B0503020204020204" charset="-122"/>
+                <a:cs typeface="微软雅黑" panose="020B0503020204020204" charset="-122"/>
+              </a:rPr>
+              <a:t>_</a:t>
+            </a:r>
+            <a:r>
+              <a:rPr altLang="zh-CN" sz="1800" spc="50">
+                <a:ln w="3175">
+                  <a:noFill/>
+                  <a:prstDash val="dash"/>
+                </a:ln>
+                <a:solidFill>
+                  <a:srgbClr val="595959"/>
+                </a:solidFill>
+                <a:latin typeface="微软雅黑" panose="020B0503020204020204" charset="-122"/>
+                <a:ea typeface="微软雅黑" panose="020B0503020204020204" charset="-122"/>
+                <a:cs typeface="微软雅黑" panose="020B0503020204020204" charset="-122"/>
+              </a:rPr>
+              <a:t>b_c</a:t>
+            </a:r>
+            <a:r>
+              <a:rPr lang="zh-CN" altLang="en-US" sz="1800" spc="50">
+                <a:ln w="3175">
+                  <a:noFill/>
+                  <a:prstDash val="dash"/>
+                </a:ln>
+                <a:solidFill>
+                  <a:srgbClr val="595959"/>
+                </a:solidFill>
+                <a:latin typeface="微软雅黑" panose="020B0503020204020204" charset="-122"/>
+                <a:ea typeface="微软雅黑" panose="020B0503020204020204" charset="-122"/>
+                <a:cs typeface="微软雅黑" panose="020B0503020204020204" charset="-122"/>
+              </a:rPr>
+              <a:t>/v1</a:t>
+            </a:r>
+            <a:r>
+              <a:rPr altLang="zh-CN" sz="1800" spc="50">
+                <a:ln w="3175">
+                  <a:noFill/>
+                  <a:prstDash val="dash"/>
+                </a:ln>
+                <a:solidFill>
+                  <a:srgbClr val="595959"/>
+                </a:solidFill>
+                <a:latin typeface="微软雅黑" panose="020B0503020204020204" charset="-122"/>
+                <a:ea typeface="微软雅黑" panose="020B0503020204020204" charset="-122"/>
+                <a:cs typeface="微软雅黑" panose="020B0503020204020204" charset="-122"/>
+              </a:rPr>
+              <a:t>/</a:t>
+            </a:r>
+            <a:r>
+              <a:rPr lang="zh-CN" altLang="en-US" sz="1800" spc="50">
+                <a:ln w="3175">
+                  <a:noFill/>
+                  <a:prstDash val="dash"/>
+                </a:ln>
+                <a:solidFill>
+                  <a:srgbClr val="595959"/>
+                </a:solidFill>
+                <a:latin typeface="微软雅黑" panose="020B0503020204020204" charset="-122"/>
+                <a:ea typeface="微软雅黑" panose="020B0503020204020204" charset="-122"/>
+                <a:cs typeface="微软雅黑" panose="020B0503020204020204" charset="-122"/>
+              </a:rPr>
+              <a:t>，后面需要支持</a:t>
+            </a:r>
+            <a:r>
+              <a:rPr altLang="zh-CN" sz="1800" spc="50">
+                <a:ln w="3175">
+                  <a:noFill/>
+                  <a:prstDash val="dash"/>
+                </a:ln>
+                <a:solidFill>
+                  <a:srgbClr val="595959"/>
+                </a:solidFill>
+                <a:latin typeface="微软雅黑" panose="020B0503020204020204" charset="-122"/>
+                <a:ea typeface="微软雅黑" panose="020B0503020204020204" charset="-122"/>
+                <a:cs typeface="微软雅黑" panose="020B0503020204020204" charset="-122"/>
+              </a:rPr>
+              <a:t>a</a:t>
+            </a:r>
+            <a:r>
+              <a:rPr lang="zh-CN" altLang="en-US" sz="1800" spc="50">
+                <a:ln w="3175">
+                  <a:noFill/>
+                  <a:prstDash val="dash"/>
+                </a:ln>
+                <a:solidFill>
+                  <a:srgbClr val="595959"/>
+                </a:solidFill>
+                <a:latin typeface="微软雅黑" panose="020B0503020204020204" charset="-122"/>
+                <a:ea typeface="微软雅黑" panose="020B0503020204020204" charset="-122"/>
+                <a:cs typeface="微软雅黑" panose="020B0503020204020204" charset="-122"/>
+              </a:rPr>
+              <a:t>-</a:t>
+            </a:r>
+            <a:r>
+              <a:rPr altLang="zh-CN" sz="1800" spc="50">
+                <a:ln w="3175">
+                  <a:noFill/>
+                  <a:prstDash val="dash"/>
+                </a:ln>
+                <a:solidFill>
+                  <a:srgbClr val="595959"/>
+                </a:solidFill>
+                <a:latin typeface="微软雅黑" panose="020B0503020204020204" charset="-122"/>
+                <a:ea typeface="微软雅黑" panose="020B0503020204020204" charset="-122"/>
+                <a:cs typeface="微软雅黑" panose="020B0503020204020204" charset="-122"/>
+              </a:rPr>
+              <a:t>b-c</a:t>
+            </a:r>
+            <a:r>
+              <a:rPr lang="zh-CN" altLang="en-US" sz="1800" spc="50">
+                <a:ln w="3175">
+                  <a:noFill/>
+                  <a:prstDash val="dash"/>
+                </a:ln>
+                <a:solidFill>
+                  <a:srgbClr val="595959"/>
+                </a:solidFill>
+                <a:latin typeface="微软雅黑" panose="020B0503020204020204" charset="-122"/>
+                <a:ea typeface="微软雅黑" panose="020B0503020204020204" charset="-122"/>
+                <a:cs typeface="微软雅黑" panose="020B0503020204020204" charset="-122"/>
+              </a:rPr>
+              <a:t>-v1/</a:t>
+            </a:r>
+            <a:r>
+              <a:rPr altLang="zh-CN" sz="1800" spc="50">
+                <a:ln w="3175">
+                  <a:noFill/>
+                  <a:prstDash val="dash"/>
+                </a:ln>
+                <a:solidFill>
+                  <a:srgbClr val="595959"/>
+                </a:solidFill>
+                <a:latin typeface="微软雅黑" panose="020B0503020204020204" charset="-122"/>
+                <a:ea typeface="微软雅黑" panose="020B0503020204020204" charset="-122"/>
+                <a:cs typeface="微软雅黑" panose="020B0503020204020204" charset="-122"/>
+              </a:rPr>
+              <a:t>a</a:t>
+            </a:r>
+            <a:r>
+              <a:rPr lang="zh-CN" altLang="en-US" sz="1800" spc="50">
+                <a:ln w="3175">
+                  <a:noFill/>
+                  <a:prstDash val="dash"/>
+                </a:ln>
+                <a:solidFill>
+                  <a:srgbClr val="595959"/>
+                </a:solidFill>
+                <a:latin typeface="微软雅黑" panose="020B0503020204020204" charset="-122"/>
+                <a:ea typeface="微软雅黑" panose="020B0503020204020204" charset="-122"/>
+                <a:cs typeface="微软雅黑" panose="020B0503020204020204" charset="-122"/>
+              </a:rPr>
+              <a:t>_</a:t>
+            </a:r>
+            <a:r>
+              <a:rPr altLang="zh-CN" sz="1800" spc="50">
+                <a:ln w="3175">
+                  <a:noFill/>
+                  <a:prstDash val="dash"/>
+                </a:ln>
+                <a:solidFill>
+                  <a:srgbClr val="595959"/>
+                </a:solidFill>
+                <a:latin typeface="微软雅黑" panose="020B0503020204020204" charset="-122"/>
+                <a:ea typeface="微软雅黑" panose="020B0503020204020204" charset="-122"/>
+                <a:cs typeface="微软雅黑" panose="020B0503020204020204" charset="-122"/>
+              </a:rPr>
+              <a:t>b_c</a:t>
+            </a:r>
+            <a:r>
+              <a:rPr lang="zh-CN" altLang="en-US" sz="1800" spc="50">
+                <a:ln w="3175">
+                  <a:noFill/>
+                  <a:prstDash val="dash"/>
+                </a:ln>
+                <a:solidFill>
+                  <a:srgbClr val="595959"/>
+                </a:solidFill>
+                <a:latin typeface="微软雅黑" panose="020B0503020204020204" charset="-122"/>
+                <a:ea typeface="微软雅黑" panose="020B0503020204020204" charset="-122"/>
+                <a:cs typeface="微软雅黑" panose="020B0503020204020204" charset="-122"/>
+              </a:rPr>
+              <a:t>-v1转换为</a:t>
+            </a:r>
+            <a:r>
+              <a:rPr altLang="zh-CN" sz="1800" spc="50">
+                <a:ln w="3175">
+                  <a:noFill/>
+                  <a:prstDash val="dash"/>
+                </a:ln>
+                <a:solidFill>
+                  <a:srgbClr val="595959"/>
+                </a:solidFill>
+                <a:latin typeface="微软雅黑" panose="020B0503020204020204" charset="-122"/>
+                <a:ea typeface="微软雅黑" panose="020B0503020204020204" charset="-122"/>
+                <a:cs typeface="微软雅黑" panose="020B0503020204020204" charset="-122"/>
+              </a:rPr>
+              <a:t>/a-b-c/v1/</a:t>
+            </a:r>
+            <a:r>
+              <a:rPr lang="zh-CN" altLang="en-US" sz="1800" spc="50">
+                <a:ln w="3175">
+                  <a:noFill/>
+                  <a:prstDash val="dash"/>
+                </a:ln>
+                <a:solidFill>
+                  <a:srgbClr val="595959"/>
+                </a:solidFill>
+                <a:latin typeface="微软雅黑" panose="020B0503020204020204" charset="-122"/>
+                <a:ea typeface="微软雅黑" panose="020B0503020204020204" charset="-122"/>
+                <a:cs typeface="微软雅黑" panose="020B0503020204020204" charset="-122"/>
+              </a:rPr>
+              <a:t>、</a:t>
+            </a:r>
+            <a:r>
+              <a:rPr altLang="zh-CN" sz="1800" spc="50">
+                <a:ln w="3175">
+                  <a:noFill/>
+                  <a:prstDash val="dash"/>
+                </a:ln>
+                <a:solidFill>
+                  <a:srgbClr val="595959"/>
+                </a:solidFill>
+                <a:latin typeface="微软雅黑" panose="020B0503020204020204" charset="-122"/>
+                <a:ea typeface="微软雅黑" panose="020B0503020204020204" charset="-122"/>
+                <a:cs typeface="微软雅黑" panose="020B0503020204020204" charset="-122"/>
+              </a:rPr>
+              <a:t>/a_b_c/v1/</a:t>
+            </a:r>
+            <a:endParaRPr altLang="zh-CN" sz="1800" spc="50">
               <a:ln w="3175">
                 <a:noFill/>
                 <a:prstDash val="dash"/>
@@ -20353,7 +20865,18 @@
                 <a:ea typeface="微软雅黑" panose="020B0503020204020204" charset="-122"/>
                 <a:hlinkClick r:id="rId5" action="ppaction://hlinkfile"/>
               </a:rPr>
-              <a:t>金钱格式化</a:t>
+              <a:t>金钱格式化 </a:t>
+            </a:r>
+            <a:r>
+              <a:rPr lang="en-US" altLang="zh-CN" sz="2400">
+                <a:solidFill>
+                  <a:srgbClr val="404040"/>
+                </a:solidFill>
+                <a:latin typeface="微软雅黑" panose="020B0503020204020204" charset="-122"/>
+                <a:ea typeface="微软雅黑" panose="020B0503020204020204" charset="-122"/>
+                <a:hlinkClick r:id="rId5" action="ppaction://hlinkfile"/>
+              </a:rPr>
+              <a:t>'1234'.replace(/xx/, '-')</a:t>
             </a:r>
             <a:endParaRPr lang="zh-CN" altLang="en-US" sz="2400">
               <a:solidFill>
@@ -21309,7 +21832,7 @@
         </p:nvSpPr>
         <p:spPr>
           <a:xfrm rot="10800000">
-            <a:off x="10038961" y="4860578"/>
+            <a:off x="10018006" y="4879628"/>
             <a:ext cx="859084" cy="674203"/>
           </a:xfrm>
           <a:custGeom>
@@ -22610,7 +23133,7 @@
                 <a:ea typeface="微软雅黑" panose="020B0503020204020204" charset="-122"/>
                 <a:cs typeface="微软雅黑" panose="020B0503020204020204" charset="-122"/>
               </a:rPr>
-              <a:t>各个语言都不相同，lua尤为突出</a:t>
+              <a:t>各个语言都所区别，lua尤为突出</a:t>
             </a:r>
             <a:endParaRPr lang="zh-CN" altLang="en-US" sz="1600" spc="150">
               <a:solidFill>
@@ -25786,7 +26309,17 @@
                 <a:latin typeface="微软雅黑" panose="020B0503020204020204" charset="-122"/>
                 <a:ea typeface="微软雅黑" panose="020B0503020204020204" charset="-122"/>
               </a:rPr>
-              <a:t>兼容多种业务场景</a:t>
+              <a:t>兼容多种</a:t>
+            </a:r>
+            <a:r>
+              <a:rPr lang="zh-CN" altLang="en-US" sz="1800">
+                <a:solidFill>
+                  <a:srgbClr val="404040"/>
+                </a:solidFill>
+                <a:latin typeface="微软雅黑" panose="020B0503020204020204" charset="-122"/>
+                <a:ea typeface="微软雅黑" panose="020B0503020204020204" charset="-122"/>
+              </a:rPr>
+              <a:t>字符串场景</a:t>
             </a:r>
             <a:endParaRPr lang="en-US" altLang="zh-CN" sz="1800">
               <a:solidFill>
@@ -26597,7 +27130,7 @@
                 <a:latin typeface="微软雅黑" panose="020B0503020204020204" charset="-122"/>
                 <a:cs typeface="微软雅黑" panose="020B0503020204020204" charset="-122"/>
               </a:rPr>
-              <a:t>\s 空白符 如: \t\n\r\f</a:t>
+              <a:t>\s 空白符 如:\t\n\r \f</a:t>
             </a:r>
             <a:endParaRPr lang="en-US" altLang="zh-CN" sz="2200">
               <a:solidFill>
@@ -27378,7 +27911,29 @@
                 <a:cs typeface="微软雅黑" panose="020B0503020204020204" charset="-122"/>
                 <a:hlinkClick r:id="rId9" action="ppaction://hlinkfile"/>
               </a:rPr>
-              <a:t>匹配2010-1-01的年月日</a:t>
+              <a:t>匹配2010/1/</a:t>
+            </a:r>
+            <a:r>
+              <a:rPr lang="en-US" altLang="zh-CN" sz="2200">
+                <a:solidFill>
+                  <a:srgbClr val="262626"/>
+                </a:solidFill>
+                <a:latin typeface="微软雅黑" panose="020B0503020204020204" charset="-122"/>
+                <a:cs typeface="微软雅黑" panose="020B0503020204020204" charset="-122"/>
+                <a:hlinkClick r:id="rId9" action="ppaction://hlinkfile"/>
+              </a:rPr>
+              <a:t>0</a:t>
+            </a:r>
+            <a:r>
+              <a:rPr lang="zh-CN" altLang="en-US" sz="2200">
+                <a:solidFill>
+                  <a:srgbClr val="262626"/>
+                </a:solidFill>
+                <a:latin typeface="微软雅黑" panose="020B0503020204020204" charset="-122"/>
+                <a:cs typeface="微软雅黑" panose="020B0503020204020204" charset="-122"/>
+                <a:hlinkClick r:id="rId9" action="ppaction://hlinkfile"/>
+              </a:rPr>
+              <a:t>2的年月日</a:t>
             </a:r>
             <a:endParaRPr lang="zh-CN" altLang="en-US" sz="2200">
               <a:solidFill>
@@ -27389,46 +27944,11 @@
               <a:hlinkClick r:id="rId9" action="ppaction://hlinkfile"/>
             </a:endParaRPr>
           </a:p>
-          <a:p>
-            <a:pPr marL="285750" lvl="0" indent="-285750" algn="l" fontAlgn="ctr">
-              <a:lnSpc>
-                <a:spcPct val="130000"/>
-              </a:lnSpc>
-              <a:spcBef>
-                <a:spcPts val="1000"/>
-              </a:spcBef>
-              <a:spcAft>
-                <a:spcPts val="0"/>
-              </a:spcAft>
-              <a:buSzPct val="100000"/>
-              <a:buFont typeface="Wingdings" panose="05000000000000000000" charset="0"/>
-              <a:buChar char="l"/>
-            </a:pPr>
-            <a:r>
-              <a:rPr lang="zh-CN" altLang="en-US" sz="2200">
-                <a:solidFill>
-                  <a:srgbClr val="262626"/>
-                </a:solidFill>
-                <a:latin typeface="微软雅黑" panose="020B0503020204020204" charset="-122"/>
-                <a:cs typeface="微软雅黑" panose="020B0503020204020204" charset="-122"/>
-                <a:hlinkClick r:id="rId10" action="ppaction://hlinkfile"/>
-              </a:rPr>
-              <a:t>匹配2010/1/2的年月日</a:t>
-            </a:r>
-            <a:endParaRPr lang="zh-CN" altLang="en-US" sz="2200">
-              <a:solidFill>
-                <a:srgbClr val="262626"/>
-              </a:solidFill>
-              <a:latin typeface="微软雅黑" panose="020B0503020204020204" charset="-122"/>
-              <a:cs typeface="微软雅黑" panose="020B0503020204020204" charset="-122"/>
-              <a:hlinkClick r:id="rId10" action="ppaction://hlinkfile"/>
-            </a:endParaRPr>
-          </a:p>
         </p:txBody>
       </p:sp>
     </p:spTree>
     <p:custDataLst>
-      <p:tags r:id="rId11"/>
+      <p:tags r:id="rId10"/>
     </p:custDataLst>
   </p:cSld>
   <p:clrMapOvr>
@@ -29011,7 +29531,7 @@
                 <a:ea typeface="微软雅黑" panose="020B0503020204020204" charset="-122"/>
                 <a:cs typeface="微软雅黑" panose="020B0503020204020204" charset="-122"/>
               </a:rPr>
-              <a:t>某个位置的右边满足条件</a:t>
+              <a:t>某个位置的右边满足表达式</a:t>
             </a:r>
             <a:endParaRPr kumimoji="0" lang="zh-CN" altLang="en-US" sz="2400" b="0" i="0" kern="1200" cap="none" spc="100" normalizeH="0" noProof="0">
               <a:ln w="3175">
@@ -29061,7 +29581,7 @@
                 <a:latin typeface="微软雅黑" panose="020B0503020204020204" charset="-122"/>
                 <a:ea typeface="微软雅黑" panose="020B0503020204020204" charset="-122"/>
                 <a:cs typeface="微软雅黑" panose="020B0503020204020204" charset="-122"/>
-                <a:hlinkClick r:id="rId7" tooltip="" action="ppaction://hlinkfile"/>
+                <a:hlinkClick r:id="rId7" action="ppaction://hlinkfile"/>
               </a:rPr>
               <a:t>/abcd(?=1234)/.test('abcd1234')</a:t>
             </a:r>
@@ -30111,7 +30631,23 @@
                 <a:ea typeface="微软雅黑" panose="020B0503020204020204" charset="-122"/>
                 <a:cs typeface="微软雅黑" panose="020B0503020204020204" charset="-122"/>
               </a:rPr>
-              <a:t>某个位置的右边不满足条件</a:t>
+              <a:t>某个位置的右边不满足</a:t>
+            </a:r>
+            <a:r>
+              <a:rPr lang="zh-CN" altLang="en-US" sz="2400" spc="100" noProof="0">
+                <a:ln w="3175">
+                  <a:noFill/>
+                  <a:prstDash val="dash"/>
+                </a:ln>
+                <a:solidFill>
+                  <a:srgbClr val="595959"/>
+                </a:solidFill>
+                <a:latin typeface="微软雅黑" panose="020B0503020204020204" charset="-122"/>
+                <a:ea typeface="微软雅黑" panose="020B0503020204020204" charset="-122"/>
+                <a:cs typeface="微软雅黑" panose="020B0503020204020204" charset="-122"/>
+                <a:sym typeface="+mn-ea"/>
+              </a:rPr>
+              <a:t>表达式</a:t>
             </a:r>
             <a:endParaRPr kumimoji="0" lang="zh-CN" altLang="en-US" sz="2400" b="0" i="0" kern="1200" cap="none" spc="100" normalizeH="0" noProof="0">
               <a:ln w="3175">

--- a/科普.pptx
+++ b/科普.pptx
@@ -26,8 +26,7 @@
     <p:sldId id="302" r:id="rId19"/>
     <p:sldId id="297" r:id="rId20"/>
     <p:sldId id="299" r:id="rId21"/>
-    <p:sldId id="301" r:id="rId22"/>
-    <p:sldId id="306" r:id="rId23"/>
+    <p:sldId id="306" r:id="rId22"/>
   </p:sldIdLst>
   <p:sldSz cx="12192000" cy="6858000"/>
   <p:notesSz cx="7103745" cy="10234295"/>
@@ -531,7 +530,17 @@
           <a:p>
             <a:r>
               <a:rPr lang="zh-CN" altLang="zh-CN"/>
-              <a:t>在各个高级编程语言里面，几乎都支持正则，但是对正则的</a:t>
+              <a:t>在</a:t>
+            </a:r>
+            <a:r>
+              <a:rPr lang="zh-CN" altLang="zh-CN">
+                <a:sym typeface="+mn-ea"/>
+              </a:rPr>
+              <a:t>编程的</a:t>
+            </a:r>
+            <a:r>
+              <a:rPr lang="zh-CN" altLang="zh-CN"/>
+              <a:t>各个高级语言里面，几乎都支持正则，但是对正则的</a:t>
             </a:r>
             <a:r>
               <a:rPr lang="zh-CN" altLang="zh-CN">
@@ -556,6 +565,61 @@
 </file>
 
 <file path=ppt/notesSlides/notesSlide10.xml><?xml version="1.0" encoding="utf-8"?>
+<p:notes xmlns:a="http://schemas.openxmlformats.org/drawingml/2006/main" xmlns:r="http://schemas.openxmlformats.org/officeDocument/2006/relationships" xmlns:p="http://schemas.openxmlformats.org/presentationml/2006/main">
+  <p:cSld>
+    <p:spTree>
+      <p:nvGrpSpPr>
+        <p:cNvPr id="1" name=""/>
+        <p:cNvGrpSpPr/>
+        <p:nvPr/>
+      </p:nvGrpSpPr>
+      <p:grpSpPr/>
+      <p:sp>
+        <p:nvSpPr>
+          <p:cNvPr id="2" name="幻灯片图像占位符 1"/>
+          <p:cNvSpPr/>
+          <p:nvPr>
+            <p:ph type="sldImg" idx="2"/>
+          </p:nvPr>
+        </p:nvSpPr>
+        <p:spPr/>
+      </p:sp>
+      <p:sp>
+        <p:nvSpPr>
+          <p:cNvPr id="3" name="文本占位符 2"/>
+          <p:cNvSpPr/>
+          <p:nvPr>
+            <p:ph type="body" idx="3"/>
+          </p:nvPr>
+        </p:nvSpPr>
+        <p:spPr/>
+        <p:txBody>
+          <a:bodyPr/>
+          <a:p>
+            <a:r>
+              <a:rPr lang="zh-CN" altLang="en-US"/>
+              <a:t>http://git.hnjing.com:10080/jing.information/assets_front/issues/2</a:t>
+            </a:r>
+            <a:endParaRPr lang="zh-CN" altLang="en-US"/>
+          </a:p>
+          <a:p>
+            <a:r>
+              <a:rPr lang="zh-CN" altLang="en-US"/>
+              <a:t>https://regex101.com/r/1CMTy3/14</a:t>
+            </a:r>
+            <a:endParaRPr lang="zh-CN" altLang="en-US"/>
+          </a:p>
+        </p:txBody>
+      </p:sp>
+    </p:spTree>
+  </p:cSld>
+  <p:clrMapOvr>
+    <a:masterClrMapping/>
+  </p:clrMapOvr>
+</p:notes>
+</file>
+
+<file path=ppt/notesSlides/notesSlide11.xml><?xml version="1.0" encoding="utf-8"?>
 <p:notes xmlns:a="http://schemas.openxmlformats.org/drawingml/2006/main" xmlns:r="http://schemas.openxmlformats.org/officeDocument/2006/relationships" xmlns:p="http://schemas.openxmlformats.org/presentationml/2006/main">
   <p:cSld>
     <p:spTree>
@@ -610,7 +674,7 @@
 </p:notes>
 </file>
 
-<file path=ppt/notesSlides/notesSlide11.xml><?xml version="1.0" encoding="utf-8"?>
+<file path=ppt/notesSlides/notesSlide12.xml><?xml version="1.0" encoding="utf-8"?>
 <p:notes xmlns:a="http://schemas.openxmlformats.org/drawingml/2006/main" xmlns:r="http://schemas.openxmlformats.org/officeDocument/2006/relationships" xmlns:p="http://schemas.openxmlformats.org/presentationml/2006/main">
   <p:cSld>
     <p:spTree>
@@ -660,50 +724,6 @@
               <a:rPr lang="zh-CN" altLang="en-US"/>
               <a:t>知识的贫穷限制了你的想象</a:t>
             </a:r>
-            <a:endParaRPr lang="zh-CN" altLang="en-US"/>
-          </a:p>
-        </p:txBody>
-      </p:sp>
-    </p:spTree>
-  </p:cSld>
-  <p:clrMapOvr>
-    <a:masterClrMapping/>
-  </p:clrMapOvr>
-</p:notes>
-</file>
-
-<file path=ppt/notesSlides/notesSlide12.xml><?xml version="1.0" encoding="utf-8"?>
-<p:notes xmlns:a="http://schemas.openxmlformats.org/drawingml/2006/main" xmlns:r="http://schemas.openxmlformats.org/officeDocument/2006/relationships" xmlns:p="http://schemas.openxmlformats.org/presentationml/2006/main">
-  <p:cSld>
-    <p:spTree>
-      <p:nvGrpSpPr>
-        <p:cNvPr id="1" name=""/>
-        <p:cNvGrpSpPr/>
-        <p:nvPr/>
-      </p:nvGrpSpPr>
-      <p:grpSpPr/>
-      <p:sp>
-        <p:nvSpPr>
-          <p:cNvPr id="2" name="幻灯片图像占位符 1"/>
-          <p:cNvSpPr/>
-          <p:nvPr>
-            <p:ph type="sldImg" idx="2"/>
-          </p:nvPr>
-        </p:nvSpPr>
-        <p:spPr/>
-      </p:sp>
-      <p:sp>
-        <p:nvSpPr>
-          <p:cNvPr id="3" name="文本占位符 2"/>
-          <p:cNvSpPr/>
-          <p:nvPr>
-            <p:ph type="body" idx="3"/>
-          </p:nvPr>
-        </p:nvSpPr>
-        <p:spPr/>
-        <p:txBody>
-          <a:bodyPr/>
-          <a:p>
             <a:endParaRPr lang="zh-CN" altLang="en-US"/>
           </a:p>
         </p:txBody>
@@ -1208,17 +1228,6 @@
         <p:txBody>
           <a:bodyPr/>
           <a:p>
-            <a:r>
-              <a:rPr lang="zh-CN" altLang="en-US"/>
-              <a:t>http://git.hnjing.com:10080/jing.information/assets_front/issues/2</a:t>
-            </a:r>
-            <a:endParaRPr lang="zh-CN" altLang="en-US"/>
-          </a:p>
-          <a:p>
-            <a:r>
-              <a:rPr lang="zh-CN" altLang="en-US"/>
-              <a:t>https://regex101.com/r/1CMTy3/14</a:t>
-            </a:r>
             <a:endParaRPr lang="zh-CN" altLang="en-US"/>
           </a:p>
         </p:txBody>
@@ -15796,384 +15805,13 @@
           </a:p>
         </p:txBody>
       </p:sp>
-      <p:grpSp>
-        <p:nvGrpSpPr>
-          <p:cNvPr id="4" name="组合 3"/>
-          <p:cNvGrpSpPr/>
-          <p:nvPr>
-            <p:custDataLst>
-              <p:tags r:id="rId7"/>
-            </p:custDataLst>
-          </p:nvPr>
-        </p:nvGrpSpPr>
-        <p:grpSpPr>
-          <a:xfrm>
-            <a:off x="10827619" y="761703"/>
-            <a:ext cx="907181" cy="338554"/>
-            <a:chOff x="10533724" y="928160"/>
-            <a:chExt cx="907181" cy="338554"/>
-          </a:xfrm>
-        </p:grpSpPr>
-        <p:sp>
-          <p:nvSpPr>
-            <p:cNvPr id="14" name="矩形: 圆角 13"/>
-            <p:cNvSpPr/>
-            <p:nvPr>
-              <p:custDataLst>
-                <p:tags r:id="rId8"/>
-              </p:custDataLst>
-            </p:nvPr>
-          </p:nvSpPr>
-          <p:spPr>
-            <a:xfrm>
-              <a:off x="10533724" y="940804"/>
-              <a:ext cx="907181" cy="313266"/>
-            </a:xfrm>
-            <a:prstGeom prst="roundRect">
-              <a:avLst>
-                <a:gd name="adj" fmla="val 50000"/>
-              </a:avLst>
-            </a:prstGeom>
-            <a:solidFill>
-              <a:srgbClr val="FDE45A"/>
-            </a:solidFill>
-            <a:ln>
-              <a:noFill/>
-            </a:ln>
-          </p:spPr>
-          <p:style>
-            <a:lnRef idx="2">
-              <a:schemeClr val="accent1">
-                <a:shade val="50000"/>
-              </a:schemeClr>
-            </a:lnRef>
-            <a:fillRef idx="1">
-              <a:schemeClr val="accent1"/>
-            </a:fillRef>
-            <a:effectRef idx="0">
-              <a:schemeClr val="accent1"/>
-            </a:effectRef>
-            <a:fontRef idx="minor">
-              <a:schemeClr val="lt1"/>
-            </a:fontRef>
-          </p:style>
-          <p:txBody>
-            <a:bodyPr wrap="square" rtlCol="0" anchor="ctr">
-              <a:normAutofit fontScale="45000" lnSpcReduction="20000"/>
-            </a:bodyPr>
-            <a:lstStyle>
-              <a:defPPr>
-                <a:defRPr lang="zh-CN">
-                  <a:solidFill>
-                    <a:schemeClr val="lt1"/>
-                  </a:solidFill>
-                </a:defRPr>
-              </a:defPPr>
-              <a:lvl1pPr marL="0" algn="l" defTabSz="914400" rtl="0" eaLnBrk="1" latinLnBrk="0" hangingPunct="1">
-                <a:defRPr sz="1800" kern="1200">
-                  <a:solidFill>
-                    <a:schemeClr val="lt1"/>
-                  </a:solidFill>
-                  <a:latin typeface="+mn-lt"/>
-                  <a:ea typeface="+mn-ea"/>
-                  <a:cs typeface="+mn-cs"/>
-                </a:defRPr>
-              </a:lvl1pPr>
-              <a:lvl2pPr marL="457200" algn="l" defTabSz="914400" rtl="0" eaLnBrk="1" latinLnBrk="0" hangingPunct="1">
-                <a:defRPr sz="1800" kern="1200">
-                  <a:solidFill>
-                    <a:schemeClr val="lt1"/>
-                  </a:solidFill>
-                  <a:latin typeface="+mn-lt"/>
-                  <a:ea typeface="+mn-ea"/>
-                  <a:cs typeface="+mn-cs"/>
-                </a:defRPr>
-              </a:lvl2pPr>
-              <a:lvl3pPr marL="914400" algn="l" defTabSz="914400" rtl="0" eaLnBrk="1" latinLnBrk="0" hangingPunct="1">
-                <a:defRPr sz="1800" kern="1200">
-                  <a:solidFill>
-                    <a:schemeClr val="lt1"/>
-                  </a:solidFill>
-                  <a:latin typeface="+mn-lt"/>
-                  <a:ea typeface="+mn-ea"/>
-                  <a:cs typeface="+mn-cs"/>
-                </a:defRPr>
-              </a:lvl3pPr>
-              <a:lvl4pPr marL="1371600" algn="l" defTabSz="914400" rtl="0" eaLnBrk="1" latinLnBrk="0" hangingPunct="1">
-                <a:defRPr sz="1800" kern="1200">
-                  <a:solidFill>
-                    <a:schemeClr val="lt1"/>
-                  </a:solidFill>
-                  <a:latin typeface="+mn-lt"/>
-                  <a:ea typeface="+mn-ea"/>
-                  <a:cs typeface="+mn-cs"/>
-                </a:defRPr>
-              </a:lvl4pPr>
-              <a:lvl5pPr marL="1828800" algn="l" defTabSz="914400" rtl="0" eaLnBrk="1" latinLnBrk="0" hangingPunct="1">
-                <a:defRPr sz="1800" kern="1200">
-                  <a:solidFill>
-                    <a:schemeClr val="lt1"/>
-                  </a:solidFill>
-                  <a:latin typeface="+mn-lt"/>
-                  <a:ea typeface="+mn-ea"/>
-                  <a:cs typeface="+mn-cs"/>
-                </a:defRPr>
-              </a:lvl5pPr>
-              <a:lvl6pPr marL="2286000" algn="l" defTabSz="914400" rtl="0" eaLnBrk="1" latinLnBrk="0" hangingPunct="1">
-                <a:defRPr sz="1800" kern="1200">
-                  <a:solidFill>
-                    <a:schemeClr val="lt1"/>
-                  </a:solidFill>
-                  <a:latin typeface="+mn-lt"/>
-                  <a:ea typeface="+mn-ea"/>
-                  <a:cs typeface="+mn-cs"/>
-                </a:defRPr>
-              </a:lvl6pPr>
-              <a:lvl7pPr marL="2743200" algn="l" defTabSz="914400" rtl="0" eaLnBrk="1" latinLnBrk="0" hangingPunct="1">
-                <a:defRPr sz="1800" kern="1200">
-                  <a:solidFill>
-                    <a:schemeClr val="lt1"/>
-                  </a:solidFill>
-                  <a:latin typeface="+mn-lt"/>
-                  <a:ea typeface="+mn-ea"/>
-                  <a:cs typeface="+mn-cs"/>
-                </a:defRPr>
-              </a:lvl7pPr>
-              <a:lvl8pPr marL="3200400" algn="l" defTabSz="914400" rtl="0" eaLnBrk="1" latinLnBrk="0" hangingPunct="1">
-                <a:defRPr sz="1800" kern="1200">
-                  <a:solidFill>
-                    <a:schemeClr val="lt1"/>
-                  </a:solidFill>
-                  <a:latin typeface="+mn-lt"/>
-                  <a:ea typeface="+mn-ea"/>
-                  <a:cs typeface="+mn-cs"/>
-                </a:defRPr>
-              </a:lvl8pPr>
-              <a:lvl9pPr marL="3657600" algn="l" defTabSz="914400" rtl="0" eaLnBrk="1" latinLnBrk="0" hangingPunct="1">
-                <a:defRPr sz="1800" kern="1200">
-                  <a:solidFill>
-                    <a:schemeClr val="lt1"/>
-                  </a:solidFill>
-                  <a:latin typeface="+mn-lt"/>
-                  <a:ea typeface="+mn-ea"/>
-                  <a:cs typeface="+mn-cs"/>
-                </a:defRPr>
-              </a:lvl9pPr>
-            </a:lstStyle>
-            <a:p>
-              <a:pPr marL="0" marR="0" lvl="0" indent="0" algn="ctr" defTabSz="914400" rtl="0" eaLnBrk="1" fontAlgn="auto" latinLnBrk="0" hangingPunct="1">
-                <a:lnSpc>
-                  <a:spcPct val="100000"/>
-                </a:lnSpc>
-                <a:spcBef>
-                  <a:spcPts val="0"/>
-                </a:spcBef>
-                <a:spcAft>
-                  <a:spcPts val="0"/>
-                </a:spcAft>
-                <a:buClrTx/>
-                <a:buSzTx/>
-                <a:buFontTx/>
-                <a:buNone/>
-              </a:pPr>
-              <a:endParaRPr kumimoji="0" lang="zh-CN" altLang="en-US" sz="1800" b="0" i="0" u="none" strike="noStrike" kern="1200" cap="none" spc="0" normalizeH="0" baseline="0" noProof="0">
-                <a:ln>
-                  <a:noFill/>
-                </a:ln>
-                <a:solidFill>
-                  <a:prstClr val="white"/>
-                </a:solidFill>
-                <a:effectLst/>
-                <a:uLnTx/>
-                <a:uFillTx/>
-                <a:latin typeface="微软雅黑" panose="020B0503020204020204" charset="-122"/>
-                <a:ea typeface="微软雅黑" panose="020B0503020204020204" charset="-122"/>
-                <a:cs typeface="+mn-cs"/>
-              </a:endParaRPr>
-            </a:p>
-          </p:txBody>
-        </p:sp>
-        <p:sp>
-          <p:nvSpPr>
-            <p:cNvPr id="15" name="文本框 33"/>
-            <p:cNvSpPr txBox="1"/>
-            <p:nvPr>
-              <p:custDataLst>
-                <p:tags r:id="rId9"/>
-              </p:custDataLst>
-            </p:nvPr>
-          </p:nvSpPr>
-          <p:spPr>
-            <a:xfrm>
-              <a:off x="10592014" y="928160"/>
-              <a:ext cx="790601" cy="338554"/>
-            </a:xfrm>
-            <a:prstGeom prst="rect">
-              <a:avLst/>
-            </a:prstGeom>
-            <a:noFill/>
-          </p:spPr>
-          <p:txBody>
-            <a:bodyPr wrap="square" rtlCol="0">
-              <a:noAutofit/>
-            </a:bodyPr>
-            <a:lstStyle>
-              <a:defPPr>
-                <a:defRPr lang="zh-CN"/>
-              </a:defPPr>
-              <a:lvl1pPr marL="0" algn="l" defTabSz="914400" rtl="0" eaLnBrk="1" latinLnBrk="0" hangingPunct="1">
-                <a:defRPr sz="1800" kern="1200">
-                  <a:solidFill>
-                    <a:schemeClr val="tx1"/>
-                  </a:solidFill>
-                  <a:latin typeface="+mn-lt"/>
-                  <a:ea typeface="+mn-ea"/>
-                  <a:cs typeface="+mn-cs"/>
-                </a:defRPr>
-              </a:lvl1pPr>
-              <a:lvl2pPr marL="457200" algn="l" defTabSz="914400" rtl="0" eaLnBrk="1" latinLnBrk="0" hangingPunct="1">
-                <a:defRPr sz="1800" kern="1200">
-                  <a:solidFill>
-                    <a:schemeClr val="tx1"/>
-                  </a:solidFill>
-                  <a:latin typeface="+mn-lt"/>
-                  <a:ea typeface="+mn-ea"/>
-                  <a:cs typeface="+mn-cs"/>
-                </a:defRPr>
-              </a:lvl2pPr>
-              <a:lvl3pPr marL="914400" algn="l" defTabSz="914400" rtl="0" eaLnBrk="1" latinLnBrk="0" hangingPunct="1">
-                <a:defRPr sz="1800" kern="1200">
-                  <a:solidFill>
-                    <a:schemeClr val="tx1"/>
-                  </a:solidFill>
-                  <a:latin typeface="+mn-lt"/>
-                  <a:ea typeface="+mn-ea"/>
-                  <a:cs typeface="+mn-cs"/>
-                </a:defRPr>
-              </a:lvl3pPr>
-              <a:lvl4pPr marL="1371600" algn="l" defTabSz="914400" rtl="0" eaLnBrk="1" latinLnBrk="0" hangingPunct="1">
-                <a:defRPr sz="1800" kern="1200">
-                  <a:solidFill>
-                    <a:schemeClr val="tx1"/>
-                  </a:solidFill>
-                  <a:latin typeface="+mn-lt"/>
-                  <a:ea typeface="+mn-ea"/>
-                  <a:cs typeface="+mn-cs"/>
-                </a:defRPr>
-              </a:lvl4pPr>
-              <a:lvl5pPr marL="1828800" algn="l" defTabSz="914400" rtl="0" eaLnBrk="1" latinLnBrk="0" hangingPunct="1">
-                <a:defRPr sz="1800" kern="1200">
-                  <a:solidFill>
-                    <a:schemeClr val="tx1"/>
-                  </a:solidFill>
-                  <a:latin typeface="+mn-lt"/>
-                  <a:ea typeface="+mn-ea"/>
-                  <a:cs typeface="+mn-cs"/>
-                </a:defRPr>
-              </a:lvl5pPr>
-              <a:lvl6pPr marL="2286000" algn="l" defTabSz="914400" rtl="0" eaLnBrk="1" latinLnBrk="0" hangingPunct="1">
-                <a:defRPr sz="1800" kern="1200">
-                  <a:solidFill>
-                    <a:schemeClr val="tx1"/>
-                  </a:solidFill>
-                  <a:latin typeface="+mn-lt"/>
-                  <a:ea typeface="+mn-ea"/>
-                  <a:cs typeface="+mn-cs"/>
-                </a:defRPr>
-              </a:lvl6pPr>
-              <a:lvl7pPr marL="2743200" algn="l" defTabSz="914400" rtl="0" eaLnBrk="1" latinLnBrk="0" hangingPunct="1">
-                <a:defRPr sz="1800" kern="1200">
-                  <a:solidFill>
-                    <a:schemeClr val="tx1"/>
-                  </a:solidFill>
-                  <a:latin typeface="+mn-lt"/>
-                  <a:ea typeface="+mn-ea"/>
-                  <a:cs typeface="+mn-cs"/>
-                </a:defRPr>
-              </a:lvl7pPr>
-              <a:lvl8pPr marL="3200400" algn="l" defTabSz="914400" rtl="0" eaLnBrk="1" latinLnBrk="0" hangingPunct="1">
-                <a:defRPr sz="1800" kern="1200">
-                  <a:solidFill>
-                    <a:schemeClr val="tx1"/>
-                  </a:solidFill>
-                  <a:latin typeface="+mn-lt"/>
-                  <a:ea typeface="+mn-ea"/>
-                  <a:cs typeface="+mn-cs"/>
-                </a:defRPr>
-              </a:lvl8pPr>
-              <a:lvl9pPr marL="3657600" algn="l" defTabSz="914400" rtl="0" eaLnBrk="1" latinLnBrk="0" hangingPunct="1">
-                <a:defRPr sz="1800" kern="1200">
-                  <a:solidFill>
-                    <a:schemeClr val="tx1"/>
-                  </a:solidFill>
-                  <a:latin typeface="+mn-lt"/>
-                  <a:ea typeface="+mn-ea"/>
-                  <a:cs typeface="+mn-cs"/>
-                </a:defRPr>
-              </a:lvl9pPr>
-            </a:lstStyle>
-            <a:p>
-              <a:pPr marL="0" marR="0" lvl="0" indent="0" algn="l" defTabSz="914400" rtl="0" eaLnBrk="1" fontAlgn="auto" latinLnBrk="0" hangingPunct="1">
-                <a:lnSpc>
-                  <a:spcPct val="100000"/>
-                </a:lnSpc>
-                <a:spcBef>
-                  <a:spcPts val="0"/>
-                </a:spcBef>
-                <a:spcAft>
-                  <a:spcPts val="0"/>
-                </a:spcAft>
-                <a:buClrTx/>
-                <a:buSzTx/>
-                <a:buFontTx/>
-                <a:buNone/>
-              </a:pPr>
-              <a:r>
-                <a:rPr kumimoji="0" lang="en-US" altLang="zh-CN" sz="1600" b="1" i="0" u="none" strike="noStrike" kern="1200" cap="none" spc="0" normalizeH="0" baseline="0" noProof="0" dirty="0">
-                  <a:ln>
-                    <a:noFill/>
-                  </a:ln>
-                  <a:solidFill>
-                    <a:srgbClr val="262626">
-                      <a:alpha val="80000"/>
-                    </a:srgbClr>
-                  </a:solidFill>
-                  <a:effectLst/>
-                  <a:uLnTx/>
-                  <a:uFillTx/>
-                  <a:latin typeface="微软雅黑" panose="020B0503020204020204" charset="-122"/>
-                  <a:ea typeface="微软雅黑" panose="020B0503020204020204" charset="-122"/>
-                  <a:cs typeface="Arial" panose="020B0604020202020204" pitchFamily="34" charset="0"/>
-                </a:rPr>
-                <a:t>LOGO</a:t>
-              </a:r>
-              <a:endParaRPr kumimoji="0" lang="en-US" altLang="zh-CN" sz="1600" b="1" i="0" u="none" strike="noStrike" kern="1200" cap="none" spc="0" normalizeH="0" baseline="0" noProof="0" dirty="0">
-                <a:ln>
-                  <a:noFill/>
-                </a:ln>
-                <a:solidFill>
-                  <a:srgbClr val="262626">
-                    <a:alpha val="80000"/>
-                  </a:srgbClr>
-                </a:solidFill>
-                <a:effectLst/>
-                <a:uLnTx/>
-                <a:uFillTx/>
-                <a:latin typeface="微软雅黑" panose="020B0503020204020204" charset="-122"/>
-                <a:ea typeface="微软雅黑" panose="020B0503020204020204" charset="-122"/>
-                <a:cs typeface="Arial" panose="020B0604020202020204" pitchFamily="34" charset="0"/>
-              </a:endParaRPr>
-            </a:p>
-          </p:txBody>
-        </p:sp>
-      </p:grpSp>
       <p:sp>
         <p:nvSpPr>
           <p:cNvPr id="17" name="矩形 16"/>
           <p:cNvSpPr/>
           <p:nvPr>
             <p:custDataLst>
-              <p:tags r:id="rId10"/>
+              <p:tags r:id="rId7"/>
             </p:custDataLst>
           </p:nvPr>
         </p:nvSpPr>
@@ -16249,7 +15887,7 @@
           <p:cNvSpPr txBox="1"/>
           <p:nvPr>
             <p:custDataLst>
-              <p:tags r:id="rId11"/>
+              <p:tags r:id="rId8"/>
             </p:custDataLst>
           </p:nvPr>
         </p:nvSpPr>
@@ -16315,7 +15953,7 @@
       </p:sp>
     </p:spTree>
     <p:custDataLst>
-      <p:tags r:id="rId12"/>
+      <p:tags r:id="rId9"/>
     </p:custDataLst>
   </p:cSld>
   <p:clrMapOvr>
@@ -17266,384 +16904,13 @@
           </a:p>
         </p:txBody>
       </p:sp>
-      <p:grpSp>
-        <p:nvGrpSpPr>
-          <p:cNvPr id="4" name="组合 3"/>
-          <p:cNvGrpSpPr/>
-          <p:nvPr>
-            <p:custDataLst>
-              <p:tags r:id="rId7"/>
-            </p:custDataLst>
-          </p:nvPr>
-        </p:nvGrpSpPr>
-        <p:grpSpPr>
-          <a:xfrm>
-            <a:off x="10827619" y="761703"/>
-            <a:ext cx="907181" cy="338554"/>
-            <a:chOff x="10533724" y="928160"/>
-            <a:chExt cx="907181" cy="338554"/>
-          </a:xfrm>
-        </p:grpSpPr>
-        <p:sp>
-          <p:nvSpPr>
-            <p:cNvPr id="14" name="矩形: 圆角 13"/>
-            <p:cNvSpPr/>
-            <p:nvPr>
-              <p:custDataLst>
-                <p:tags r:id="rId8"/>
-              </p:custDataLst>
-            </p:nvPr>
-          </p:nvSpPr>
-          <p:spPr>
-            <a:xfrm>
-              <a:off x="10533724" y="940804"/>
-              <a:ext cx="907181" cy="313266"/>
-            </a:xfrm>
-            <a:prstGeom prst="roundRect">
-              <a:avLst>
-                <a:gd name="adj" fmla="val 50000"/>
-              </a:avLst>
-            </a:prstGeom>
-            <a:solidFill>
-              <a:srgbClr val="FDE45A"/>
-            </a:solidFill>
-            <a:ln>
-              <a:noFill/>
-            </a:ln>
-          </p:spPr>
-          <p:style>
-            <a:lnRef idx="2">
-              <a:schemeClr val="accent1">
-                <a:shade val="50000"/>
-              </a:schemeClr>
-            </a:lnRef>
-            <a:fillRef idx="1">
-              <a:schemeClr val="accent1"/>
-            </a:fillRef>
-            <a:effectRef idx="0">
-              <a:schemeClr val="accent1"/>
-            </a:effectRef>
-            <a:fontRef idx="minor">
-              <a:schemeClr val="lt1"/>
-            </a:fontRef>
-          </p:style>
-          <p:txBody>
-            <a:bodyPr wrap="square" rtlCol="0" anchor="ctr">
-              <a:normAutofit fontScale="45000" lnSpcReduction="20000"/>
-            </a:bodyPr>
-            <a:lstStyle>
-              <a:defPPr>
-                <a:defRPr lang="zh-CN">
-                  <a:solidFill>
-                    <a:schemeClr val="lt1"/>
-                  </a:solidFill>
-                </a:defRPr>
-              </a:defPPr>
-              <a:lvl1pPr marL="0" algn="l" defTabSz="914400" rtl="0" eaLnBrk="1" latinLnBrk="0" hangingPunct="1">
-                <a:defRPr sz="1800" kern="1200">
-                  <a:solidFill>
-                    <a:schemeClr val="lt1"/>
-                  </a:solidFill>
-                  <a:latin typeface="+mn-lt"/>
-                  <a:ea typeface="+mn-ea"/>
-                  <a:cs typeface="+mn-cs"/>
-                </a:defRPr>
-              </a:lvl1pPr>
-              <a:lvl2pPr marL="457200" algn="l" defTabSz="914400" rtl="0" eaLnBrk="1" latinLnBrk="0" hangingPunct="1">
-                <a:defRPr sz="1800" kern="1200">
-                  <a:solidFill>
-                    <a:schemeClr val="lt1"/>
-                  </a:solidFill>
-                  <a:latin typeface="+mn-lt"/>
-                  <a:ea typeface="+mn-ea"/>
-                  <a:cs typeface="+mn-cs"/>
-                </a:defRPr>
-              </a:lvl2pPr>
-              <a:lvl3pPr marL="914400" algn="l" defTabSz="914400" rtl="0" eaLnBrk="1" latinLnBrk="0" hangingPunct="1">
-                <a:defRPr sz="1800" kern="1200">
-                  <a:solidFill>
-                    <a:schemeClr val="lt1"/>
-                  </a:solidFill>
-                  <a:latin typeface="+mn-lt"/>
-                  <a:ea typeface="+mn-ea"/>
-                  <a:cs typeface="+mn-cs"/>
-                </a:defRPr>
-              </a:lvl3pPr>
-              <a:lvl4pPr marL="1371600" algn="l" defTabSz="914400" rtl="0" eaLnBrk="1" latinLnBrk="0" hangingPunct="1">
-                <a:defRPr sz="1800" kern="1200">
-                  <a:solidFill>
-                    <a:schemeClr val="lt1"/>
-                  </a:solidFill>
-                  <a:latin typeface="+mn-lt"/>
-                  <a:ea typeface="+mn-ea"/>
-                  <a:cs typeface="+mn-cs"/>
-                </a:defRPr>
-              </a:lvl4pPr>
-              <a:lvl5pPr marL="1828800" algn="l" defTabSz="914400" rtl="0" eaLnBrk="1" latinLnBrk="0" hangingPunct="1">
-                <a:defRPr sz="1800" kern="1200">
-                  <a:solidFill>
-                    <a:schemeClr val="lt1"/>
-                  </a:solidFill>
-                  <a:latin typeface="+mn-lt"/>
-                  <a:ea typeface="+mn-ea"/>
-                  <a:cs typeface="+mn-cs"/>
-                </a:defRPr>
-              </a:lvl5pPr>
-              <a:lvl6pPr marL="2286000" algn="l" defTabSz="914400" rtl="0" eaLnBrk="1" latinLnBrk="0" hangingPunct="1">
-                <a:defRPr sz="1800" kern="1200">
-                  <a:solidFill>
-                    <a:schemeClr val="lt1"/>
-                  </a:solidFill>
-                  <a:latin typeface="+mn-lt"/>
-                  <a:ea typeface="+mn-ea"/>
-                  <a:cs typeface="+mn-cs"/>
-                </a:defRPr>
-              </a:lvl6pPr>
-              <a:lvl7pPr marL="2743200" algn="l" defTabSz="914400" rtl="0" eaLnBrk="1" latinLnBrk="0" hangingPunct="1">
-                <a:defRPr sz="1800" kern="1200">
-                  <a:solidFill>
-                    <a:schemeClr val="lt1"/>
-                  </a:solidFill>
-                  <a:latin typeface="+mn-lt"/>
-                  <a:ea typeface="+mn-ea"/>
-                  <a:cs typeface="+mn-cs"/>
-                </a:defRPr>
-              </a:lvl7pPr>
-              <a:lvl8pPr marL="3200400" algn="l" defTabSz="914400" rtl="0" eaLnBrk="1" latinLnBrk="0" hangingPunct="1">
-                <a:defRPr sz="1800" kern="1200">
-                  <a:solidFill>
-                    <a:schemeClr val="lt1"/>
-                  </a:solidFill>
-                  <a:latin typeface="+mn-lt"/>
-                  <a:ea typeface="+mn-ea"/>
-                  <a:cs typeface="+mn-cs"/>
-                </a:defRPr>
-              </a:lvl8pPr>
-              <a:lvl9pPr marL="3657600" algn="l" defTabSz="914400" rtl="0" eaLnBrk="1" latinLnBrk="0" hangingPunct="1">
-                <a:defRPr sz="1800" kern="1200">
-                  <a:solidFill>
-                    <a:schemeClr val="lt1"/>
-                  </a:solidFill>
-                  <a:latin typeface="+mn-lt"/>
-                  <a:ea typeface="+mn-ea"/>
-                  <a:cs typeface="+mn-cs"/>
-                </a:defRPr>
-              </a:lvl9pPr>
-            </a:lstStyle>
-            <a:p>
-              <a:pPr marL="0" marR="0" lvl="0" indent="0" algn="ctr" defTabSz="914400" rtl="0" eaLnBrk="1" fontAlgn="auto" latinLnBrk="0" hangingPunct="1">
-                <a:lnSpc>
-                  <a:spcPct val="100000"/>
-                </a:lnSpc>
-                <a:spcBef>
-                  <a:spcPts val="0"/>
-                </a:spcBef>
-                <a:spcAft>
-                  <a:spcPts val="0"/>
-                </a:spcAft>
-                <a:buClrTx/>
-                <a:buSzTx/>
-                <a:buFontTx/>
-                <a:buNone/>
-              </a:pPr>
-              <a:endParaRPr kumimoji="0" lang="zh-CN" altLang="en-US" sz="1800" b="0" i="0" u="none" strike="noStrike" kern="1200" cap="none" spc="0" normalizeH="0" baseline="0" noProof="0">
-                <a:ln>
-                  <a:noFill/>
-                </a:ln>
-                <a:solidFill>
-                  <a:prstClr val="white"/>
-                </a:solidFill>
-                <a:effectLst/>
-                <a:uLnTx/>
-                <a:uFillTx/>
-                <a:latin typeface="微软雅黑" panose="020B0503020204020204" charset="-122"/>
-                <a:ea typeface="微软雅黑" panose="020B0503020204020204" charset="-122"/>
-                <a:cs typeface="+mn-cs"/>
-              </a:endParaRPr>
-            </a:p>
-          </p:txBody>
-        </p:sp>
-        <p:sp>
-          <p:nvSpPr>
-            <p:cNvPr id="15" name="文本框 33"/>
-            <p:cNvSpPr txBox="1"/>
-            <p:nvPr>
-              <p:custDataLst>
-                <p:tags r:id="rId9"/>
-              </p:custDataLst>
-            </p:nvPr>
-          </p:nvSpPr>
-          <p:spPr>
-            <a:xfrm>
-              <a:off x="10592014" y="928160"/>
-              <a:ext cx="790601" cy="338554"/>
-            </a:xfrm>
-            <a:prstGeom prst="rect">
-              <a:avLst/>
-            </a:prstGeom>
-            <a:noFill/>
-          </p:spPr>
-          <p:txBody>
-            <a:bodyPr wrap="square" rtlCol="0">
-              <a:noAutofit/>
-            </a:bodyPr>
-            <a:lstStyle>
-              <a:defPPr>
-                <a:defRPr lang="zh-CN"/>
-              </a:defPPr>
-              <a:lvl1pPr marL="0" algn="l" defTabSz="914400" rtl="0" eaLnBrk="1" latinLnBrk="0" hangingPunct="1">
-                <a:defRPr sz="1800" kern="1200">
-                  <a:solidFill>
-                    <a:schemeClr val="tx1"/>
-                  </a:solidFill>
-                  <a:latin typeface="+mn-lt"/>
-                  <a:ea typeface="+mn-ea"/>
-                  <a:cs typeface="+mn-cs"/>
-                </a:defRPr>
-              </a:lvl1pPr>
-              <a:lvl2pPr marL="457200" algn="l" defTabSz="914400" rtl="0" eaLnBrk="1" latinLnBrk="0" hangingPunct="1">
-                <a:defRPr sz="1800" kern="1200">
-                  <a:solidFill>
-                    <a:schemeClr val="tx1"/>
-                  </a:solidFill>
-                  <a:latin typeface="+mn-lt"/>
-                  <a:ea typeface="+mn-ea"/>
-                  <a:cs typeface="+mn-cs"/>
-                </a:defRPr>
-              </a:lvl2pPr>
-              <a:lvl3pPr marL="914400" algn="l" defTabSz="914400" rtl="0" eaLnBrk="1" latinLnBrk="0" hangingPunct="1">
-                <a:defRPr sz="1800" kern="1200">
-                  <a:solidFill>
-                    <a:schemeClr val="tx1"/>
-                  </a:solidFill>
-                  <a:latin typeface="+mn-lt"/>
-                  <a:ea typeface="+mn-ea"/>
-                  <a:cs typeface="+mn-cs"/>
-                </a:defRPr>
-              </a:lvl3pPr>
-              <a:lvl4pPr marL="1371600" algn="l" defTabSz="914400" rtl="0" eaLnBrk="1" latinLnBrk="0" hangingPunct="1">
-                <a:defRPr sz="1800" kern="1200">
-                  <a:solidFill>
-                    <a:schemeClr val="tx1"/>
-                  </a:solidFill>
-                  <a:latin typeface="+mn-lt"/>
-                  <a:ea typeface="+mn-ea"/>
-                  <a:cs typeface="+mn-cs"/>
-                </a:defRPr>
-              </a:lvl4pPr>
-              <a:lvl5pPr marL="1828800" algn="l" defTabSz="914400" rtl="0" eaLnBrk="1" latinLnBrk="0" hangingPunct="1">
-                <a:defRPr sz="1800" kern="1200">
-                  <a:solidFill>
-                    <a:schemeClr val="tx1"/>
-                  </a:solidFill>
-                  <a:latin typeface="+mn-lt"/>
-                  <a:ea typeface="+mn-ea"/>
-                  <a:cs typeface="+mn-cs"/>
-                </a:defRPr>
-              </a:lvl5pPr>
-              <a:lvl6pPr marL="2286000" algn="l" defTabSz="914400" rtl="0" eaLnBrk="1" latinLnBrk="0" hangingPunct="1">
-                <a:defRPr sz="1800" kern="1200">
-                  <a:solidFill>
-                    <a:schemeClr val="tx1"/>
-                  </a:solidFill>
-                  <a:latin typeface="+mn-lt"/>
-                  <a:ea typeface="+mn-ea"/>
-                  <a:cs typeface="+mn-cs"/>
-                </a:defRPr>
-              </a:lvl6pPr>
-              <a:lvl7pPr marL="2743200" algn="l" defTabSz="914400" rtl="0" eaLnBrk="1" latinLnBrk="0" hangingPunct="1">
-                <a:defRPr sz="1800" kern="1200">
-                  <a:solidFill>
-                    <a:schemeClr val="tx1"/>
-                  </a:solidFill>
-                  <a:latin typeface="+mn-lt"/>
-                  <a:ea typeface="+mn-ea"/>
-                  <a:cs typeface="+mn-cs"/>
-                </a:defRPr>
-              </a:lvl7pPr>
-              <a:lvl8pPr marL="3200400" algn="l" defTabSz="914400" rtl="0" eaLnBrk="1" latinLnBrk="0" hangingPunct="1">
-                <a:defRPr sz="1800" kern="1200">
-                  <a:solidFill>
-                    <a:schemeClr val="tx1"/>
-                  </a:solidFill>
-                  <a:latin typeface="+mn-lt"/>
-                  <a:ea typeface="+mn-ea"/>
-                  <a:cs typeface="+mn-cs"/>
-                </a:defRPr>
-              </a:lvl8pPr>
-              <a:lvl9pPr marL="3657600" algn="l" defTabSz="914400" rtl="0" eaLnBrk="1" latinLnBrk="0" hangingPunct="1">
-                <a:defRPr sz="1800" kern="1200">
-                  <a:solidFill>
-                    <a:schemeClr val="tx1"/>
-                  </a:solidFill>
-                  <a:latin typeface="+mn-lt"/>
-                  <a:ea typeface="+mn-ea"/>
-                  <a:cs typeface="+mn-cs"/>
-                </a:defRPr>
-              </a:lvl9pPr>
-            </a:lstStyle>
-            <a:p>
-              <a:pPr marL="0" marR="0" lvl="0" indent="0" algn="l" defTabSz="914400" rtl="0" eaLnBrk="1" fontAlgn="auto" latinLnBrk="0" hangingPunct="1">
-                <a:lnSpc>
-                  <a:spcPct val="100000"/>
-                </a:lnSpc>
-                <a:spcBef>
-                  <a:spcPts val="0"/>
-                </a:spcBef>
-                <a:spcAft>
-                  <a:spcPts val="0"/>
-                </a:spcAft>
-                <a:buClrTx/>
-                <a:buSzTx/>
-                <a:buFontTx/>
-                <a:buNone/>
-              </a:pPr>
-              <a:r>
-                <a:rPr kumimoji="0" lang="en-US" altLang="zh-CN" sz="1600" b="1" i="0" u="none" strike="noStrike" kern="1200" cap="none" spc="0" normalizeH="0" baseline="0" noProof="0" dirty="0">
-                  <a:ln>
-                    <a:noFill/>
-                  </a:ln>
-                  <a:solidFill>
-                    <a:srgbClr val="262626">
-                      <a:alpha val="80000"/>
-                    </a:srgbClr>
-                  </a:solidFill>
-                  <a:effectLst/>
-                  <a:uLnTx/>
-                  <a:uFillTx/>
-                  <a:latin typeface="微软雅黑" panose="020B0503020204020204" charset="-122"/>
-                  <a:ea typeface="微软雅黑" panose="020B0503020204020204" charset="-122"/>
-                  <a:cs typeface="Arial" panose="020B0604020202020204" pitchFamily="34" charset="0"/>
-                </a:rPr>
-                <a:t>LOGO</a:t>
-              </a:r>
-              <a:endParaRPr kumimoji="0" lang="en-US" altLang="zh-CN" sz="1600" b="1" i="0" u="none" strike="noStrike" kern="1200" cap="none" spc="0" normalizeH="0" baseline="0" noProof="0" dirty="0">
-                <a:ln>
-                  <a:noFill/>
-                </a:ln>
-                <a:solidFill>
-                  <a:srgbClr val="262626">
-                    <a:alpha val="80000"/>
-                  </a:srgbClr>
-                </a:solidFill>
-                <a:effectLst/>
-                <a:uLnTx/>
-                <a:uFillTx/>
-                <a:latin typeface="微软雅黑" panose="020B0503020204020204" charset="-122"/>
-                <a:ea typeface="微软雅黑" panose="020B0503020204020204" charset="-122"/>
-                <a:cs typeface="Arial" panose="020B0604020202020204" pitchFamily="34" charset="0"/>
-              </a:endParaRPr>
-            </a:p>
-          </p:txBody>
-        </p:sp>
-      </p:grpSp>
       <p:sp>
         <p:nvSpPr>
           <p:cNvPr id="17" name="矩形 16"/>
           <p:cNvSpPr/>
           <p:nvPr>
             <p:custDataLst>
-              <p:tags r:id="rId10"/>
+              <p:tags r:id="rId7"/>
             </p:custDataLst>
           </p:nvPr>
         </p:nvSpPr>
@@ -17719,7 +16986,7 @@
           <p:cNvSpPr txBox="1"/>
           <p:nvPr>
             <p:custDataLst>
-              <p:tags r:id="rId11"/>
+              <p:tags r:id="rId8"/>
             </p:custDataLst>
           </p:nvPr>
         </p:nvSpPr>
@@ -17785,7 +17052,7 @@
       </p:sp>
     </p:spTree>
     <p:custDataLst>
-      <p:tags r:id="rId12"/>
+      <p:tags r:id="rId9"/>
     </p:custDataLst>
   </p:cSld>
   <p:clrMapOvr>
@@ -22428,8 +21695,8 @@
         </p:nvSpPr>
         <p:spPr>
           <a:xfrm>
-            <a:off x="1162685" y="2016760"/>
-            <a:ext cx="10017125" cy="1806575"/>
+            <a:off x="1233805" y="2396490"/>
+            <a:ext cx="10017125" cy="1726565"/>
           </a:xfrm>
           <a:prstGeom prst="rect">
             <a:avLst/>
@@ -22438,7 +21705,7 @@
         </p:spPr>
         <p:txBody>
           <a:bodyPr wrap="square" rtlCol="0">
-            <a:normAutofit/>
+            <a:noAutofit/>
           </a:bodyPr>
           <a:p>
             <a:pPr marL="0" lvl="0" indent="-285750" algn="ctr" fontAlgn="ctr">
@@ -22456,49 +21723,16 @@
               <a:buNone/>
             </a:pPr>
             <a:r>
-              <a:rPr lang="zh-CN" altLang="en-US" sz="3600" spc="150">
+              <a:rPr lang="zh-CN" altLang="en-US" sz="8800" spc="150">
                 <a:solidFill>
                   <a:srgbClr val="404040"/>
                 </a:solidFill>
                 <a:latin typeface="微软雅黑" panose="020B0503020204020204" charset="-122"/>
                 <a:ea typeface="微软雅黑" panose="020B0503020204020204" charset="-122"/>
               </a:rPr>
-              <a:t>术业有专攻</a:t>
+              <a:t>谢 谢</a:t>
             </a:r>
-            <a:endParaRPr lang="zh-CN" altLang="en-US" sz="3600" spc="150">
-              <a:solidFill>
-                <a:srgbClr val="404040"/>
-              </a:solidFill>
-              <a:latin typeface="微软雅黑" panose="020B0503020204020204" charset="-122"/>
-              <a:ea typeface="微软雅黑" panose="020B0503020204020204" charset="-122"/>
-            </a:endParaRPr>
-          </a:p>
-          <a:p>
-            <a:pPr marL="0" lvl="0" indent="-285750" algn="ctr" fontAlgn="ctr">
-              <a:lnSpc>
-                <a:spcPct val="130000"/>
-              </a:lnSpc>
-              <a:spcBef>
-                <a:spcPts val="1000"/>
-              </a:spcBef>
-              <a:spcAft>
-                <a:spcPts val="0"/>
-              </a:spcAft>
-              <a:buSzPct val="100000"/>
-              <a:buFont typeface="Wingdings" panose="05000000000000000000" charset="0"/>
-              <a:buNone/>
-            </a:pPr>
-            <a:r>
-              <a:rPr lang="zh-CN" altLang="en-US" sz="3600" spc="150">
-                <a:solidFill>
-                  <a:srgbClr val="404040"/>
-                </a:solidFill>
-                <a:latin typeface="微软雅黑" panose="020B0503020204020204" charset="-122"/>
-                <a:ea typeface="微软雅黑" panose="020B0503020204020204" charset="-122"/>
-              </a:rPr>
-              <a:t>达者为师</a:t>
-            </a:r>
-            <a:endParaRPr lang="zh-CN" altLang="en-US" sz="3600" spc="150">
+            <a:endParaRPr lang="zh-CN" altLang="en-US" sz="8800" spc="150">
               <a:solidFill>
                 <a:srgbClr val="404040"/>
               </a:solidFill>
@@ -23314,8 +22548,9 @@
                 </a:solidFill>
                 <a:latin typeface="微软雅黑" panose="020B0503020204020204" charset="-122"/>
                 <a:ea typeface="微软雅黑" panose="020B0503020204020204" charset="-122"/>
+                <a:sym typeface="+mn-ea"/>
               </a:rPr>
-              <a:t>抽象</a:t>
+              <a:t>语法规则难以理解</a:t>
             </a:r>
             <a:endParaRPr lang="zh-CN" altLang="en-US" sz="1600" spc="150">
               <a:solidFill>
@@ -23348,7 +22583,7 @@
                 <a:latin typeface="微软雅黑" panose="020B0503020204020204" charset="-122"/>
                 <a:ea typeface="微软雅黑" panose="020B0503020204020204" charset="-122"/>
               </a:rPr>
-              <a:t>难以理解</a:t>
+              <a:t>匹配过程抽象</a:t>
             </a:r>
             <a:endParaRPr lang="zh-CN" altLang="en-US" sz="1600" spc="150">
               <a:solidFill>
@@ -23509,402 +22744,6 @@
   <p:transition>
     <p:random/>
   </p:transition>
-  <p:timing>
-    <p:tnLst>
-      <p:par>
-        <p:cTn id="1" dur="indefinite" restart="never" nodeType="tmRoot"/>
-      </p:par>
-    </p:tnLst>
-  </p:timing>
-</p:sld>
-</file>
-
-<file path=ppt/slides/slide20.xml><?xml version="1.0" encoding="utf-8"?>
-<p:sld xmlns:a="http://schemas.openxmlformats.org/drawingml/2006/main" xmlns:r="http://schemas.openxmlformats.org/officeDocument/2006/relationships" xmlns:p="http://schemas.openxmlformats.org/presentationml/2006/main">
-  <p:cSld>
-    <p:bg>
-      <p:bgPr>
-        <a:solidFill>
-          <a:schemeClr val="bg2"/>
-        </a:solidFill>
-        <a:effectLst/>
-      </p:bgPr>
-    </p:bg>
-    <p:spTree>
-      <p:nvGrpSpPr>
-        <p:cNvPr id="1" name=""/>
-        <p:cNvGrpSpPr/>
-        <p:nvPr/>
-      </p:nvGrpSpPr>
-      <p:grpSpPr/>
-      <p:grpSp>
-        <p:nvGrpSpPr>
-          <p:cNvPr id="3" name="组合 2"/>
-          <p:cNvGrpSpPr/>
-          <p:nvPr userDrawn="1">
-            <p:custDataLst>
-              <p:tags r:id="rId1"/>
-            </p:custDataLst>
-          </p:nvPr>
-        </p:nvGrpSpPr>
-        <p:grpSpPr>
-          <a:xfrm>
-            <a:off x="10093002" y="5918505"/>
-            <a:ext cx="2123325" cy="939524"/>
-            <a:chOff x="10093002" y="5918505"/>
-            <a:chExt cx="2123325" cy="939524"/>
-          </a:xfrm>
-        </p:grpSpPr>
-        <p:sp>
-          <p:nvSpPr>
-            <p:cNvPr id="5" name="Freeform 5"/>
-            <p:cNvSpPr/>
-            <p:nvPr>
-              <p:custDataLst>
-                <p:tags r:id="rId2"/>
-              </p:custDataLst>
-            </p:nvPr>
-          </p:nvSpPr>
-          <p:spPr>
-            <a:xfrm>
-              <a:off x="10093002" y="6026500"/>
-              <a:ext cx="1561485" cy="831411"/>
-            </a:xfrm>
-            <a:custGeom>
-              <a:avLst/>
-              <a:gdLst>
-                <a:gd name="connsiteX0" fmla="*/ 624912 w 1561485"/>
-                <a:gd name="connsiteY0" fmla="*/ 398 h 831411"/>
-                <a:gd name="connsiteX1" fmla="*/ 1073442 w 1561485"/>
-                <a:gd name="connsiteY1" fmla="*/ 225092 h 831411"/>
-                <a:gd name="connsiteX2" fmla="*/ 1561485 w 1561485"/>
-                <a:gd name="connsiteY2" fmla="*/ 831411 h 831411"/>
-                <a:gd name="connsiteX3" fmla="*/ 47694 w 1561485"/>
-                <a:gd name="connsiteY3" fmla="*/ 831351 h 831411"/>
-                <a:gd name="connsiteX4" fmla="*/ 23050 w 1561485"/>
-                <a:gd name="connsiteY4" fmla="*/ 769062 h 831411"/>
-                <a:gd name="connsiteX5" fmla="*/ 225049 w 1561485"/>
-                <a:gd name="connsiteY5" fmla="*/ 133364 h 831411"/>
-                <a:gd name="connsiteX6" fmla="*/ 552466 w 1561485"/>
-                <a:gd name="connsiteY6" fmla="*/ 2110 h 831411"/>
-                <a:gd name="connsiteX7" fmla="*/ 624912 w 1561485"/>
-                <a:gd name="connsiteY7" fmla="*/ 398 h 831411"/>
-              </a:gdLst>
-              <a:ahLst/>
-              <a:cxnLst>
-                <a:cxn ang="0">
-                  <a:pos x="connsiteX0" y="connsiteY0"/>
-                </a:cxn>
-                <a:cxn ang="0">
-                  <a:pos x="connsiteX1" y="connsiteY1"/>
-                </a:cxn>
-                <a:cxn ang="0">
-                  <a:pos x="connsiteX2" y="connsiteY2"/>
-                </a:cxn>
-                <a:cxn ang="0">
-                  <a:pos x="connsiteX3" y="connsiteY3"/>
-                </a:cxn>
-                <a:cxn ang="0">
-                  <a:pos x="connsiteX4" y="connsiteY4"/>
-                </a:cxn>
-                <a:cxn ang="0">
-                  <a:pos x="connsiteX5" y="connsiteY5"/>
-                </a:cxn>
-                <a:cxn ang="0">
-                  <a:pos x="connsiteX6" y="connsiteY6"/>
-                </a:cxn>
-                <a:cxn ang="0">
-                  <a:pos x="connsiteX7" y="connsiteY7"/>
-                </a:cxn>
-              </a:cxnLst>
-              <a:rect l="l" t="t" r="r" b="b"/>
-              <a:pathLst>
-                <a:path w="1561485" h="831411">
-                  <a:moveTo>
-                    <a:pt x="624912" y="398"/>
-                  </a:moveTo>
-                  <a:cubicBezTo>
-                    <a:pt x="793782" y="6503"/>
-                    <a:pt x="959160" y="83116"/>
-                    <a:pt x="1073442" y="225092"/>
-                  </a:cubicBezTo>
-                  <a:lnTo>
-                    <a:pt x="1561485" y="831411"/>
-                  </a:lnTo>
-                  <a:lnTo>
-                    <a:pt x="47694" y="831351"/>
-                  </a:lnTo>
-                  <a:lnTo>
-                    <a:pt x="23050" y="769062"/>
-                  </a:lnTo>
-                  <a:cubicBezTo>
-                    <a:pt x="-41398" y="542916"/>
-                    <a:pt x="30360" y="290077"/>
-                    <a:pt x="225049" y="133364"/>
-                  </a:cubicBezTo>
-                  <a:cubicBezTo>
-                    <a:pt x="322396" y="55008"/>
-                    <a:pt x="436650" y="11811"/>
-                    <a:pt x="552466" y="2110"/>
-                  </a:cubicBezTo>
-                  <a:cubicBezTo>
-                    <a:pt x="576592" y="90"/>
-                    <a:pt x="600789" y="-477"/>
-                    <a:pt x="624912" y="398"/>
-                  </a:cubicBezTo>
-                  <a:close/>
-                </a:path>
-              </a:pathLst>
-            </a:custGeom>
-            <a:solidFill>
-              <a:srgbClr val="FCD605">
-                <a:alpha val="71000"/>
-              </a:srgbClr>
-            </a:solidFill>
-            <a:ln>
-              <a:noFill/>
-            </a:ln>
-          </p:spPr>
-          <p:style>
-            <a:lnRef idx="2">
-              <a:schemeClr val="accent1">
-                <a:shade val="50000"/>
-              </a:schemeClr>
-            </a:lnRef>
-            <a:fillRef idx="1">
-              <a:schemeClr val="accent1"/>
-            </a:fillRef>
-            <a:effectRef idx="0">
-              <a:schemeClr val="accent1"/>
-            </a:effectRef>
-            <a:fontRef idx="minor">
-              <a:schemeClr val="lt1"/>
-            </a:fontRef>
-          </p:style>
-          <p:txBody>
-            <a:bodyPr rot="0" spcFirstLastPara="0" vertOverflow="overflow" horzOverflow="overflow" vert="horz" wrap="square" lIns="91440" tIns="45720" rIns="91440" bIns="45720" numCol="1" spcCol="0" rtlCol="0" fromWordArt="0" anchor="ctr" anchorCtr="0" forceAA="0" compatLnSpc="1">
-              <a:noAutofit/>
-            </a:bodyPr>
-            <a:p>
-              <a:pPr algn="ctr"/>
-              <a:endParaRPr kumimoji="1" lang="zh-CN" altLang="en-US">
-                <a:solidFill>
-                  <a:srgbClr val="262626"/>
-                </a:solidFill>
-                <a:latin typeface="微软雅黑" panose="020B0503020204020204" charset="-122"/>
-                <a:ea typeface="微软雅黑" panose="020B0503020204020204" charset="-122"/>
-              </a:endParaRPr>
-            </a:p>
-          </p:txBody>
-        </p:sp>
-        <p:sp>
-          <p:nvSpPr>
-            <p:cNvPr id="6" name="Freeform 6"/>
-            <p:cNvSpPr/>
-            <p:nvPr>
-              <p:custDataLst>
-                <p:tags r:id="rId3"/>
-              </p:custDataLst>
-            </p:nvPr>
-          </p:nvSpPr>
-          <p:spPr>
-            <a:xfrm>
-              <a:off x="11384870" y="5918505"/>
-              <a:ext cx="831457" cy="939524"/>
-            </a:xfrm>
-            <a:custGeom>
-              <a:avLst/>
-              <a:gdLst>
-                <a:gd name="connsiteX0" fmla="*/ 308457 w 831457"/>
-                <a:gd name="connsiteY0" fmla="*/ 1184 h 939524"/>
-                <a:gd name="connsiteX1" fmla="*/ 599262 w 831457"/>
-                <a:gd name="connsiteY1" fmla="*/ 125599 h 939524"/>
-                <a:gd name="connsiteX2" fmla="*/ 831457 w 831457"/>
-                <a:gd name="connsiteY2" fmla="*/ 414067 h 939524"/>
-                <a:gd name="connsiteX3" fmla="*/ 831389 w 831457"/>
-                <a:gd name="connsiteY3" fmla="*/ 939466 h 939524"/>
-                <a:gd name="connsiteX4" fmla="*/ 389533 w 831457"/>
-                <a:gd name="connsiteY4" fmla="*/ 939524 h 939524"/>
-                <a:gd name="connsiteX5" fmla="*/ 74427 w 831457"/>
-                <a:gd name="connsiteY5" fmla="*/ 548052 h 939524"/>
-                <a:gd name="connsiteX6" fmla="*/ 125673 w 831457"/>
-                <a:gd name="connsiteY6" fmla="*/ 74477 h 939524"/>
-                <a:gd name="connsiteX7" fmla="*/ 308457 w 831457"/>
-                <a:gd name="connsiteY7" fmla="*/ 1184 h 939524"/>
-              </a:gdLst>
-              <a:ahLst/>
-              <a:cxnLst>
-                <a:cxn ang="0">
-                  <a:pos x="connsiteX0" y="connsiteY0"/>
-                </a:cxn>
-                <a:cxn ang="0">
-                  <a:pos x="connsiteX1" y="connsiteY1"/>
-                </a:cxn>
-                <a:cxn ang="0">
-                  <a:pos x="connsiteX2" y="connsiteY2"/>
-                </a:cxn>
-                <a:cxn ang="0">
-                  <a:pos x="connsiteX3" y="connsiteY3"/>
-                </a:cxn>
-                <a:cxn ang="0">
-                  <a:pos x="connsiteX4" y="connsiteY4"/>
-                </a:cxn>
-                <a:cxn ang="0">
-                  <a:pos x="connsiteX5" y="connsiteY5"/>
-                </a:cxn>
-                <a:cxn ang="0">
-                  <a:pos x="connsiteX6" y="connsiteY6"/>
-                </a:cxn>
-                <a:cxn ang="0">
-                  <a:pos x="connsiteX7" y="connsiteY7"/>
-                </a:cxn>
-              </a:cxnLst>
-              <a:rect l="l" t="t" r="r" b="b"/>
-              <a:pathLst>
-                <a:path w="831457" h="939524">
-                  <a:moveTo>
-                    <a:pt x="308457" y="1184"/>
-                  </a:moveTo>
-                  <a:cubicBezTo>
-                    <a:pt x="416210" y="-7859"/>
-                    <a:pt x="526370" y="35043"/>
-                    <a:pt x="599262" y="125599"/>
-                  </a:cubicBezTo>
-                  <a:lnTo>
-                    <a:pt x="831457" y="414067"/>
-                  </a:lnTo>
-                  <a:lnTo>
-                    <a:pt x="831389" y="939466"/>
-                  </a:lnTo>
-                  <a:lnTo>
-                    <a:pt x="389533" y="939524"/>
-                  </a:lnTo>
-                  <a:lnTo>
-                    <a:pt x="74427" y="548052"/>
-                  </a:lnTo>
-                  <a:cubicBezTo>
-                    <a:pt x="-42199" y="403162"/>
-                    <a:pt x="-19256" y="191135"/>
-                    <a:pt x="125673" y="74477"/>
-                  </a:cubicBezTo>
-                  <a:cubicBezTo>
-                    <a:pt x="180021" y="30730"/>
-                    <a:pt x="243805" y="6607"/>
-                    <a:pt x="308457" y="1184"/>
-                  </a:cubicBezTo>
-                  <a:close/>
-                </a:path>
-              </a:pathLst>
-            </a:custGeom>
-            <a:solidFill>
-              <a:srgbClr val="FDE45A">
-                <a:alpha val="42000"/>
-              </a:srgbClr>
-            </a:solidFill>
-            <a:ln>
-              <a:noFill/>
-            </a:ln>
-          </p:spPr>
-          <p:style>
-            <a:lnRef idx="2">
-              <a:schemeClr val="accent1">
-                <a:shade val="50000"/>
-              </a:schemeClr>
-            </a:lnRef>
-            <a:fillRef idx="1">
-              <a:schemeClr val="accent1"/>
-            </a:fillRef>
-            <a:effectRef idx="0">
-              <a:schemeClr val="accent1"/>
-            </a:effectRef>
-            <a:fontRef idx="minor">
-              <a:schemeClr val="lt1"/>
-            </a:fontRef>
-          </p:style>
-          <p:txBody>
-            <a:bodyPr rot="0" spcFirstLastPara="0" vertOverflow="overflow" horzOverflow="overflow" vert="horz" wrap="square" lIns="91440" tIns="45720" rIns="91440" bIns="45720" numCol="1" spcCol="0" rtlCol="0" fromWordArt="0" anchor="ctr" anchorCtr="0" forceAA="0" compatLnSpc="1">
-              <a:noAutofit/>
-            </a:bodyPr>
-            <a:p>
-              <a:pPr algn="ctr"/>
-              <a:endParaRPr kumimoji="1" lang="zh-CN" altLang="en-US">
-                <a:solidFill>
-                  <a:srgbClr val="262626"/>
-                </a:solidFill>
-                <a:latin typeface="微软雅黑" panose="020B0503020204020204" charset="-122"/>
-                <a:ea typeface="微软雅黑" panose="020B0503020204020204" charset="-122"/>
-              </a:endParaRPr>
-            </a:p>
-          </p:txBody>
-        </p:sp>
-      </p:grpSp>
-      <p:sp>
-        <p:nvSpPr>
-          <p:cNvPr id="12" name="文本框 11"/>
-          <p:cNvSpPr txBox="1"/>
-          <p:nvPr>
-            <p:custDataLst>
-              <p:tags r:id="rId4"/>
-            </p:custDataLst>
-          </p:nvPr>
-        </p:nvSpPr>
-        <p:spPr>
-          <a:xfrm>
-            <a:off x="1233805" y="2396490"/>
-            <a:ext cx="10017125" cy="1726565"/>
-          </a:xfrm>
-          <a:prstGeom prst="rect">
-            <a:avLst/>
-          </a:prstGeom>
-          <a:noFill/>
-        </p:spPr>
-        <p:txBody>
-          <a:bodyPr wrap="square" rtlCol="0">
-            <a:noAutofit/>
-          </a:bodyPr>
-          <a:p>
-            <a:pPr marL="0" lvl="0" indent="-285750" algn="ctr" fontAlgn="ctr">
-              <a:lnSpc>
-                <a:spcPct val="130000"/>
-              </a:lnSpc>
-              <a:spcBef>
-                <a:spcPts val="1000"/>
-              </a:spcBef>
-              <a:spcAft>
-                <a:spcPts val="0"/>
-              </a:spcAft>
-              <a:buSzPct val="100000"/>
-              <a:buFont typeface="Wingdings" panose="05000000000000000000" charset="0"/>
-              <a:buNone/>
-            </a:pPr>
-            <a:r>
-              <a:rPr lang="zh-CN" altLang="en-US" sz="8800" spc="150">
-                <a:solidFill>
-                  <a:srgbClr val="404040"/>
-                </a:solidFill>
-                <a:latin typeface="微软雅黑" panose="020B0503020204020204" charset="-122"/>
-                <a:ea typeface="微软雅黑" panose="020B0503020204020204" charset="-122"/>
-              </a:rPr>
-              <a:t>谢 谢</a:t>
-            </a:r>
-            <a:endParaRPr lang="zh-CN" altLang="en-US" sz="8800" spc="150">
-              <a:solidFill>
-                <a:srgbClr val="404040"/>
-              </a:solidFill>
-              <a:latin typeface="微软雅黑" panose="020B0503020204020204" charset="-122"/>
-              <a:ea typeface="微软雅黑" panose="020B0503020204020204" charset="-122"/>
-            </a:endParaRPr>
-          </a:p>
-        </p:txBody>
-      </p:sp>
-    </p:spTree>
-    <p:custDataLst>
-      <p:tags r:id="rId5"/>
-    </p:custDataLst>
-  </p:cSld>
-  <p:clrMapOvr>
-    <a:masterClrMapping/>
-  </p:clrMapOvr>
   <p:timing>
     <p:tnLst>
       <p:par>
@@ -26210,7 +25049,37 @@
                 <a:latin typeface="微软雅黑" panose="020B0503020204020204" charset="-122"/>
                 <a:ea typeface="微软雅黑" panose="020B0503020204020204" charset="-122"/>
               </a:rPr>
-              <a:t>查找字符串</a:t>
+              <a:t>查找</a:t>
+            </a:r>
+            <a:r>
+              <a:rPr lang="en-US" altLang="zh-CN" sz="1800">
+                <a:solidFill>
+                  <a:srgbClr val="404040"/>
+                </a:solidFill>
+                <a:latin typeface="微软雅黑" panose="020B0503020204020204" charset="-122"/>
+                <a:ea typeface="微软雅黑" panose="020B0503020204020204" charset="-122"/>
+              </a:rPr>
+              <a:t>/</a:t>
+            </a:r>
+            <a:r>
+              <a:rPr lang="zh-CN" altLang="en-US" sz="1800">
+                <a:solidFill>
+                  <a:srgbClr val="404040"/>
+                </a:solidFill>
+                <a:latin typeface="微软雅黑" panose="020B0503020204020204" charset="-122"/>
+                <a:ea typeface="微软雅黑" panose="020B0503020204020204" charset="-122"/>
+              </a:rPr>
+              <a:t>替换</a:t>
+            </a:r>
+            <a:r>
+              <a:rPr lang="zh-CN" altLang="en-US" sz="1800">
+                <a:solidFill>
+                  <a:srgbClr val="404040"/>
+                </a:solidFill>
+                <a:latin typeface="微软雅黑" panose="020B0503020204020204" charset="-122"/>
+                <a:ea typeface="微软雅黑" panose="020B0503020204020204" charset="-122"/>
+              </a:rPr>
+              <a:t>字符串</a:t>
             </a:r>
             <a:endParaRPr lang="zh-CN" altLang="en-US" sz="1800">
               <a:solidFill>
@@ -26319,7 +25188,17 @@
                 <a:latin typeface="微软雅黑" panose="020B0503020204020204" charset="-122"/>
                 <a:ea typeface="微软雅黑" panose="020B0503020204020204" charset="-122"/>
               </a:rPr>
-              <a:t>字符串场景</a:t>
+              <a:t>业务</a:t>
+            </a:r>
+            <a:r>
+              <a:rPr lang="zh-CN" altLang="en-US" sz="1800">
+                <a:solidFill>
+                  <a:srgbClr val="404040"/>
+                </a:solidFill>
+                <a:latin typeface="微软雅黑" panose="020B0503020204020204" charset="-122"/>
+                <a:ea typeface="微软雅黑" panose="020B0503020204020204" charset="-122"/>
+              </a:rPr>
+              <a:t>场景</a:t>
             </a:r>
             <a:endParaRPr lang="en-US" altLang="zh-CN" sz="1800">
               <a:solidFill>
@@ -30869,384 +29748,13 @@
           </a:p>
         </p:txBody>
       </p:sp>
-      <p:grpSp>
-        <p:nvGrpSpPr>
-          <p:cNvPr id="4" name="组合 3"/>
-          <p:cNvGrpSpPr/>
-          <p:nvPr>
-            <p:custDataLst>
-              <p:tags r:id="rId7"/>
-            </p:custDataLst>
-          </p:nvPr>
-        </p:nvGrpSpPr>
-        <p:grpSpPr>
-          <a:xfrm>
-            <a:off x="10827619" y="761703"/>
-            <a:ext cx="907181" cy="338554"/>
-            <a:chOff x="10533724" y="928160"/>
-            <a:chExt cx="907181" cy="338554"/>
-          </a:xfrm>
-        </p:grpSpPr>
-        <p:sp>
-          <p:nvSpPr>
-            <p:cNvPr id="14" name="矩形: 圆角 13"/>
-            <p:cNvSpPr/>
-            <p:nvPr>
-              <p:custDataLst>
-                <p:tags r:id="rId8"/>
-              </p:custDataLst>
-            </p:nvPr>
-          </p:nvSpPr>
-          <p:spPr>
-            <a:xfrm>
-              <a:off x="10533724" y="940804"/>
-              <a:ext cx="907181" cy="313266"/>
-            </a:xfrm>
-            <a:prstGeom prst="roundRect">
-              <a:avLst>
-                <a:gd name="adj" fmla="val 50000"/>
-              </a:avLst>
-            </a:prstGeom>
-            <a:solidFill>
-              <a:srgbClr val="FDE45A"/>
-            </a:solidFill>
-            <a:ln>
-              <a:noFill/>
-            </a:ln>
-          </p:spPr>
-          <p:style>
-            <a:lnRef idx="2">
-              <a:schemeClr val="accent1">
-                <a:shade val="50000"/>
-              </a:schemeClr>
-            </a:lnRef>
-            <a:fillRef idx="1">
-              <a:schemeClr val="accent1"/>
-            </a:fillRef>
-            <a:effectRef idx="0">
-              <a:schemeClr val="accent1"/>
-            </a:effectRef>
-            <a:fontRef idx="minor">
-              <a:schemeClr val="lt1"/>
-            </a:fontRef>
-          </p:style>
-          <p:txBody>
-            <a:bodyPr wrap="square" rtlCol="0" anchor="ctr">
-              <a:normAutofit fontScale="45000" lnSpcReduction="20000"/>
-            </a:bodyPr>
-            <a:lstStyle>
-              <a:defPPr>
-                <a:defRPr lang="zh-CN">
-                  <a:solidFill>
-                    <a:schemeClr val="lt1"/>
-                  </a:solidFill>
-                </a:defRPr>
-              </a:defPPr>
-              <a:lvl1pPr marL="0" algn="l" defTabSz="914400" rtl="0" eaLnBrk="1" latinLnBrk="0" hangingPunct="1">
-                <a:defRPr sz="1800" kern="1200">
-                  <a:solidFill>
-                    <a:schemeClr val="lt1"/>
-                  </a:solidFill>
-                  <a:latin typeface="+mn-lt"/>
-                  <a:ea typeface="+mn-ea"/>
-                  <a:cs typeface="+mn-cs"/>
-                </a:defRPr>
-              </a:lvl1pPr>
-              <a:lvl2pPr marL="457200" algn="l" defTabSz="914400" rtl="0" eaLnBrk="1" latinLnBrk="0" hangingPunct="1">
-                <a:defRPr sz="1800" kern="1200">
-                  <a:solidFill>
-                    <a:schemeClr val="lt1"/>
-                  </a:solidFill>
-                  <a:latin typeface="+mn-lt"/>
-                  <a:ea typeface="+mn-ea"/>
-                  <a:cs typeface="+mn-cs"/>
-                </a:defRPr>
-              </a:lvl2pPr>
-              <a:lvl3pPr marL="914400" algn="l" defTabSz="914400" rtl="0" eaLnBrk="1" latinLnBrk="0" hangingPunct="1">
-                <a:defRPr sz="1800" kern="1200">
-                  <a:solidFill>
-                    <a:schemeClr val="lt1"/>
-                  </a:solidFill>
-                  <a:latin typeface="+mn-lt"/>
-                  <a:ea typeface="+mn-ea"/>
-                  <a:cs typeface="+mn-cs"/>
-                </a:defRPr>
-              </a:lvl3pPr>
-              <a:lvl4pPr marL="1371600" algn="l" defTabSz="914400" rtl="0" eaLnBrk="1" latinLnBrk="0" hangingPunct="1">
-                <a:defRPr sz="1800" kern="1200">
-                  <a:solidFill>
-                    <a:schemeClr val="lt1"/>
-                  </a:solidFill>
-                  <a:latin typeface="+mn-lt"/>
-                  <a:ea typeface="+mn-ea"/>
-                  <a:cs typeface="+mn-cs"/>
-                </a:defRPr>
-              </a:lvl4pPr>
-              <a:lvl5pPr marL="1828800" algn="l" defTabSz="914400" rtl="0" eaLnBrk="1" latinLnBrk="0" hangingPunct="1">
-                <a:defRPr sz="1800" kern="1200">
-                  <a:solidFill>
-                    <a:schemeClr val="lt1"/>
-                  </a:solidFill>
-                  <a:latin typeface="+mn-lt"/>
-                  <a:ea typeface="+mn-ea"/>
-                  <a:cs typeface="+mn-cs"/>
-                </a:defRPr>
-              </a:lvl5pPr>
-              <a:lvl6pPr marL="2286000" algn="l" defTabSz="914400" rtl="0" eaLnBrk="1" latinLnBrk="0" hangingPunct="1">
-                <a:defRPr sz="1800" kern="1200">
-                  <a:solidFill>
-                    <a:schemeClr val="lt1"/>
-                  </a:solidFill>
-                  <a:latin typeface="+mn-lt"/>
-                  <a:ea typeface="+mn-ea"/>
-                  <a:cs typeface="+mn-cs"/>
-                </a:defRPr>
-              </a:lvl6pPr>
-              <a:lvl7pPr marL="2743200" algn="l" defTabSz="914400" rtl="0" eaLnBrk="1" latinLnBrk="0" hangingPunct="1">
-                <a:defRPr sz="1800" kern="1200">
-                  <a:solidFill>
-                    <a:schemeClr val="lt1"/>
-                  </a:solidFill>
-                  <a:latin typeface="+mn-lt"/>
-                  <a:ea typeface="+mn-ea"/>
-                  <a:cs typeface="+mn-cs"/>
-                </a:defRPr>
-              </a:lvl7pPr>
-              <a:lvl8pPr marL="3200400" algn="l" defTabSz="914400" rtl="0" eaLnBrk="1" latinLnBrk="0" hangingPunct="1">
-                <a:defRPr sz="1800" kern="1200">
-                  <a:solidFill>
-                    <a:schemeClr val="lt1"/>
-                  </a:solidFill>
-                  <a:latin typeface="+mn-lt"/>
-                  <a:ea typeface="+mn-ea"/>
-                  <a:cs typeface="+mn-cs"/>
-                </a:defRPr>
-              </a:lvl8pPr>
-              <a:lvl9pPr marL="3657600" algn="l" defTabSz="914400" rtl="0" eaLnBrk="1" latinLnBrk="0" hangingPunct="1">
-                <a:defRPr sz="1800" kern="1200">
-                  <a:solidFill>
-                    <a:schemeClr val="lt1"/>
-                  </a:solidFill>
-                  <a:latin typeface="+mn-lt"/>
-                  <a:ea typeface="+mn-ea"/>
-                  <a:cs typeface="+mn-cs"/>
-                </a:defRPr>
-              </a:lvl9pPr>
-            </a:lstStyle>
-            <a:p>
-              <a:pPr marL="0" marR="0" lvl="0" indent="0" algn="ctr" defTabSz="914400" rtl="0" eaLnBrk="1" fontAlgn="auto" latinLnBrk="0" hangingPunct="1">
-                <a:lnSpc>
-                  <a:spcPct val="100000"/>
-                </a:lnSpc>
-                <a:spcBef>
-                  <a:spcPts val="0"/>
-                </a:spcBef>
-                <a:spcAft>
-                  <a:spcPts val="0"/>
-                </a:spcAft>
-                <a:buClrTx/>
-                <a:buSzTx/>
-                <a:buFontTx/>
-                <a:buNone/>
-              </a:pPr>
-              <a:endParaRPr kumimoji="0" lang="zh-CN" altLang="en-US" sz="1800" b="0" i="0" u="none" strike="noStrike" kern="1200" cap="none" spc="0" normalizeH="0" baseline="0" noProof="0">
-                <a:ln>
-                  <a:noFill/>
-                </a:ln>
-                <a:solidFill>
-                  <a:prstClr val="white"/>
-                </a:solidFill>
-                <a:effectLst/>
-                <a:uLnTx/>
-                <a:uFillTx/>
-                <a:latin typeface="微软雅黑" panose="020B0503020204020204" charset="-122"/>
-                <a:ea typeface="微软雅黑" panose="020B0503020204020204" charset="-122"/>
-                <a:cs typeface="+mn-cs"/>
-              </a:endParaRPr>
-            </a:p>
-          </p:txBody>
-        </p:sp>
-        <p:sp>
-          <p:nvSpPr>
-            <p:cNvPr id="15" name="文本框 33"/>
-            <p:cNvSpPr txBox="1"/>
-            <p:nvPr>
-              <p:custDataLst>
-                <p:tags r:id="rId9"/>
-              </p:custDataLst>
-            </p:nvPr>
-          </p:nvSpPr>
-          <p:spPr>
-            <a:xfrm>
-              <a:off x="10592014" y="928160"/>
-              <a:ext cx="790601" cy="338554"/>
-            </a:xfrm>
-            <a:prstGeom prst="rect">
-              <a:avLst/>
-            </a:prstGeom>
-            <a:noFill/>
-          </p:spPr>
-          <p:txBody>
-            <a:bodyPr wrap="square" rtlCol="0">
-              <a:noAutofit/>
-            </a:bodyPr>
-            <a:lstStyle>
-              <a:defPPr>
-                <a:defRPr lang="zh-CN"/>
-              </a:defPPr>
-              <a:lvl1pPr marL="0" algn="l" defTabSz="914400" rtl="0" eaLnBrk="1" latinLnBrk="0" hangingPunct="1">
-                <a:defRPr sz="1800" kern="1200">
-                  <a:solidFill>
-                    <a:schemeClr val="tx1"/>
-                  </a:solidFill>
-                  <a:latin typeface="+mn-lt"/>
-                  <a:ea typeface="+mn-ea"/>
-                  <a:cs typeface="+mn-cs"/>
-                </a:defRPr>
-              </a:lvl1pPr>
-              <a:lvl2pPr marL="457200" algn="l" defTabSz="914400" rtl="0" eaLnBrk="1" latinLnBrk="0" hangingPunct="1">
-                <a:defRPr sz="1800" kern="1200">
-                  <a:solidFill>
-                    <a:schemeClr val="tx1"/>
-                  </a:solidFill>
-                  <a:latin typeface="+mn-lt"/>
-                  <a:ea typeface="+mn-ea"/>
-                  <a:cs typeface="+mn-cs"/>
-                </a:defRPr>
-              </a:lvl2pPr>
-              <a:lvl3pPr marL="914400" algn="l" defTabSz="914400" rtl="0" eaLnBrk="1" latinLnBrk="0" hangingPunct="1">
-                <a:defRPr sz="1800" kern="1200">
-                  <a:solidFill>
-                    <a:schemeClr val="tx1"/>
-                  </a:solidFill>
-                  <a:latin typeface="+mn-lt"/>
-                  <a:ea typeface="+mn-ea"/>
-                  <a:cs typeface="+mn-cs"/>
-                </a:defRPr>
-              </a:lvl3pPr>
-              <a:lvl4pPr marL="1371600" algn="l" defTabSz="914400" rtl="0" eaLnBrk="1" latinLnBrk="0" hangingPunct="1">
-                <a:defRPr sz="1800" kern="1200">
-                  <a:solidFill>
-                    <a:schemeClr val="tx1"/>
-                  </a:solidFill>
-                  <a:latin typeface="+mn-lt"/>
-                  <a:ea typeface="+mn-ea"/>
-                  <a:cs typeface="+mn-cs"/>
-                </a:defRPr>
-              </a:lvl4pPr>
-              <a:lvl5pPr marL="1828800" algn="l" defTabSz="914400" rtl="0" eaLnBrk="1" latinLnBrk="0" hangingPunct="1">
-                <a:defRPr sz="1800" kern="1200">
-                  <a:solidFill>
-                    <a:schemeClr val="tx1"/>
-                  </a:solidFill>
-                  <a:latin typeface="+mn-lt"/>
-                  <a:ea typeface="+mn-ea"/>
-                  <a:cs typeface="+mn-cs"/>
-                </a:defRPr>
-              </a:lvl5pPr>
-              <a:lvl6pPr marL="2286000" algn="l" defTabSz="914400" rtl="0" eaLnBrk="1" latinLnBrk="0" hangingPunct="1">
-                <a:defRPr sz="1800" kern="1200">
-                  <a:solidFill>
-                    <a:schemeClr val="tx1"/>
-                  </a:solidFill>
-                  <a:latin typeface="+mn-lt"/>
-                  <a:ea typeface="+mn-ea"/>
-                  <a:cs typeface="+mn-cs"/>
-                </a:defRPr>
-              </a:lvl6pPr>
-              <a:lvl7pPr marL="2743200" algn="l" defTabSz="914400" rtl="0" eaLnBrk="1" latinLnBrk="0" hangingPunct="1">
-                <a:defRPr sz="1800" kern="1200">
-                  <a:solidFill>
-                    <a:schemeClr val="tx1"/>
-                  </a:solidFill>
-                  <a:latin typeface="+mn-lt"/>
-                  <a:ea typeface="+mn-ea"/>
-                  <a:cs typeface="+mn-cs"/>
-                </a:defRPr>
-              </a:lvl7pPr>
-              <a:lvl8pPr marL="3200400" algn="l" defTabSz="914400" rtl="0" eaLnBrk="1" latinLnBrk="0" hangingPunct="1">
-                <a:defRPr sz="1800" kern="1200">
-                  <a:solidFill>
-                    <a:schemeClr val="tx1"/>
-                  </a:solidFill>
-                  <a:latin typeface="+mn-lt"/>
-                  <a:ea typeface="+mn-ea"/>
-                  <a:cs typeface="+mn-cs"/>
-                </a:defRPr>
-              </a:lvl8pPr>
-              <a:lvl9pPr marL="3657600" algn="l" defTabSz="914400" rtl="0" eaLnBrk="1" latinLnBrk="0" hangingPunct="1">
-                <a:defRPr sz="1800" kern="1200">
-                  <a:solidFill>
-                    <a:schemeClr val="tx1"/>
-                  </a:solidFill>
-                  <a:latin typeface="+mn-lt"/>
-                  <a:ea typeface="+mn-ea"/>
-                  <a:cs typeface="+mn-cs"/>
-                </a:defRPr>
-              </a:lvl9pPr>
-            </a:lstStyle>
-            <a:p>
-              <a:pPr marL="0" marR="0" lvl="0" indent="0" algn="l" defTabSz="914400" rtl="0" eaLnBrk="1" fontAlgn="auto" latinLnBrk="0" hangingPunct="1">
-                <a:lnSpc>
-                  <a:spcPct val="100000"/>
-                </a:lnSpc>
-                <a:spcBef>
-                  <a:spcPts val="0"/>
-                </a:spcBef>
-                <a:spcAft>
-                  <a:spcPts val="0"/>
-                </a:spcAft>
-                <a:buClrTx/>
-                <a:buSzTx/>
-                <a:buFontTx/>
-                <a:buNone/>
-              </a:pPr>
-              <a:r>
-                <a:rPr kumimoji="0" lang="en-US" altLang="zh-CN" sz="1600" b="1" i="0" u="none" strike="noStrike" kern="1200" cap="none" spc="0" normalizeH="0" baseline="0" noProof="0" dirty="0">
-                  <a:ln>
-                    <a:noFill/>
-                  </a:ln>
-                  <a:solidFill>
-                    <a:srgbClr val="262626">
-                      <a:alpha val="80000"/>
-                    </a:srgbClr>
-                  </a:solidFill>
-                  <a:effectLst/>
-                  <a:uLnTx/>
-                  <a:uFillTx/>
-                  <a:latin typeface="微软雅黑" panose="020B0503020204020204" charset="-122"/>
-                  <a:ea typeface="微软雅黑" panose="020B0503020204020204" charset="-122"/>
-                  <a:cs typeface="Arial" panose="020B0604020202020204" pitchFamily="34" charset="0"/>
-                </a:rPr>
-                <a:t>LOGO</a:t>
-              </a:r>
-              <a:endParaRPr kumimoji="0" lang="en-US" altLang="zh-CN" sz="1600" b="1" i="0" u="none" strike="noStrike" kern="1200" cap="none" spc="0" normalizeH="0" baseline="0" noProof="0" dirty="0">
-                <a:ln>
-                  <a:noFill/>
-                </a:ln>
-                <a:solidFill>
-                  <a:srgbClr val="262626">
-                    <a:alpha val="80000"/>
-                  </a:srgbClr>
-                </a:solidFill>
-                <a:effectLst/>
-                <a:uLnTx/>
-                <a:uFillTx/>
-                <a:latin typeface="微软雅黑" panose="020B0503020204020204" charset="-122"/>
-                <a:ea typeface="微软雅黑" panose="020B0503020204020204" charset="-122"/>
-                <a:cs typeface="Arial" panose="020B0604020202020204" pitchFamily="34" charset="0"/>
-              </a:endParaRPr>
-            </a:p>
-          </p:txBody>
-        </p:sp>
-      </p:grpSp>
       <p:sp>
         <p:nvSpPr>
           <p:cNvPr id="17" name="矩形 16"/>
           <p:cNvSpPr/>
           <p:nvPr>
             <p:custDataLst>
-              <p:tags r:id="rId10"/>
+              <p:tags r:id="rId7"/>
             </p:custDataLst>
           </p:nvPr>
         </p:nvSpPr>
@@ -31322,7 +29830,7 @@
           <p:cNvSpPr txBox="1"/>
           <p:nvPr>
             <p:custDataLst>
-              <p:tags r:id="rId11"/>
+              <p:tags r:id="rId8"/>
             </p:custDataLst>
           </p:nvPr>
         </p:nvSpPr>
@@ -31388,7 +29896,7 @@
       </p:sp>
     </p:spTree>
     <p:custDataLst>
-      <p:tags r:id="rId12"/>
+      <p:tags r:id="rId9"/>
     </p:custDataLst>
   </p:cSld>
   <p:clrMapOvr>
@@ -34689,70 +33197,6 @@
   <p:tag name="KSO_WM_UNIT_COMPATIBLE" val="0"/>
   <p:tag name="KSO_WM_UNIT_DIAGRAM_ISNUMVISUAL" val="0"/>
   <p:tag name="KSO_WM_UNIT_DIAGRAM_ISREFERUNIT" val="0"/>
-  <p:tag name="KSO_WM_UNIT_TYPE" val="i"/>
-  <p:tag name="KSO_WM_UNIT_INDEX" val="2"/>
-  <p:tag name="KSO_WM_UNIT_ID" val="diagram20202305_1*i*2"/>
-  <p:tag name="KSO_WM_TEMPLATE_CATEGORY" val="diagram"/>
-  <p:tag name="KSO_WM_TEMPLATE_INDEX" val="20202305"/>
-  <p:tag name="KSO_WM_UNIT_LAYERLEVEL" val="1"/>
-  <p:tag name="KSO_WM_TAG_VERSION" val="1.0"/>
-  <p:tag name="KSO_WM_BEAUTIFY_FLAG" val="#wm#"/>
-  <p:tag name="KSO_WM_UNIT_BLOCK" val="0"/>
-  <p:tag name="KSO_WM_UNIT_SM_LIMIT_TYPE" val="1"/>
-  <p:tag name="KSO_WM_UNIT_PLACING_PICTURE_MD4" val="0"/>
-</p:tagLst>
-</file>
-
-<file path=ppt/tags/tag252.xml><?xml version="1.0" encoding="utf-8"?>
-<p:tagLst xmlns:p="http://schemas.openxmlformats.org/presentationml/2006/main">
-  <p:tag name="KSO_WM_UNIT_HIGHLIGHT" val="0"/>
-  <p:tag name="KSO_WM_UNIT_COMPATIBLE" val="0"/>
-  <p:tag name="KSO_WM_UNIT_DIAGRAM_ISNUMVISUAL" val="0"/>
-  <p:tag name="KSO_WM_UNIT_DIAGRAM_ISREFERUNIT" val="0"/>
-  <p:tag name="KSO_WM_UNIT_TYPE" val="i"/>
-  <p:tag name="KSO_WM_UNIT_INDEX" val="3"/>
-  <p:tag name="KSO_WM_UNIT_ID" val="diagram20202305_1*i*3"/>
-  <p:tag name="KSO_WM_TEMPLATE_CATEGORY" val="diagram"/>
-  <p:tag name="KSO_WM_TEMPLATE_INDEX" val="20202305"/>
-  <p:tag name="KSO_WM_UNIT_LAYERLEVEL" val="1"/>
-  <p:tag name="KSO_WM_TAG_VERSION" val="1.0"/>
-  <p:tag name="KSO_WM_BEAUTIFY_FLAG" val="#wm#"/>
-  <p:tag name="KSO_WM_UNIT_SM_LIMIT_TYPE" val="1"/>
-  <p:tag name="KSO_WM_UNIT_PLACING_PICTURE_MD4" val="0"/>
-  <p:tag name="KSO_WM_UNIT_FILL_FORE_SCHEMECOLOR_INDEX_BRIGHTNESS" val="0"/>
-  <p:tag name="KSO_WM_UNIT_FILL_FORE_SCHEMECOLOR_INDEX" val="5"/>
-  <p:tag name="KSO_WM_UNIT_FILL_TYPE" val="1"/>
-</p:tagLst>
-</file>
-
-<file path=ppt/tags/tag253.xml><?xml version="1.0" encoding="utf-8"?>
-<p:tagLst xmlns:p="http://schemas.openxmlformats.org/presentationml/2006/main">
-  <p:tag name="KSO_WM_UNIT_HIGHLIGHT" val="0"/>
-  <p:tag name="KSO_WM_UNIT_COMPATIBLE" val="0"/>
-  <p:tag name="KSO_WM_UNIT_DIAGRAM_ISNUMVISUAL" val="0"/>
-  <p:tag name="KSO_WM_UNIT_DIAGRAM_ISREFERUNIT" val="0"/>
-  <p:tag name="KSO_WM_UNIT_TYPE" val="i"/>
-  <p:tag name="KSO_WM_UNIT_INDEX" val="5"/>
-  <p:tag name="KSO_WM_UNIT_ID" val="diagram20202305_1*i*5"/>
-  <p:tag name="KSO_WM_TEMPLATE_CATEGORY" val="diagram"/>
-  <p:tag name="KSO_WM_TEMPLATE_INDEX" val="20202305"/>
-  <p:tag name="KSO_WM_UNIT_LAYERLEVEL" val="1"/>
-  <p:tag name="KSO_WM_TAG_VERSION" val="1.0"/>
-  <p:tag name="KSO_WM_BEAUTIFY_FLAG" val="#wm#"/>
-  <p:tag name="KSO_WM_UNIT_SM_LIMIT_TYPE" val="1"/>
-  <p:tag name="KSO_WM_UNIT_PLACING_PICTURE_MD4" val="0"/>
-  <p:tag name="KSO_WM_UNIT_TEXT_FILL_FORE_SCHEMECOLOR_INDEX_BRIGHTNESS" val="0"/>
-  <p:tag name="KSO_WM_UNIT_TEXT_FILL_FORE_SCHEMECOLOR_INDEX" val="14"/>
-  <p:tag name="KSO_WM_UNIT_TEXT_FILL_TYPE" val="1"/>
-</p:tagLst>
-</file>
-
-<file path=ppt/tags/tag254.xml><?xml version="1.0" encoding="utf-8"?>
-<p:tagLst xmlns:p="http://schemas.openxmlformats.org/presentationml/2006/main">
-  <p:tag name="KSO_WM_UNIT_HIGHLIGHT" val="0"/>
-  <p:tag name="KSO_WM_UNIT_COMPATIBLE" val="0"/>
-  <p:tag name="KSO_WM_UNIT_DIAGRAM_ISNUMVISUAL" val="0"/>
-  <p:tag name="KSO_WM_UNIT_DIAGRAM_ISREFERUNIT" val="0"/>
   <p:tag name="KSO_WM_UNIT_ID" val="diagram20202305_1*i*1"/>
   <p:tag name="KSO_WM_TEMPLATE_CATEGORY" val="diagram"/>
   <p:tag name="KSO_WM_TEMPLATE_INDEX" val="20202305"/>
@@ -34770,7 +33214,7 @@
 </p:tagLst>
 </file>
 
-<file path=ppt/tags/tag255.xml><?xml version="1.0" encoding="utf-8"?>
+<file path=ppt/tags/tag252.xml><?xml version="1.0" encoding="utf-8"?>
 <p:tagLst xmlns:p="http://schemas.openxmlformats.org/presentationml/2006/main">
   <p:tag name="KSO_WM_UNIT_HIGHLIGHT" val="0"/>
   <p:tag name="KSO_WM_UNIT_COMPATIBLE" val="0"/>
@@ -34797,7 +33241,7 @@
 </p:tagLst>
 </file>
 
-<file path=ppt/tags/tag256.xml><?xml version="1.0" encoding="utf-8"?>
+<file path=ppt/tags/tag253.xml><?xml version="1.0" encoding="utf-8"?>
 <p:tagLst xmlns:p="http://schemas.openxmlformats.org/presentationml/2006/main">
   <p:tag name="KSO_WM_SLIDE_ID" val="diagram20202305_1"/>
   <p:tag name="KSO_WM_TEMPLATE_SUBCATEGORY" val="11"/>
@@ -34824,7 +33268,7 @@
 </p:tagLst>
 </file>
 
-<file path=ppt/tags/tag257.xml><?xml version="1.0" encoding="utf-8"?>
+<file path=ppt/tags/tag254.xml><?xml version="1.0" encoding="utf-8"?>
 <p:tagLst xmlns:p="http://schemas.openxmlformats.org/presentationml/2006/main">
   <p:tag name="KSO_WM_SLIDE_BACKGROUND_TYPE" val="topBottom"/>
   <p:tag name="KSO_WM_SLIDE_BK_DARK_LIGHT" val="2"/>
@@ -34849,7 +33293,7 @@
 </p:tagLst>
 </file>
 
-<file path=ppt/tags/tag258.xml><?xml version="1.0" encoding="utf-8"?>
+<file path=ppt/tags/tag255.xml><?xml version="1.0" encoding="utf-8"?>
 <p:tagLst xmlns:p="http://schemas.openxmlformats.org/presentationml/2006/main">
   <p:tag name="KSO_WM_SLIDE_BACKGROUND_TYPE" val="topBottom"/>
   <p:tag name="KSO_WM_SLIDE_BK_DARK_LIGHT" val="2"/>
@@ -34865,7 +33309,7 @@
 </p:tagLst>
 </file>
 
-<file path=ppt/tags/tag259.xml><?xml version="1.0" encoding="utf-8"?>
+<file path=ppt/tags/tag256.xml><?xml version="1.0" encoding="utf-8"?>
 <p:tagLst xmlns:p="http://schemas.openxmlformats.org/presentationml/2006/main">
   <p:tag name="KSO_WM_UNIT_HIGHLIGHT" val="0"/>
   <p:tag name="KSO_WM_UNIT_COMPATIBLE" val="0"/>
@@ -34886,20 +33330,7 @@
 </p:tagLst>
 </file>
 
-<file path=ppt/tags/tag26.xml><?xml version="1.0" encoding="utf-8"?>
-<p:tagLst xmlns:p="http://schemas.openxmlformats.org/presentationml/2006/main">
-  <p:tag name="KSO_WM_UNIT_HIGHLIGHT" val="0"/>
-  <p:tag name="KSO_WM_UNIT_COMPATIBLE" val="0"/>
-  <p:tag name="KSO_WM_UNIT_DIAGRAM_ISNUMVISUAL" val="0"/>
-  <p:tag name="KSO_WM_UNIT_DIAGRAM_ISREFERUNIT" val="0"/>
-  <p:tag name="KSO_WM_UNIT_ID" val="_3**"/>
-  <p:tag name="KSO_WM_UNIT_LAYERLEVEL" val="1"/>
-  <p:tag name="KSO_WM_TAG_VERSION" val="1.0"/>
-  <p:tag name="KSO_WM_BEAUTIFY_FLAG" val="#wm#"/>
-</p:tagLst>
-</file>
-
-<file path=ppt/tags/tag260.xml><?xml version="1.0" encoding="utf-8"?>
+<file path=ppt/tags/tag257.xml><?xml version="1.0" encoding="utf-8"?>
 <p:tagLst xmlns:p="http://schemas.openxmlformats.org/presentationml/2006/main">
   <p:tag name="KSO_WM_UNIT_HIGHLIGHT" val="0"/>
   <p:tag name="KSO_WM_UNIT_COMPATIBLE" val="0"/>
@@ -34920,7 +33351,7 @@
 </p:tagLst>
 </file>
 
-<file path=ppt/tags/tag261.xml><?xml version="1.0" encoding="utf-8"?>
+<file path=ppt/tags/tag258.xml><?xml version="1.0" encoding="utf-8"?>
 <p:tagLst xmlns:p="http://schemas.openxmlformats.org/presentationml/2006/main">
   <p:tag name="KSO_WM_UNIT_HIGHLIGHT" val="0"/>
   <p:tag name="KSO_WM_UNIT_COMPATIBLE" val="0"/>
@@ -34946,7 +33377,7 @@
 </p:tagLst>
 </file>
 
-<file path=ppt/tags/tag262.xml><?xml version="1.0" encoding="utf-8"?>
+<file path=ppt/tags/tag259.xml><?xml version="1.0" encoding="utf-8"?>
 <p:tagLst xmlns:p="http://schemas.openxmlformats.org/presentationml/2006/main">
   <p:tag name="KSO_WM_UNIT_PRESET_TEXT" val="我们是致力于研究AI智能创作PPT的一个团队;我们潜心钻研幻灯片的演示规律与创作思路，希望通过人工智能解放用户双手，不仅高效，且精准。&#13;我们拥有金山办公软件30年的技术积累，以及一支富有研究精神，匠心做事的团队。"/>
   <p:tag name="KSO_WM_UNIT_NOCLEAR" val="0"/>
@@ -34973,71 +33404,20 @@
 </p:tagLst>
 </file>
 
-<file path=ppt/tags/tag263.xml><?xml version="1.0" encoding="utf-8"?>
+<file path=ppt/tags/tag26.xml><?xml version="1.0" encoding="utf-8"?>
 <p:tagLst xmlns:p="http://schemas.openxmlformats.org/presentationml/2006/main">
   <p:tag name="KSO_WM_UNIT_HIGHLIGHT" val="0"/>
   <p:tag name="KSO_WM_UNIT_COMPATIBLE" val="0"/>
   <p:tag name="KSO_WM_UNIT_DIAGRAM_ISNUMVISUAL" val="0"/>
   <p:tag name="KSO_WM_UNIT_DIAGRAM_ISREFERUNIT" val="0"/>
-  <p:tag name="KSO_WM_UNIT_TYPE" val="i"/>
-  <p:tag name="KSO_WM_UNIT_INDEX" val="2"/>
-  <p:tag name="KSO_WM_UNIT_ID" val="diagram20202305_1*i*2"/>
-  <p:tag name="KSO_WM_TEMPLATE_CATEGORY" val="diagram"/>
-  <p:tag name="KSO_WM_TEMPLATE_INDEX" val="20202305"/>
+  <p:tag name="KSO_WM_UNIT_ID" val="_3**"/>
   <p:tag name="KSO_WM_UNIT_LAYERLEVEL" val="1"/>
   <p:tag name="KSO_WM_TAG_VERSION" val="1.0"/>
   <p:tag name="KSO_WM_BEAUTIFY_FLAG" val="#wm#"/>
-  <p:tag name="KSO_WM_UNIT_BLOCK" val="0"/>
-  <p:tag name="KSO_WM_UNIT_SM_LIMIT_TYPE" val="1"/>
-  <p:tag name="KSO_WM_UNIT_PLACING_PICTURE_MD4" val="0"/>
 </p:tagLst>
 </file>
 
-<file path=ppt/tags/tag264.xml><?xml version="1.0" encoding="utf-8"?>
-<p:tagLst xmlns:p="http://schemas.openxmlformats.org/presentationml/2006/main">
-  <p:tag name="KSO_WM_UNIT_HIGHLIGHT" val="0"/>
-  <p:tag name="KSO_WM_UNIT_COMPATIBLE" val="0"/>
-  <p:tag name="KSO_WM_UNIT_DIAGRAM_ISNUMVISUAL" val="0"/>
-  <p:tag name="KSO_WM_UNIT_DIAGRAM_ISREFERUNIT" val="0"/>
-  <p:tag name="KSO_WM_UNIT_TYPE" val="i"/>
-  <p:tag name="KSO_WM_UNIT_INDEX" val="3"/>
-  <p:tag name="KSO_WM_UNIT_ID" val="diagram20202305_1*i*3"/>
-  <p:tag name="KSO_WM_TEMPLATE_CATEGORY" val="diagram"/>
-  <p:tag name="KSO_WM_TEMPLATE_INDEX" val="20202305"/>
-  <p:tag name="KSO_WM_UNIT_LAYERLEVEL" val="1"/>
-  <p:tag name="KSO_WM_TAG_VERSION" val="1.0"/>
-  <p:tag name="KSO_WM_BEAUTIFY_FLAG" val="#wm#"/>
-  <p:tag name="KSO_WM_UNIT_SM_LIMIT_TYPE" val="1"/>
-  <p:tag name="KSO_WM_UNIT_PLACING_PICTURE_MD4" val="0"/>
-  <p:tag name="KSO_WM_UNIT_FILL_FORE_SCHEMECOLOR_INDEX_BRIGHTNESS" val="0"/>
-  <p:tag name="KSO_WM_UNIT_FILL_FORE_SCHEMECOLOR_INDEX" val="5"/>
-  <p:tag name="KSO_WM_UNIT_FILL_TYPE" val="1"/>
-</p:tagLst>
-</file>
-
-<file path=ppt/tags/tag265.xml><?xml version="1.0" encoding="utf-8"?>
-<p:tagLst xmlns:p="http://schemas.openxmlformats.org/presentationml/2006/main">
-  <p:tag name="KSO_WM_UNIT_HIGHLIGHT" val="0"/>
-  <p:tag name="KSO_WM_UNIT_COMPATIBLE" val="0"/>
-  <p:tag name="KSO_WM_UNIT_DIAGRAM_ISNUMVISUAL" val="0"/>
-  <p:tag name="KSO_WM_UNIT_DIAGRAM_ISREFERUNIT" val="0"/>
-  <p:tag name="KSO_WM_UNIT_TYPE" val="i"/>
-  <p:tag name="KSO_WM_UNIT_INDEX" val="5"/>
-  <p:tag name="KSO_WM_UNIT_ID" val="diagram20202305_1*i*5"/>
-  <p:tag name="KSO_WM_TEMPLATE_CATEGORY" val="diagram"/>
-  <p:tag name="KSO_WM_TEMPLATE_INDEX" val="20202305"/>
-  <p:tag name="KSO_WM_UNIT_LAYERLEVEL" val="1"/>
-  <p:tag name="KSO_WM_TAG_VERSION" val="1.0"/>
-  <p:tag name="KSO_WM_BEAUTIFY_FLAG" val="#wm#"/>
-  <p:tag name="KSO_WM_UNIT_SM_LIMIT_TYPE" val="1"/>
-  <p:tag name="KSO_WM_UNIT_PLACING_PICTURE_MD4" val="0"/>
-  <p:tag name="KSO_WM_UNIT_TEXT_FILL_FORE_SCHEMECOLOR_INDEX_BRIGHTNESS" val="0"/>
-  <p:tag name="KSO_WM_UNIT_TEXT_FILL_FORE_SCHEMECOLOR_INDEX" val="14"/>
-  <p:tag name="KSO_WM_UNIT_TEXT_FILL_TYPE" val="1"/>
-</p:tagLst>
-</file>
-
-<file path=ppt/tags/tag266.xml><?xml version="1.0" encoding="utf-8"?>
+<file path=ppt/tags/tag260.xml><?xml version="1.0" encoding="utf-8"?>
 <p:tagLst xmlns:p="http://schemas.openxmlformats.org/presentationml/2006/main">
   <p:tag name="KSO_WM_UNIT_HIGHLIGHT" val="0"/>
   <p:tag name="KSO_WM_UNIT_COMPATIBLE" val="0"/>
@@ -35060,7 +33440,7 @@
 </p:tagLst>
 </file>
 
-<file path=ppt/tags/tag267.xml><?xml version="1.0" encoding="utf-8"?>
+<file path=ppt/tags/tag261.xml><?xml version="1.0" encoding="utf-8"?>
 <p:tagLst xmlns:p="http://schemas.openxmlformats.org/presentationml/2006/main">
   <p:tag name="KSO_WM_UNIT_HIGHLIGHT" val="0"/>
   <p:tag name="KSO_WM_UNIT_COMPATIBLE" val="0"/>
@@ -35087,7 +33467,7 @@
 </p:tagLst>
 </file>
 
-<file path=ppt/tags/tag268.xml><?xml version="1.0" encoding="utf-8"?>
+<file path=ppt/tags/tag262.xml><?xml version="1.0" encoding="utf-8"?>
 <p:tagLst xmlns:p="http://schemas.openxmlformats.org/presentationml/2006/main">
   <p:tag name="KSO_WM_SLIDE_ID" val="diagram20202305_1"/>
   <p:tag name="KSO_WM_TEMPLATE_SUBCATEGORY" val="11"/>
@@ -35114,7 +33494,7 @@
 </p:tagLst>
 </file>
 
-<file path=ppt/tags/tag269.xml><?xml version="1.0" encoding="utf-8"?>
+<file path=ppt/tags/tag263.xml><?xml version="1.0" encoding="utf-8"?>
 <p:tagLst xmlns:p="http://schemas.openxmlformats.org/presentationml/2006/main">
   <p:tag name="KSO_WM_SLIDE_BACKGROUND_TYPE" val="topBottom"/>
   <p:tag name="KSO_WM_SLIDE_BK_DARK_LIGHT" val="2"/>
@@ -35139,20 +33519,7 @@
 </p:tagLst>
 </file>
 
-<file path=ppt/tags/tag27.xml><?xml version="1.0" encoding="utf-8"?>
-<p:tagLst xmlns:p="http://schemas.openxmlformats.org/presentationml/2006/main">
-  <p:tag name="KSO_WM_UNIT_HIGHLIGHT" val="0"/>
-  <p:tag name="KSO_WM_UNIT_COMPATIBLE" val="0"/>
-  <p:tag name="KSO_WM_UNIT_DIAGRAM_ISNUMVISUAL" val="0"/>
-  <p:tag name="KSO_WM_UNIT_DIAGRAM_ISREFERUNIT" val="0"/>
-  <p:tag name="KSO_WM_UNIT_ID" val="_3**"/>
-  <p:tag name="KSO_WM_UNIT_LAYERLEVEL" val="1"/>
-  <p:tag name="KSO_WM_TAG_VERSION" val="1.0"/>
-  <p:tag name="KSO_WM_BEAUTIFY_FLAG" val="#wm#"/>
-</p:tagLst>
-</file>
-
-<file path=ppt/tags/tag270.xml><?xml version="1.0" encoding="utf-8"?>
+<file path=ppt/tags/tag264.xml><?xml version="1.0" encoding="utf-8"?>
 <p:tagLst xmlns:p="http://schemas.openxmlformats.org/presentationml/2006/main">
   <p:tag name="KSO_WM_SLIDE_BACKGROUND_TYPE" val="topBottom"/>
   <p:tag name="KSO_WM_SLIDE_BK_DARK_LIGHT" val="2"/>
@@ -35168,7 +33535,7 @@
 </p:tagLst>
 </file>
 
-<file path=ppt/tags/tag271.xml><?xml version="1.0" encoding="utf-8"?>
+<file path=ppt/tags/tag265.xml><?xml version="1.0" encoding="utf-8"?>
 <p:tagLst xmlns:p="http://schemas.openxmlformats.org/presentationml/2006/main">
   <p:tag name="KSO_WM_UNIT_HIGHLIGHT" val="0"/>
   <p:tag name="KSO_WM_UNIT_COMPATIBLE" val="0"/>
@@ -35189,7 +33556,7 @@
 </p:tagLst>
 </file>
 
-<file path=ppt/tags/tag272.xml><?xml version="1.0" encoding="utf-8"?>
+<file path=ppt/tags/tag266.xml><?xml version="1.0" encoding="utf-8"?>
 <p:tagLst xmlns:p="http://schemas.openxmlformats.org/presentationml/2006/main">
   <p:tag name="KSO_WM_UNIT_HIGHLIGHT" val="0"/>
   <p:tag name="KSO_WM_UNIT_COMPATIBLE" val="0"/>
@@ -35210,7 +33577,7 @@
 </p:tagLst>
 </file>
 
-<file path=ppt/tags/tag273.xml><?xml version="1.0" encoding="utf-8"?>
+<file path=ppt/tags/tag267.xml><?xml version="1.0" encoding="utf-8"?>
 <p:tagLst xmlns:p="http://schemas.openxmlformats.org/presentationml/2006/main">
   <p:tag name="KSO_WM_UNIT_HIGHLIGHT" val="0"/>
   <p:tag name="KSO_WM_UNIT_COMPATIBLE" val="0"/>
@@ -35236,7 +33603,7 @@
 </p:tagLst>
 </file>
 
-<file path=ppt/tags/tag274.xml><?xml version="1.0" encoding="utf-8"?>
+<file path=ppt/tags/tag268.xml><?xml version="1.0" encoding="utf-8"?>
 <p:tagLst xmlns:p="http://schemas.openxmlformats.org/presentationml/2006/main">
   <p:tag name="KSO_WM_UNIT_PRESET_TEXT" val="我们是致力于研究AI智能创作PPT的一个团队;我们潜心钻研幻灯片的演示规律与创作思路，希望通过人工智能解放用户双手，不仅高效，且精准。&#13;我们拥有金山办公软件30年的技术积累，以及一支富有研究精神，匠心做事的团队。"/>
   <p:tag name="KSO_WM_UNIT_NOCLEAR" val="0"/>
@@ -35263,71 +33630,7 @@
 </p:tagLst>
 </file>
 
-<file path=ppt/tags/tag275.xml><?xml version="1.0" encoding="utf-8"?>
-<p:tagLst xmlns:p="http://schemas.openxmlformats.org/presentationml/2006/main">
-  <p:tag name="KSO_WM_UNIT_HIGHLIGHT" val="0"/>
-  <p:tag name="KSO_WM_UNIT_COMPATIBLE" val="0"/>
-  <p:tag name="KSO_WM_UNIT_DIAGRAM_ISNUMVISUAL" val="0"/>
-  <p:tag name="KSO_WM_UNIT_DIAGRAM_ISREFERUNIT" val="0"/>
-  <p:tag name="KSO_WM_UNIT_TYPE" val="i"/>
-  <p:tag name="KSO_WM_UNIT_INDEX" val="2"/>
-  <p:tag name="KSO_WM_UNIT_ID" val="diagram20202305_1*i*2"/>
-  <p:tag name="KSO_WM_TEMPLATE_CATEGORY" val="diagram"/>
-  <p:tag name="KSO_WM_TEMPLATE_INDEX" val="20202305"/>
-  <p:tag name="KSO_WM_UNIT_LAYERLEVEL" val="1"/>
-  <p:tag name="KSO_WM_TAG_VERSION" val="1.0"/>
-  <p:tag name="KSO_WM_BEAUTIFY_FLAG" val="#wm#"/>
-  <p:tag name="KSO_WM_UNIT_BLOCK" val="0"/>
-  <p:tag name="KSO_WM_UNIT_SM_LIMIT_TYPE" val="1"/>
-  <p:tag name="KSO_WM_UNIT_PLACING_PICTURE_MD4" val="0"/>
-</p:tagLst>
-</file>
-
-<file path=ppt/tags/tag276.xml><?xml version="1.0" encoding="utf-8"?>
-<p:tagLst xmlns:p="http://schemas.openxmlformats.org/presentationml/2006/main">
-  <p:tag name="KSO_WM_UNIT_HIGHLIGHT" val="0"/>
-  <p:tag name="KSO_WM_UNIT_COMPATIBLE" val="0"/>
-  <p:tag name="KSO_WM_UNIT_DIAGRAM_ISNUMVISUAL" val="0"/>
-  <p:tag name="KSO_WM_UNIT_DIAGRAM_ISREFERUNIT" val="0"/>
-  <p:tag name="KSO_WM_UNIT_TYPE" val="i"/>
-  <p:tag name="KSO_WM_UNIT_INDEX" val="3"/>
-  <p:tag name="KSO_WM_UNIT_ID" val="diagram20202305_1*i*3"/>
-  <p:tag name="KSO_WM_TEMPLATE_CATEGORY" val="diagram"/>
-  <p:tag name="KSO_WM_TEMPLATE_INDEX" val="20202305"/>
-  <p:tag name="KSO_WM_UNIT_LAYERLEVEL" val="1"/>
-  <p:tag name="KSO_WM_TAG_VERSION" val="1.0"/>
-  <p:tag name="KSO_WM_BEAUTIFY_FLAG" val="#wm#"/>
-  <p:tag name="KSO_WM_UNIT_SM_LIMIT_TYPE" val="1"/>
-  <p:tag name="KSO_WM_UNIT_PLACING_PICTURE_MD4" val="0"/>
-  <p:tag name="KSO_WM_UNIT_FILL_FORE_SCHEMECOLOR_INDEX_BRIGHTNESS" val="0"/>
-  <p:tag name="KSO_WM_UNIT_FILL_FORE_SCHEMECOLOR_INDEX" val="5"/>
-  <p:tag name="KSO_WM_UNIT_FILL_TYPE" val="1"/>
-</p:tagLst>
-</file>
-
-<file path=ppt/tags/tag277.xml><?xml version="1.0" encoding="utf-8"?>
-<p:tagLst xmlns:p="http://schemas.openxmlformats.org/presentationml/2006/main">
-  <p:tag name="KSO_WM_UNIT_HIGHLIGHT" val="0"/>
-  <p:tag name="KSO_WM_UNIT_COMPATIBLE" val="0"/>
-  <p:tag name="KSO_WM_UNIT_DIAGRAM_ISNUMVISUAL" val="0"/>
-  <p:tag name="KSO_WM_UNIT_DIAGRAM_ISREFERUNIT" val="0"/>
-  <p:tag name="KSO_WM_UNIT_TYPE" val="i"/>
-  <p:tag name="KSO_WM_UNIT_INDEX" val="5"/>
-  <p:tag name="KSO_WM_UNIT_ID" val="diagram20202305_1*i*5"/>
-  <p:tag name="KSO_WM_TEMPLATE_CATEGORY" val="diagram"/>
-  <p:tag name="KSO_WM_TEMPLATE_INDEX" val="20202305"/>
-  <p:tag name="KSO_WM_UNIT_LAYERLEVEL" val="1"/>
-  <p:tag name="KSO_WM_TAG_VERSION" val="1.0"/>
-  <p:tag name="KSO_WM_BEAUTIFY_FLAG" val="#wm#"/>
-  <p:tag name="KSO_WM_UNIT_SM_LIMIT_TYPE" val="1"/>
-  <p:tag name="KSO_WM_UNIT_PLACING_PICTURE_MD4" val="0"/>
-  <p:tag name="KSO_WM_UNIT_TEXT_FILL_FORE_SCHEMECOLOR_INDEX_BRIGHTNESS" val="0"/>
-  <p:tag name="KSO_WM_UNIT_TEXT_FILL_FORE_SCHEMECOLOR_INDEX" val="14"/>
-  <p:tag name="KSO_WM_UNIT_TEXT_FILL_TYPE" val="1"/>
-</p:tagLst>
-</file>
-
-<file path=ppt/tags/tag278.xml><?xml version="1.0" encoding="utf-8"?>
+<file path=ppt/tags/tag269.xml><?xml version="1.0" encoding="utf-8"?>
 <p:tagLst xmlns:p="http://schemas.openxmlformats.org/presentationml/2006/main">
   <p:tag name="KSO_WM_UNIT_HIGHLIGHT" val="0"/>
   <p:tag name="KSO_WM_UNIT_COMPATIBLE" val="0"/>
@@ -35350,7 +33653,20 @@
 </p:tagLst>
 </file>
 
-<file path=ppt/tags/tag279.xml><?xml version="1.0" encoding="utf-8"?>
+<file path=ppt/tags/tag27.xml><?xml version="1.0" encoding="utf-8"?>
+<p:tagLst xmlns:p="http://schemas.openxmlformats.org/presentationml/2006/main">
+  <p:tag name="KSO_WM_UNIT_HIGHLIGHT" val="0"/>
+  <p:tag name="KSO_WM_UNIT_COMPATIBLE" val="0"/>
+  <p:tag name="KSO_WM_UNIT_DIAGRAM_ISNUMVISUAL" val="0"/>
+  <p:tag name="KSO_WM_UNIT_DIAGRAM_ISREFERUNIT" val="0"/>
+  <p:tag name="KSO_WM_UNIT_ID" val="_3**"/>
+  <p:tag name="KSO_WM_UNIT_LAYERLEVEL" val="1"/>
+  <p:tag name="KSO_WM_TAG_VERSION" val="1.0"/>
+  <p:tag name="KSO_WM_BEAUTIFY_FLAG" val="#wm#"/>
+</p:tagLst>
+</file>
+
+<file path=ppt/tags/tag270.xml><?xml version="1.0" encoding="utf-8"?>
 <p:tagLst xmlns:p="http://schemas.openxmlformats.org/presentationml/2006/main">
   <p:tag name="KSO_WM_UNIT_HIGHLIGHT" val="0"/>
   <p:tag name="KSO_WM_UNIT_COMPATIBLE" val="0"/>
@@ -35377,20 +33693,7 @@
 </p:tagLst>
 </file>
 
-<file path=ppt/tags/tag28.xml><?xml version="1.0" encoding="utf-8"?>
-<p:tagLst xmlns:p="http://schemas.openxmlformats.org/presentationml/2006/main">
-  <p:tag name="KSO_WM_UNIT_HIGHLIGHT" val="0"/>
-  <p:tag name="KSO_WM_UNIT_COMPATIBLE" val="0"/>
-  <p:tag name="KSO_WM_UNIT_DIAGRAM_ISNUMVISUAL" val="0"/>
-  <p:tag name="KSO_WM_UNIT_DIAGRAM_ISREFERUNIT" val="0"/>
-  <p:tag name="KSO_WM_UNIT_ID" val="_3**"/>
-  <p:tag name="KSO_WM_UNIT_LAYERLEVEL" val="1"/>
-  <p:tag name="KSO_WM_TAG_VERSION" val="1.0"/>
-  <p:tag name="KSO_WM_BEAUTIFY_FLAG" val="#wm#"/>
-</p:tagLst>
-</file>
-
-<file path=ppt/tags/tag280.xml><?xml version="1.0" encoding="utf-8"?>
+<file path=ppt/tags/tag271.xml><?xml version="1.0" encoding="utf-8"?>
 <p:tagLst xmlns:p="http://schemas.openxmlformats.org/presentationml/2006/main">
   <p:tag name="KSO_WM_SLIDE_ID" val="diagram20202305_1"/>
   <p:tag name="KSO_WM_TEMPLATE_SUBCATEGORY" val="11"/>
@@ -35417,7 +33720,7 @@
 </p:tagLst>
 </file>
 
-<file path=ppt/tags/tag281.xml><?xml version="1.0" encoding="utf-8"?>
+<file path=ppt/tags/tag272.xml><?xml version="1.0" encoding="utf-8"?>
 <p:tagLst xmlns:p="http://schemas.openxmlformats.org/presentationml/2006/main">
   <p:tag name="KSO_WM_UNIT_ISCONTENTSTITLE" val="0"/>
   <p:tag name="KSO_WM_UNIT_PRESET_TEXT" val="单击此处添加标题"/>
@@ -35439,7 +33742,7 @@
 </p:tagLst>
 </file>
 
-<file path=ppt/tags/tag282.xml><?xml version="1.0" encoding="utf-8"?>
+<file path=ppt/tags/tag273.xml><?xml version="1.0" encoding="utf-8"?>
 <p:tagLst xmlns:p="http://schemas.openxmlformats.org/presentationml/2006/main">
   <p:tag name="KSO_WM_SLIDE_ID" val="custom20202542_7"/>
   <p:tag name="KSO_WM_TEMPLATE_SUBCATEGORY" val="0"/>
@@ -35458,7 +33761,7 @@
 </p:tagLst>
 </file>
 
-<file path=ppt/tags/tag283.xml><?xml version="1.0" encoding="utf-8"?>
+<file path=ppt/tags/tag274.xml><?xml version="1.0" encoding="utf-8"?>
 <p:tagLst xmlns:p="http://schemas.openxmlformats.org/presentationml/2006/main">
   <p:tag name="KSO_WM_SLIDE_BACKGROUND_TYPE" val="general"/>
   <p:tag name="KSO_WM_SLIDE_BK_DARK_LIGHT" val="2"/>
@@ -35474,7 +33777,7 @@
 </p:tagLst>
 </file>
 
-<file path=ppt/tags/tag284.xml><?xml version="1.0" encoding="utf-8"?>
+<file path=ppt/tags/tag275.xml><?xml version="1.0" encoding="utf-8"?>
 <p:tagLst xmlns:p="http://schemas.openxmlformats.org/presentationml/2006/main">
   <p:tag name="KSO_WM_SLIDE_BACKGROUND_TYPE" val="general"/>
   <p:tag name="KSO_WM_SLIDE_BK_DARK_LIGHT" val="2"/>
@@ -35495,7 +33798,7 @@
 </p:tagLst>
 </file>
 
-<file path=ppt/tags/tag285.xml><?xml version="1.0" encoding="utf-8"?>
+<file path=ppt/tags/tag276.xml><?xml version="1.0" encoding="utf-8"?>
 <p:tagLst xmlns:p="http://schemas.openxmlformats.org/presentationml/2006/main">
   <p:tag name="KSO_WM_SLIDE_BACKGROUND_TYPE" val="general"/>
   <p:tag name="KSO_WM_SLIDE_BK_DARK_LIGHT" val="2"/>
@@ -35516,7 +33819,7 @@
 </p:tagLst>
 </file>
 
-<file path=ppt/tags/tag286.xml><?xml version="1.0" encoding="utf-8"?>
+<file path=ppt/tags/tag277.xml><?xml version="1.0" encoding="utf-8"?>
 <p:tagLst xmlns:p="http://schemas.openxmlformats.org/presentationml/2006/main">
   <p:tag name="KSO_WM_UNIT_ISCONTENTSTITLE" val="0"/>
   <p:tag name="KSO_WM_UNIT_PRESET_TEXT" val="单击此处添加文本具体内容，简明扼要的阐述您的观点。根据需要可酌情增减文字，以便观者准确的理解您传达的思想。"/>
@@ -35541,7 +33844,7 @@
 </p:tagLst>
 </file>
 
-<file path=ppt/tags/tag287.xml><?xml version="1.0" encoding="utf-8"?>
+<file path=ppt/tags/tag278.xml><?xml version="1.0" encoding="utf-8"?>
 <p:tagLst xmlns:p="http://schemas.openxmlformats.org/presentationml/2006/main">
   <p:tag name="KSO_WM_UNIT_HIGHLIGHT" val="0"/>
   <p:tag name="KSO_WM_UNIT_COMPATIBLE" val="0"/>
@@ -35564,7 +33867,7 @@
 </p:tagLst>
 </file>
 
-<file path=ppt/tags/tag288.xml><?xml version="1.0" encoding="utf-8"?>
+<file path=ppt/tags/tag279.xml><?xml version="1.0" encoding="utf-8"?>
 <p:tagLst xmlns:p="http://schemas.openxmlformats.org/presentationml/2006/main">
   <p:tag name="KSO_WM_UNIT_HIGHLIGHT" val="0"/>
   <p:tag name="KSO_WM_UNIT_COMPATIBLE" val="0"/>
@@ -35587,7 +33890,20 @@
 </p:tagLst>
 </file>
 
-<file path=ppt/tags/tag289.xml><?xml version="1.0" encoding="utf-8"?>
+<file path=ppt/tags/tag28.xml><?xml version="1.0" encoding="utf-8"?>
+<p:tagLst xmlns:p="http://schemas.openxmlformats.org/presentationml/2006/main">
+  <p:tag name="KSO_WM_UNIT_HIGHLIGHT" val="0"/>
+  <p:tag name="KSO_WM_UNIT_COMPATIBLE" val="0"/>
+  <p:tag name="KSO_WM_UNIT_DIAGRAM_ISNUMVISUAL" val="0"/>
+  <p:tag name="KSO_WM_UNIT_DIAGRAM_ISREFERUNIT" val="0"/>
+  <p:tag name="KSO_WM_UNIT_ID" val="_3**"/>
+  <p:tag name="KSO_WM_UNIT_LAYERLEVEL" val="1"/>
+  <p:tag name="KSO_WM_TAG_VERSION" val="1.0"/>
+  <p:tag name="KSO_WM_BEAUTIFY_FLAG" val="#wm#"/>
+</p:tagLst>
+</file>
+
+<file path=ppt/tags/tag280.xml><?xml version="1.0" encoding="utf-8"?>
 <p:tagLst xmlns:p="http://schemas.openxmlformats.org/presentationml/2006/main">
   <p:tag name="KSO_WM_UNIT_HIGHLIGHT" val="0"/>
   <p:tag name="KSO_WM_UNIT_COMPATIBLE" val="0"/>
@@ -35610,20 +33926,7 @@
 </p:tagLst>
 </file>
 
-<file path=ppt/tags/tag29.xml><?xml version="1.0" encoding="utf-8"?>
-<p:tagLst xmlns:p="http://schemas.openxmlformats.org/presentationml/2006/main">
-  <p:tag name="KSO_WM_UNIT_HIGHLIGHT" val="0"/>
-  <p:tag name="KSO_WM_UNIT_COMPATIBLE" val="0"/>
-  <p:tag name="KSO_WM_UNIT_DIAGRAM_ISNUMVISUAL" val="0"/>
-  <p:tag name="KSO_WM_UNIT_DIAGRAM_ISREFERUNIT" val="0"/>
-  <p:tag name="KSO_WM_UNIT_ID" val="_3**"/>
-  <p:tag name="KSO_WM_UNIT_LAYERLEVEL" val="1"/>
-  <p:tag name="KSO_WM_TAG_VERSION" val="1.0"/>
-  <p:tag name="KSO_WM_BEAUTIFY_FLAG" val="#wm#"/>
-</p:tagLst>
-</file>
-
-<file path=ppt/tags/tag290.xml><?xml version="1.0" encoding="utf-8"?>
+<file path=ppt/tags/tag281.xml><?xml version="1.0" encoding="utf-8"?>
 <p:tagLst xmlns:p="http://schemas.openxmlformats.org/presentationml/2006/main">
   <p:tag name="KSO_WM_UNIT_ISCONTENTSTITLE" val="0"/>
   <p:tag name="KSO_WM_UNIT_PRESET_TEXT" val="单击此处添加标题"/>
@@ -35645,7 +33948,7 @@
 </p:tagLst>
 </file>
 
-<file path=ppt/tags/tag291.xml><?xml version="1.0" encoding="utf-8"?>
+<file path=ppt/tags/tag282.xml><?xml version="1.0" encoding="utf-8"?>
 <p:tagLst xmlns:p="http://schemas.openxmlformats.org/presentationml/2006/main">
   <p:tag name="KSO_WM_UNIT_HIGHLIGHT" val="0"/>
   <p:tag name="KSO_WM_UNIT_COMPATIBLE" val="0"/>
@@ -35668,7 +33971,7 @@
 </p:tagLst>
 </file>
 
-<file path=ppt/tags/tag292.xml><?xml version="1.0" encoding="utf-8"?>
+<file path=ppt/tags/tag283.xml><?xml version="1.0" encoding="utf-8"?>
 <p:tagLst xmlns:p="http://schemas.openxmlformats.org/presentationml/2006/main">
   <p:tag name="KSO_WM_SLIDE_ID" val="diagram20202918_1"/>
   <p:tag name="KSO_WM_TEMPLATE_SUBCATEGORY" val="0"/>
@@ -35691,7 +33994,7 @@
 </p:tagLst>
 </file>
 
-<file path=ppt/tags/tag293.xml><?xml version="1.0" encoding="utf-8"?>
+<file path=ppt/tags/tag284.xml><?xml version="1.0" encoding="utf-8"?>
 <p:tagLst xmlns:p="http://schemas.openxmlformats.org/presentationml/2006/main">
   <p:tag name="KSO_WM_SLIDE_BACKGROUND_TYPE" val="topBottom"/>
   <p:tag name="KSO_WM_SLIDE_BK_DARK_LIGHT" val="2"/>
@@ -35716,7 +34019,7 @@
 </p:tagLst>
 </file>
 
-<file path=ppt/tags/tag294.xml><?xml version="1.0" encoding="utf-8"?>
+<file path=ppt/tags/tag285.xml><?xml version="1.0" encoding="utf-8"?>
 <p:tagLst xmlns:p="http://schemas.openxmlformats.org/presentationml/2006/main">
   <p:tag name="KSO_WM_SLIDE_BACKGROUND_TYPE" val="topBottom"/>
   <p:tag name="KSO_WM_SLIDE_BK_DARK_LIGHT" val="2"/>
@@ -35732,7 +34035,7 @@
 </p:tagLst>
 </file>
 
-<file path=ppt/tags/tag295.xml><?xml version="1.0" encoding="utf-8"?>
+<file path=ppt/tags/tag286.xml><?xml version="1.0" encoding="utf-8"?>
 <p:tagLst xmlns:p="http://schemas.openxmlformats.org/presentationml/2006/main">
   <p:tag name="KSO_WM_UNIT_HIGHLIGHT" val="0"/>
   <p:tag name="KSO_WM_UNIT_COMPATIBLE" val="0"/>
@@ -35753,7 +34056,7 @@
 </p:tagLst>
 </file>
 
-<file path=ppt/tags/tag296.xml><?xml version="1.0" encoding="utf-8"?>
+<file path=ppt/tags/tag287.xml><?xml version="1.0" encoding="utf-8"?>
 <p:tagLst xmlns:p="http://schemas.openxmlformats.org/presentationml/2006/main">
   <p:tag name="KSO_WM_UNIT_HIGHLIGHT" val="0"/>
   <p:tag name="KSO_WM_UNIT_COMPATIBLE" val="0"/>
@@ -35774,7 +34077,7 @@
 </p:tagLst>
 </file>
 
-<file path=ppt/tags/tag297.xml><?xml version="1.0" encoding="utf-8"?>
+<file path=ppt/tags/tag288.xml><?xml version="1.0" encoding="utf-8"?>
 <p:tagLst xmlns:p="http://schemas.openxmlformats.org/presentationml/2006/main">
   <p:tag name="KSO_WM_UNIT_HIGHLIGHT" val="0"/>
   <p:tag name="KSO_WM_UNIT_COMPATIBLE" val="0"/>
@@ -35801,7 +34104,7 @@
 </p:tagLst>
 </file>
 
-<file path=ppt/tags/tag298.xml><?xml version="1.0" encoding="utf-8"?>
+<file path=ppt/tags/tag289.xml><?xml version="1.0" encoding="utf-8"?>
 <p:tagLst xmlns:p="http://schemas.openxmlformats.org/presentationml/2006/main">
   <p:tag name="KSO_WM_UNIT_PRESET_TEXT" val="我们是致力于研究AI智能创作PPT的一个团队;我们潜心钻研幻灯片的演示规律与创作思路，希望通过人工智能解放用户双手，不仅高效，且精准。我们拥有金山办公软件30年的技术积累……"/>
   <p:tag name="KSO_WM_UNIT_NOCLEAR" val="0"/>
@@ -35829,7 +34132,20 @@
 </p:tagLst>
 </file>
 
-<file path=ppt/tags/tag299.xml><?xml version="1.0" encoding="utf-8"?>
+<file path=ppt/tags/tag29.xml><?xml version="1.0" encoding="utf-8"?>
+<p:tagLst xmlns:p="http://schemas.openxmlformats.org/presentationml/2006/main">
+  <p:tag name="KSO_WM_UNIT_HIGHLIGHT" val="0"/>
+  <p:tag name="KSO_WM_UNIT_COMPATIBLE" val="0"/>
+  <p:tag name="KSO_WM_UNIT_DIAGRAM_ISNUMVISUAL" val="0"/>
+  <p:tag name="KSO_WM_UNIT_DIAGRAM_ISREFERUNIT" val="0"/>
+  <p:tag name="KSO_WM_UNIT_ID" val="_3**"/>
+  <p:tag name="KSO_WM_UNIT_LAYERLEVEL" val="1"/>
+  <p:tag name="KSO_WM_TAG_VERSION" val="1.0"/>
+  <p:tag name="KSO_WM_BEAUTIFY_FLAG" val="#wm#"/>
+</p:tagLst>
+</file>
+
+<file path=ppt/tags/tag290.xml><?xml version="1.0" encoding="utf-8"?>
 <p:tagLst xmlns:p="http://schemas.openxmlformats.org/presentationml/2006/main">
   <p:tag name="KSO_WM_UNIT_ISCONTENTSTITLE" val="0"/>
   <p:tag name="KSO_WM_UNIT_PRESET_TEXT" val="WPS/极墨产品部"/>
@@ -35857,34 +34173,7 @@
 </p:tagLst>
 </file>
 
-<file path=ppt/tags/tag3.xml><?xml version="1.0" encoding="utf-8"?>
-<p:tagLst xmlns:p="http://schemas.openxmlformats.org/presentationml/2006/main">
-  <p:tag name="KSO_WM_UNIT_HIGHLIGHT" val="0"/>
-  <p:tag name="KSO_WM_UNIT_COMPATIBLE" val="0"/>
-  <p:tag name="KSO_WM_UNIT_DIAGRAM_ISNUMVISUAL" val="0"/>
-  <p:tag name="KSO_WM_UNIT_DIAGRAM_ISREFERUNIT" val="0"/>
-  <p:tag name="KSO_WM_UNIT_ID" val="_1**"/>
-  <p:tag name="KSO_WM_UNIT_LAYERLEVEL" val="1"/>
-  <p:tag name="KSO_WM_TAG_VERSION" val="1.0"/>
-  <p:tag name="KSO_WM_BEAUTIFY_FLAG" val="#wm#"/>
-  <p:tag name="KSO_WM_SLIDE_BACKGROUND_MASK_FLAG" val="1"/>
-</p:tagLst>
-</file>
-
-<file path=ppt/tags/tag30.xml><?xml version="1.0" encoding="utf-8"?>
-<p:tagLst xmlns:p="http://schemas.openxmlformats.org/presentationml/2006/main">
-  <p:tag name="KSO_WM_UNIT_HIGHLIGHT" val="0"/>
-  <p:tag name="KSO_WM_UNIT_COMPATIBLE" val="0"/>
-  <p:tag name="KSO_WM_UNIT_DIAGRAM_ISNUMVISUAL" val="0"/>
-  <p:tag name="KSO_WM_UNIT_DIAGRAM_ISREFERUNIT" val="0"/>
-  <p:tag name="KSO_WM_UNIT_ID" val="_3**"/>
-  <p:tag name="KSO_WM_UNIT_LAYERLEVEL" val="1"/>
-  <p:tag name="KSO_WM_TAG_VERSION" val="1.0"/>
-  <p:tag name="KSO_WM_BEAUTIFY_FLAG" val="#wm#"/>
-</p:tagLst>
-</file>
-
-<file path=ppt/tags/tag300.xml><?xml version="1.0" encoding="utf-8"?>
+<file path=ppt/tags/tag291.xml><?xml version="1.0" encoding="utf-8"?>
 <p:tagLst xmlns:p="http://schemas.openxmlformats.org/presentationml/2006/main">
   <p:tag name="KSO_WM_UNIT_PLACING_PICTURE_USER_VIEWPORT" val="{&quot;height&quot;:3289,&quot;width&quot;:8730}"/>
   <p:tag name="KSO_WM_UNIT_VALUE" val="991*1978"/>
@@ -35911,7 +34200,7 @@
 </p:tagLst>
 </file>
 
-<file path=ppt/tags/tag301.xml><?xml version="1.0" encoding="utf-8"?>
+<file path=ppt/tags/tag292.xml><?xml version="1.0" encoding="utf-8"?>
 <p:tagLst xmlns:p="http://schemas.openxmlformats.org/presentationml/2006/main">
   <p:tag name="KSO_WM_UNIT_PLACING_PICTURE_USER_VIEWPORT" val="{&quot;height&quot;:1785,&quot;width&quot;:9872}"/>
   <p:tag name="KSO_WM_UNIT_VALUE" val="991*1978"/>
@@ -35938,7 +34227,7 @@
 </p:tagLst>
 </file>
 
-<file path=ppt/tags/tag302.xml><?xml version="1.0" encoding="utf-8"?>
+<file path=ppt/tags/tag293.xml><?xml version="1.0" encoding="utf-8"?>
 <p:tagLst xmlns:p="http://schemas.openxmlformats.org/presentationml/2006/main">
   <p:tag name="KSO_WM_SLIDE_ID" val="diagram20202306_1"/>
   <p:tag name="KSO_WM_TEMPLATE_SUBCATEGORY" val="11"/>
@@ -35965,7 +34254,7 @@
 </p:tagLst>
 </file>
 
-<file path=ppt/tags/tag303.xml><?xml version="1.0" encoding="utf-8"?>
+<file path=ppt/tags/tag294.xml><?xml version="1.0" encoding="utf-8"?>
 <p:tagLst xmlns:p="http://schemas.openxmlformats.org/presentationml/2006/main">
   <p:tag name="KSO_WM_SLIDE_BACKGROUND_TYPE" val="general"/>
   <p:tag name="KSO_WM_SLIDE_BK_DARK_LIGHT" val="2"/>
@@ -35981,7 +34270,7 @@
 </p:tagLst>
 </file>
 
-<file path=ppt/tags/tag304.xml><?xml version="1.0" encoding="utf-8"?>
+<file path=ppt/tags/tag295.xml><?xml version="1.0" encoding="utf-8"?>
 <p:tagLst xmlns:p="http://schemas.openxmlformats.org/presentationml/2006/main">
   <p:tag name="KSO_WM_SLIDE_BACKGROUND_TYPE" val="general"/>
   <p:tag name="KSO_WM_SLIDE_BK_DARK_LIGHT" val="2"/>
@@ -36002,7 +34291,7 @@
 </p:tagLst>
 </file>
 
-<file path=ppt/tags/tag305.xml><?xml version="1.0" encoding="utf-8"?>
+<file path=ppt/tags/tag296.xml><?xml version="1.0" encoding="utf-8"?>
 <p:tagLst xmlns:p="http://schemas.openxmlformats.org/presentationml/2006/main">
   <p:tag name="KSO_WM_SLIDE_BACKGROUND_TYPE" val="general"/>
   <p:tag name="KSO_WM_SLIDE_BK_DARK_LIGHT" val="2"/>
@@ -36023,7 +34312,7 @@
 </p:tagLst>
 </file>
 
-<file path=ppt/tags/tag306.xml><?xml version="1.0" encoding="utf-8"?>
+<file path=ppt/tags/tag297.xml><?xml version="1.0" encoding="utf-8"?>
 <p:tagLst xmlns:p="http://schemas.openxmlformats.org/presentationml/2006/main">
   <p:tag name="KSO_WM_UNIT_ISCONTENTSTITLE" val="0"/>
   <p:tag name="KSO_WM_UNIT_PRESET_TEXT" val="单击此处添加文本具体内容，简明扼要的阐述您的观点。根据需要可酌情增减文字，以便观者准确的理解您传达的思想。"/>
@@ -36048,7 +34337,7 @@
 </p:tagLst>
 </file>
 
-<file path=ppt/tags/tag307.xml><?xml version="1.0" encoding="utf-8"?>
+<file path=ppt/tags/tag298.xml><?xml version="1.0" encoding="utf-8"?>
 <p:tagLst xmlns:p="http://schemas.openxmlformats.org/presentationml/2006/main">
   <p:tag name="KSO_WM_UNIT_HIGHLIGHT" val="0"/>
   <p:tag name="KSO_WM_UNIT_COMPATIBLE" val="0"/>
@@ -36071,7 +34360,7 @@
 </p:tagLst>
 </file>
 
-<file path=ppt/tags/tag308.xml><?xml version="1.0" encoding="utf-8"?>
+<file path=ppt/tags/tag299.xml><?xml version="1.0" encoding="utf-8"?>
 <p:tagLst xmlns:p="http://schemas.openxmlformats.org/presentationml/2006/main">
   <p:tag name="KSO_WM_UNIT_HIGHLIGHT" val="0"/>
   <p:tag name="KSO_WM_UNIT_COMPATIBLE" val="0"/>
@@ -36094,7 +34383,34 @@
 </p:tagLst>
 </file>
 
-<file path=ppt/tags/tag309.xml><?xml version="1.0" encoding="utf-8"?>
+<file path=ppt/tags/tag3.xml><?xml version="1.0" encoding="utf-8"?>
+<p:tagLst xmlns:p="http://schemas.openxmlformats.org/presentationml/2006/main">
+  <p:tag name="KSO_WM_UNIT_HIGHLIGHT" val="0"/>
+  <p:tag name="KSO_WM_UNIT_COMPATIBLE" val="0"/>
+  <p:tag name="KSO_WM_UNIT_DIAGRAM_ISNUMVISUAL" val="0"/>
+  <p:tag name="KSO_WM_UNIT_DIAGRAM_ISREFERUNIT" val="0"/>
+  <p:tag name="KSO_WM_UNIT_ID" val="_1**"/>
+  <p:tag name="KSO_WM_UNIT_LAYERLEVEL" val="1"/>
+  <p:tag name="KSO_WM_TAG_VERSION" val="1.0"/>
+  <p:tag name="KSO_WM_BEAUTIFY_FLAG" val="#wm#"/>
+  <p:tag name="KSO_WM_SLIDE_BACKGROUND_MASK_FLAG" val="1"/>
+</p:tagLst>
+</file>
+
+<file path=ppt/tags/tag30.xml><?xml version="1.0" encoding="utf-8"?>
+<p:tagLst xmlns:p="http://schemas.openxmlformats.org/presentationml/2006/main">
+  <p:tag name="KSO_WM_UNIT_HIGHLIGHT" val="0"/>
+  <p:tag name="KSO_WM_UNIT_COMPATIBLE" val="0"/>
+  <p:tag name="KSO_WM_UNIT_DIAGRAM_ISNUMVISUAL" val="0"/>
+  <p:tag name="KSO_WM_UNIT_DIAGRAM_ISREFERUNIT" val="0"/>
+  <p:tag name="KSO_WM_UNIT_ID" val="_3**"/>
+  <p:tag name="KSO_WM_UNIT_LAYERLEVEL" val="1"/>
+  <p:tag name="KSO_WM_TAG_VERSION" val="1.0"/>
+  <p:tag name="KSO_WM_BEAUTIFY_FLAG" val="#wm#"/>
+</p:tagLst>
+</file>
+
+<file path=ppt/tags/tag300.xml><?xml version="1.0" encoding="utf-8"?>
 <p:tagLst xmlns:p="http://schemas.openxmlformats.org/presentationml/2006/main">
   <p:tag name="KSO_WM_UNIT_HIGHLIGHT" val="0"/>
   <p:tag name="KSO_WM_UNIT_COMPATIBLE" val="0"/>
@@ -36117,20 +34433,7 @@
 </p:tagLst>
 </file>
 
-<file path=ppt/tags/tag31.xml><?xml version="1.0" encoding="utf-8"?>
-<p:tagLst xmlns:p="http://schemas.openxmlformats.org/presentationml/2006/main">
-  <p:tag name="KSO_WM_UNIT_HIGHLIGHT" val="0"/>
-  <p:tag name="KSO_WM_UNIT_COMPATIBLE" val="0"/>
-  <p:tag name="KSO_WM_UNIT_DIAGRAM_ISNUMVISUAL" val="0"/>
-  <p:tag name="KSO_WM_UNIT_DIAGRAM_ISREFERUNIT" val="0"/>
-  <p:tag name="KSO_WM_UNIT_ID" val="_3**"/>
-  <p:tag name="KSO_WM_UNIT_LAYERLEVEL" val="1"/>
-  <p:tag name="KSO_WM_TAG_VERSION" val="1.0"/>
-  <p:tag name="KSO_WM_BEAUTIFY_FLAG" val="#wm#"/>
-</p:tagLst>
-</file>
-
-<file path=ppt/tags/tag310.xml><?xml version="1.0" encoding="utf-8"?>
+<file path=ppt/tags/tag301.xml><?xml version="1.0" encoding="utf-8"?>
 <p:tagLst xmlns:p="http://schemas.openxmlformats.org/presentationml/2006/main">
   <p:tag name="KSO_WM_UNIT_ISCONTENTSTITLE" val="0"/>
   <p:tag name="KSO_WM_UNIT_PRESET_TEXT" val="单击此处添加标题"/>
@@ -36152,7 +34455,7 @@
 </p:tagLst>
 </file>
 
-<file path=ppt/tags/tag311.xml><?xml version="1.0" encoding="utf-8"?>
+<file path=ppt/tags/tag302.xml><?xml version="1.0" encoding="utf-8"?>
 <p:tagLst xmlns:p="http://schemas.openxmlformats.org/presentationml/2006/main">
   <p:tag name="KSO_WM_UNIT_HIGHLIGHT" val="0"/>
   <p:tag name="KSO_WM_UNIT_COMPATIBLE" val="0"/>
@@ -36175,7 +34478,7 @@
 </p:tagLst>
 </file>
 
-<file path=ppt/tags/tag312.xml><?xml version="1.0" encoding="utf-8"?>
+<file path=ppt/tags/tag303.xml><?xml version="1.0" encoding="utf-8"?>
 <p:tagLst xmlns:p="http://schemas.openxmlformats.org/presentationml/2006/main">
   <p:tag name="KSO_WM_SLIDE_ID" val="diagram20202918_1"/>
   <p:tag name="KSO_WM_TEMPLATE_SUBCATEGORY" val="0"/>
@@ -36198,7 +34501,7 @@
 </p:tagLst>
 </file>
 
-<file path=ppt/tags/tag313.xml><?xml version="1.0" encoding="utf-8"?>
+<file path=ppt/tags/tag304.xml><?xml version="1.0" encoding="utf-8"?>
 <p:tagLst xmlns:p="http://schemas.openxmlformats.org/presentationml/2006/main">
   <p:tag name="KSO_WM_SLIDE_BACKGROUND_TYPE" val="general"/>
   <p:tag name="KSO_WM_SLIDE_BK_DARK_LIGHT" val="2"/>
@@ -36214,7 +34517,7 @@
 </p:tagLst>
 </file>
 
-<file path=ppt/tags/tag314.xml><?xml version="1.0" encoding="utf-8"?>
+<file path=ppt/tags/tag305.xml><?xml version="1.0" encoding="utf-8"?>
 <p:tagLst xmlns:p="http://schemas.openxmlformats.org/presentationml/2006/main">
   <p:tag name="KSO_WM_SLIDE_BACKGROUND_TYPE" val="general"/>
   <p:tag name="KSO_WM_SLIDE_BK_DARK_LIGHT" val="2"/>
@@ -36235,7 +34538,7 @@
 </p:tagLst>
 </file>
 
-<file path=ppt/tags/tag315.xml><?xml version="1.0" encoding="utf-8"?>
+<file path=ppt/tags/tag306.xml><?xml version="1.0" encoding="utf-8"?>
 <p:tagLst xmlns:p="http://schemas.openxmlformats.org/presentationml/2006/main">
   <p:tag name="KSO_WM_SLIDE_BACKGROUND_TYPE" val="general"/>
   <p:tag name="KSO_WM_SLIDE_BK_DARK_LIGHT" val="2"/>
@@ -36256,7 +34559,7 @@
 </p:tagLst>
 </file>
 
-<file path=ppt/tags/tag316.xml><?xml version="1.0" encoding="utf-8"?>
+<file path=ppt/tags/tag307.xml><?xml version="1.0" encoding="utf-8"?>
 <p:tagLst xmlns:p="http://schemas.openxmlformats.org/presentationml/2006/main">
   <p:tag name="KSO_WM_UNIT_ISCONTENTSTITLE" val="0"/>
   <p:tag name="KSO_WM_UNIT_PRESET_TEXT" val="单击此处添加文本具体内容，简明扼要的阐述您的观点。根据需要可酌情增减文字，以便观者准确的理解您传达的思想。"/>
@@ -36281,7 +34584,7 @@
 </p:tagLst>
 </file>
 
-<file path=ppt/tags/tag317.xml><?xml version="1.0" encoding="utf-8"?>
+<file path=ppt/tags/tag308.xml><?xml version="1.0" encoding="utf-8"?>
 <p:tagLst xmlns:p="http://schemas.openxmlformats.org/presentationml/2006/main">
   <p:tag name="KSO_WM_UNIT_HIGHLIGHT" val="0"/>
   <p:tag name="KSO_WM_UNIT_COMPATIBLE" val="0"/>
@@ -36304,7 +34607,7 @@
 </p:tagLst>
 </file>
 
-<file path=ppt/tags/tag318.xml><?xml version="1.0" encoding="utf-8"?>
+<file path=ppt/tags/tag309.xml><?xml version="1.0" encoding="utf-8"?>
 <p:tagLst xmlns:p="http://schemas.openxmlformats.org/presentationml/2006/main">
   <p:tag name="KSO_WM_UNIT_HIGHLIGHT" val="0"/>
   <p:tag name="KSO_WM_UNIT_COMPATIBLE" val="0"/>
@@ -36327,7 +34630,20 @@
 </p:tagLst>
 </file>
 
-<file path=ppt/tags/tag319.xml><?xml version="1.0" encoding="utf-8"?>
+<file path=ppt/tags/tag31.xml><?xml version="1.0" encoding="utf-8"?>
+<p:tagLst xmlns:p="http://schemas.openxmlformats.org/presentationml/2006/main">
+  <p:tag name="KSO_WM_UNIT_HIGHLIGHT" val="0"/>
+  <p:tag name="KSO_WM_UNIT_COMPATIBLE" val="0"/>
+  <p:tag name="KSO_WM_UNIT_DIAGRAM_ISNUMVISUAL" val="0"/>
+  <p:tag name="KSO_WM_UNIT_DIAGRAM_ISREFERUNIT" val="0"/>
+  <p:tag name="KSO_WM_UNIT_ID" val="_3**"/>
+  <p:tag name="KSO_WM_UNIT_LAYERLEVEL" val="1"/>
+  <p:tag name="KSO_WM_TAG_VERSION" val="1.0"/>
+  <p:tag name="KSO_WM_BEAUTIFY_FLAG" val="#wm#"/>
+</p:tagLst>
+</file>
+
+<file path=ppt/tags/tag310.xml><?xml version="1.0" encoding="utf-8"?>
 <p:tagLst xmlns:p="http://schemas.openxmlformats.org/presentationml/2006/main">
   <p:tag name="KSO_WM_UNIT_HIGHLIGHT" val="0"/>
   <p:tag name="KSO_WM_UNIT_COMPATIBLE" val="0"/>
@@ -36350,20 +34666,7 @@
 </p:tagLst>
 </file>
 
-<file path=ppt/tags/tag32.xml><?xml version="1.0" encoding="utf-8"?>
-<p:tagLst xmlns:p="http://schemas.openxmlformats.org/presentationml/2006/main">
-  <p:tag name="KSO_WM_UNIT_HIGHLIGHT" val="0"/>
-  <p:tag name="KSO_WM_UNIT_COMPATIBLE" val="0"/>
-  <p:tag name="KSO_WM_UNIT_DIAGRAM_ISNUMVISUAL" val="0"/>
-  <p:tag name="KSO_WM_UNIT_DIAGRAM_ISREFERUNIT" val="0"/>
-  <p:tag name="KSO_WM_UNIT_ID" val="_3**"/>
-  <p:tag name="KSO_WM_UNIT_LAYERLEVEL" val="1"/>
-  <p:tag name="KSO_WM_TAG_VERSION" val="1.0"/>
-  <p:tag name="KSO_WM_BEAUTIFY_FLAG" val="#wm#"/>
-</p:tagLst>
-</file>
-
-<file path=ppt/tags/tag320.xml><?xml version="1.0" encoding="utf-8"?>
+<file path=ppt/tags/tag311.xml><?xml version="1.0" encoding="utf-8"?>
 <p:tagLst xmlns:p="http://schemas.openxmlformats.org/presentationml/2006/main">
   <p:tag name="KSO_WM_UNIT_ISCONTENTSTITLE" val="0"/>
   <p:tag name="KSO_WM_UNIT_PRESET_TEXT" val="单击此处添加标题"/>
@@ -36385,7 +34688,7 @@
 </p:tagLst>
 </file>
 
-<file path=ppt/tags/tag321.xml><?xml version="1.0" encoding="utf-8"?>
+<file path=ppt/tags/tag312.xml><?xml version="1.0" encoding="utf-8"?>
 <p:tagLst xmlns:p="http://schemas.openxmlformats.org/presentationml/2006/main">
   <p:tag name="KSO_WM_UNIT_HIGHLIGHT" val="0"/>
   <p:tag name="KSO_WM_UNIT_COMPATIBLE" val="0"/>
@@ -36408,7 +34711,7 @@
 </p:tagLst>
 </file>
 
-<file path=ppt/tags/tag322.xml><?xml version="1.0" encoding="utf-8"?>
+<file path=ppt/tags/tag313.xml><?xml version="1.0" encoding="utf-8"?>
 <p:tagLst xmlns:p="http://schemas.openxmlformats.org/presentationml/2006/main">
   <p:tag name="KSO_WM_SLIDE_ID" val="diagram20202918_1"/>
   <p:tag name="KSO_WM_TEMPLATE_SUBCATEGORY" val="0"/>
@@ -36431,7 +34734,7 @@
 </p:tagLst>
 </file>
 
-<file path=ppt/tags/tag323.xml><?xml version="1.0" encoding="utf-8"?>
+<file path=ppt/tags/tag314.xml><?xml version="1.0" encoding="utf-8"?>
 <p:tagLst xmlns:p="http://schemas.openxmlformats.org/presentationml/2006/main">
   <p:tag name="KSO_WM_UNIT_ISCONTENTSTITLE" val="0"/>
   <p:tag name="KSO_WM_UNIT_PRESET_TEXT" val="单击此处添加标题"/>
@@ -36453,7 +34756,7 @@
 </p:tagLst>
 </file>
 
-<file path=ppt/tags/tag324.xml><?xml version="1.0" encoding="utf-8"?>
+<file path=ppt/tags/tag315.xml><?xml version="1.0" encoding="utf-8"?>
 <p:tagLst xmlns:p="http://schemas.openxmlformats.org/presentationml/2006/main">
   <p:tag name="KSO_WM_SLIDE_ID" val="custom20202542_7"/>
   <p:tag name="KSO_WM_TEMPLATE_SUBCATEGORY" val="0"/>
@@ -36472,7 +34775,7 @@
 </p:tagLst>
 </file>
 
-<file path=ppt/tags/tag325.xml><?xml version="1.0" encoding="utf-8"?>
+<file path=ppt/tags/tag316.xml><?xml version="1.0" encoding="utf-8"?>
 <p:tagLst xmlns:p="http://schemas.openxmlformats.org/presentationml/2006/main">
   <p:tag name="KSO_WM_SLIDE_BACKGROUND_TYPE" val="general"/>
   <p:tag name="KSO_WM_SLIDE_BK_DARK_LIGHT" val="2"/>
@@ -36488,7 +34791,7 @@
 </p:tagLst>
 </file>
 
-<file path=ppt/tags/tag326.xml><?xml version="1.0" encoding="utf-8"?>
+<file path=ppt/tags/tag317.xml><?xml version="1.0" encoding="utf-8"?>
 <p:tagLst xmlns:p="http://schemas.openxmlformats.org/presentationml/2006/main">
   <p:tag name="KSO_WM_SLIDE_BACKGROUND_TYPE" val="general"/>
   <p:tag name="KSO_WM_SLIDE_BK_DARK_LIGHT" val="2"/>
@@ -36509,7 +34812,7 @@
 </p:tagLst>
 </file>
 
-<file path=ppt/tags/tag327.xml><?xml version="1.0" encoding="utf-8"?>
+<file path=ppt/tags/tag318.xml><?xml version="1.0" encoding="utf-8"?>
 <p:tagLst xmlns:p="http://schemas.openxmlformats.org/presentationml/2006/main">
   <p:tag name="KSO_WM_SLIDE_BACKGROUND_TYPE" val="general"/>
   <p:tag name="KSO_WM_SLIDE_BK_DARK_LIGHT" val="2"/>
@@ -36530,7 +34833,7 @@
 </p:tagLst>
 </file>
 
-<file path=ppt/tags/tag328.xml><?xml version="1.0" encoding="utf-8"?>
+<file path=ppt/tags/tag319.xml><?xml version="1.0" encoding="utf-8"?>
 <p:tagLst xmlns:p="http://schemas.openxmlformats.org/presentationml/2006/main">
   <p:tag name="KSO_WM_UNIT_HIGHLIGHT" val="0"/>
   <p:tag name="KSO_WM_UNIT_COMPATIBLE" val="0"/>
@@ -36553,7 +34856,20 @@
 </p:tagLst>
 </file>
 
-<file path=ppt/tags/tag329.xml><?xml version="1.0" encoding="utf-8"?>
+<file path=ppt/tags/tag32.xml><?xml version="1.0" encoding="utf-8"?>
+<p:tagLst xmlns:p="http://schemas.openxmlformats.org/presentationml/2006/main">
+  <p:tag name="KSO_WM_UNIT_HIGHLIGHT" val="0"/>
+  <p:tag name="KSO_WM_UNIT_COMPATIBLE" val="0"/>
+  <p:tag name="KSO_WM_UNIT_DIAGRAM_ISNUMVISUAL" val="0"/>
+  <p:tag name="KSO_WM_UNIT_DIAGRAM_ISREFERUNIT" val="0"/>
+  <p:tag name="KSO_WM_UNIT_ID" val="_3**"/>
+  <p:tag name="KSO_WM_UNIT_LAYERLEVEL" val="1"/>
+  <p:tag name="KSO_WM_TAG_VERSION" val="1.0"/>
+  <p:tag name="KSO_WM_BEAUTIFY_FLAG" val="#wm#"/>
+</p:tagLst>
+</file>
+
+<file path=ppt/tags/tag320.xml><?xml version="1.0" encoding="utf-8"?>
 <p:tagLst xmlns:p="http://schemas.openxmlformats.org/presentationml/2006/main">
   <p:tag name="KSO_WM_UNIT_HIGHLIGHT" val="0"/>
   <p:tag name="KSO_WM_UNIT_COMPATIBLE" val="0"/>
@@ -36576,20 +34892,7 @@
 </p:tagLst>
 </file>
 
-<file path=ppt/tags/tag33.xml><?xml version="1.0" encoding="utf-8"?>
-<p:tagLst xmlns:p="http://schemas.openxmlformats.org/presentationml/2006/main">
-  <p:tag name="KSO_WM_UNIT_HIGHLIGHT" val="0"/>
-  <p:tag name="KSO_WM_UNIT_COMPATIBLE" val="0"/>
-  <p:tag name="KSO_WM_UNIT_DIAGRAM_ISNUMVISUAL" val="0"/>
-  <p:tag name="KSO_WM_UNIT_DIAGRAM_ISREFERUNIT" val="0"/>
-  <p:tag name="KSO_WM_UNIT_ID" val="_4**"/>
-  <p:tag name="KSO_WM_UNIT_LAYERLEVEL" val="1"/>
-  <p:tag name="KSO_WM_TAG_VERSION" val="1.0"/>
-  <p:tag name="KSO_WM_BEAUTIFY_FLAG" val="#wm#"/>
-</p:tagLst>
-</file>
-
-<file path=ppt/tags/tag330.xml><?xml version="1.0" encoding="utf-8"?>
+<file path=ppt/tags/tag321.xml><?xml version="1.0" encoding="utf-8"?>
 <p:tagLst xmlns:p="http://schemas.openxmlformats.org/presentationml/2006/main">
   <p:tag name="KSO_WM_UNIT_PRESET_TEXT" val="世界上一成不变的东西，&#13;只有“任何事物都是在不断变化的”这条真理。&#13; &#13;                                             —— 斯里兰卡"/>
   <p:tag name="KSO_WM_UNIT_NOCLEAR" val="0"/>
@@ -36613,7 +34916,7 @@
 </p:tagLst>
 </file>
 
-<file path=ppt/tags/tag331.xml><?xml version="1.0" encoding="utf-8"?>
+<file path=ppt/tags/tag322.xml><?xml version="1.0" encoding="utf-8"?>
 <p:tagLst xmlns:p="http://schemas.openxmlformats.org/presentationml/2006/main">
   <p:tag name="KSO_WM_SLIDE_ID" val="diagram20200634_1"/>
   <p:tag name="KSO_WM_TEMPLATE_SUBCATEGORY" val="0"/>
@@ -36636,7 +34939,7 @@
 </p:tagLst>
 </file>
 
-<file path=ppt/tags/tag332.xml><?xml version="1.0" encoding="utf-8"?>
+<file path=ppt/tags/tag323.xml><?xml version="1.0" encoding="utf-8"?>
 <p:tagLst xmlns:p="http://schemas.openxmlformats.org/presentationml/2006/main">
   <p:tag name="KSO_WM_SLIDE_BACKGROUND_TYPE" val="general"/>
   <p:tag name="KSO_WM_SLIDE_BK_DARK_LIGHT" val="2"/>
@@ -36652,7 +34955,7 @@
 </p:tagLst>
 </file>
 
-<file path=ppt/tags/tag333.xml><?xml version="1.0" encoding="utf-8"?>
+<file path=ppt/tags/tag324.xml><?xml version="1.0" encoding="utf-8"?>
 <p:tagLst xmlns:p="http://schemas.openxmlformats.org/presentationml/2006/main">
   <p:tag name="KSO_WM_SLIDE_BACKGROUND_TYPE" val="general"/>
   <p:tag name="KSO_WM_SLIDE_BK_DARK_LIGHT" val="2"/>
@@ -36673,7 +34976,7 @@
 </p:tagLst>
 </file>
 
-<file path=ppt/tags/tag334.xml><?xml version="1.0" encoding="utf-8"?>
+<file path=ppt/tags/tag325.xml><?xml version="1.0" encoding="utf-8"?>
 <p:tagLst xmlns:p="http://schemas.openxmlformats.org/presentationml/2006/main">
   <p:tag name="KSO_WM_SLIDE_BACKGROUND_TYPE" val="general"/>
   <p:tag name="KSO_WM_SLIDE_BK_DARK_LIGHT" val="2"/>
@@ -36694,7 +34997,7 @@
 </p:tagLst>
 </file>
 
-<file path=ppt/tags/tag335.xml><?xml version="1.0" encoding="utf-8"?>
+<file path=ppt/tags/tag326.xml><?xml version="1.0" encoding="utf-8"?>
 <p:tagLst xmlns:p="http://schemas.openxmlformats.org/presentationml/2006/main">
   <p:tag name="KSO_WM_UNIT_ISCONTENTSTITLE" val="0"/>
   <p:tag name="KSO_WM_UNIT_PRESET_TEXT" val="单击此处添加文本具体内容，简明扼要的阐述您的观点。根据需要可酌情增减文字，以便观者准确的理解您传达的思想。单击此处添加文本具体内容，简明扼要的阐述您的观点。根据需要可酌情增减文字，以便观者准确的理解您传达的思想。单击此处添加文本具体内容，简明扼要的阐述您的观点。根据需要可酌情增减文字，以便观者准确的理解您传达的思想。"/>
@@ -36719,7 +35022,7 @@
 </p:tagLst>
 </file>
 
-<file path=ppt/tags/tag336.xml><?xml version="1.0" encoding="utf-8"?>
+<file path=ppt/tags/tag327.xml><?xml version="1.0" encoding="utf-8"?>
 <p:tagLst xmlns:p="http://schemas.openxmlformats.org/presentationml/2006/main">
   <p:tag name="KSO_WM_SLIDE_ID" val="diagram20202203_1"/>
   <p:tag name="KSO_WM_TEMPLATE_SUBCATEGORY" val="0"/>
@@ -36742,61 +35045,16 @@
 </p:tagLst>
 </file>
 
-<file path=ppt/tags/tag337.xml><?xml version="1.0" encoding="utf-8"?>
+<file path=ppt/tags/tag33.xml><?xml version="1.0" encoding="utf-8"?>
 <p:tagLst xmlns:p="http://schemas.openxmlformats.org/presentationml/2006/main">
-  <p:tag name="KSO_WM_SLIDE_BACKGROUND_TYPE" val="general"/>
-  <p:tag name="KSO_WM_SLIDE_BK_DARK_LIGHT" val="2"/>
   <p:tag name="KSO_WM_UNIT_HIGHLIGHT" val="0"/>
   <p:tag name="KSO_WM_UNIT_COMPATIBLE" val="0"/>
   <p:tag name="KSO_WM_UNIT_DIAGRAM_ISNUMVISUAL" val="0"/>
   <p:tag name="KSO_WM_UNIT_DIAGRAM_ISREFERUNIT" val="0"/>
-  <p:tag name="KSO_WM_UNIT_ID" val="_12**"/>
+  <p:tag name="KSO_WM_UNIT_ID" val="_4**"/>
   <p:tag name="KSO_WM_UNIT_LAYERLEVEL" val="1"/>
   <p:tag name="KSO_WM_TAG_VERSION" val="1.0"/>
   <p:tag name="KSO_WM_BEAUTIFY_FLAG" val="#wm#"/>
-  <p:tag name="KSO_WM_UNIT_TYPE" val="i"/>
-</p:tagLst>
-</file>
-
-<file path=ppt/tags/tag338.xml><?xml version="1.0" encoding="utf-8"?>
-<p:tagLst xmlns:p="http://schemas.openxmlformats.org/presentationml/2006/main">
-  <p:tag name="KSO_WM_SLIDE_BACKGROUND_TYPE" val="general"/>
-  <p:tag name="KSO_WM_SLIDE_BK_DARK_LIGHT" val="2"/>
-  <p:tag name="KSO_WM_UNIT_HIGHLIGHT" val="0"/>
-  <p:tag name="KSO_WM_UNIT_COMPATIBLE" val="0"/>
-  <p:tag name="KSO_WM_UNIT_DIAGRAM_ISNUMVISUAL" val="0"/>
-  <p:tag name="KSO_WM_UNIT_DIAGRAM_ISREFERUNIT" val="0"/>
-  <p:tag name="KSO_WM_UNIT_ID" val="_12**"/>
-  <p:tag name="KSO_WM_UNIT_LAYERLEVEL" val="1"/>
-  <p:tag name="KSO_WM_TAG_VERSION" val="1.0"/>
-  <p:tag name="KSO_WM_BEAUTIFY_FLAG" val="#wm#"/>
-  <p:tag name="KSO_WM_UNIT_FILL_FORE_SCHEMECOLOR_INDEX_BRIGHTNESS" val="-0.25"/>
-  <p:tag name="KSO_WM_UNIT_FILL_FORE_SCHEMECOLOR_INDEX" val="5"/>
-  <p:tag name="KSO_WM_UNIT_FILL_TYPE" val="1"/>
-  <p:tag name="KSO_WM_UNIT_TEXT_FILL_FORE_SCHEMECOLOR_INDEX_BRIGHTNESS" val="0.15"/>
-  <p:tag name="KSO_WM_UNIT_TEXT_FILL_FORE_SCHEMECOLOR_INDEX" val="13"/>
-  <p:tag name="KSO_WM_UNIT_TEXT_FILL_TYPE" val="1"/>
-</p:tagLst>
-</file>
-
-<file path=ppt/tags/tag339.xml><?xml version="1.0" encoding="utf-8"?>
-<p:tagLst xmlns:p="http://schemas.openxmlformats.org/presentationml/2006/main">
-  <p:tag name="KSO_WM_SLIDE_BACKGROUND_TYPE" val="general"/>
-  <p:tag name="KSO_WM_SLIDE_BK_DARK_LIGHT" val="2"/>
-  <p:tag name="KSO_WM_UNIT_HIGHLIGHT" val="0"/>
-  <p:tag name="KSO_WM_UNIT_COMPATIBLE" val="0"/>
-  <p:tag name="KSO_WM_UNIT_DIAGRAM_ISNUMVISUAL" val="0"/>
-  <p:tag name="KSO_WM_UNIT_DIAGRAM_ISREFERUNIT" val="0"/>
-  <p:tag name="KSO_WM_UNIT_ID" val="_12**"/>
-  <p:tag name="KSO_WM_UNIT_LAYERLEVEL" val="1"/>
-  <p:tag name="KSO_WM_TAG_VERSION" val="1.0"/>
-  <p:tag name="KSO_WM_BEAUTIFY_FLAG" val="#wm#"/>
-  <p:tag name="KSO_WM_UNIT_FILL_FORE_SCHEMECOLOR_INDEX_BRIGHTNESS" val="0"/>
-  <p:tag name="KSO_WM_UNIT_FILL_FORE_SCHEMECOLOR_INDEX" val="5"/>
-  <p:tag name="KSO_WM_UNIT_FILL_TYPE" val="1"/>
-  <p:tag name="KSO_WM_UNIT_TEXT_FILL_FORE_SCHEMECOLOR_INDEX_BRIGHTNESS" val="0.15"/>
-  <p:tag name="KSO_WM_UNIT_TEXT_FILL_FORE_SCHEMECOLOR_INDEX" val="13"/>
-  <p:tag name="KSO_WM_UNIT_TEXT_FILL_TYPE" val="1"/>
 </p:tagLst>
 </file>
 
@@ -36810,54 +35068,6 @@
   <p:tag name="KSO_WM_UNIT_LAYERLEVEL" val="1"/>
   <p:tag name="KSO_WM_TAG_VERSION" val="1.0"/>
   <p:tag name="KSO_WM_BEAUTIFY_FLAG" val="#wm#"/>
-</p:tagLst>
-</file>
-
-<file path=ppt/tags/tag340.xml><?xml version="1.0" encoding="utf-8"?>
-<p:tagLst xmlns:p="http://schemas.openxmlformats.org/presentationml/2006/main">
-  <p:tag name="KSO_WM_UNIT_ISCONTENTSTITLE" val="0"/>
-  <p:tag name="KSO_WM_UNIT_PRESET_TEXT" val="单击此处添加文本具体内容，简明扼要的阐述您的观点。根据需要可酌情增减文字，以便观者准确的理解您传达的思想。单击此处添加文本具体内容，简明扼要的阐述您的观点。根据需要可酌情增减文字，以便观者准确的理解您传达的思想。单击此处添加文本具体内容，简明扼要的阐述您的观点。根据需要可酌情增减文字，以便观者准确的理解您传达的思想。"/>
-  <p:tag name="KSO_WM_UNIT_NOCLEAR" val="0"/>
-  <p:tag name="KSO_WM_UNIT_VALUE" val="215"/>
-  <p:tag name="KSO_WM_UNIT_HIGHLIGHT" val="0"/>
-  <p:tag name="KSO_WM_UNIT_COMPATIBLE" val="0"/>
-  <p:tag name="KSO_WM_UNIT_DIAGRAM_ISNUMVISUAL" val="0"/>
-  <p:tag name="KSO_WM_UNIT_DIAGRAM_ISREFERUNIT" val="0"/>
-  <p:tag name="KSO_WM_UNIT_TYPE" val="f"/>
-  <p:tag name="KSO_WM_UNIT_INDEX" val="1"/>
-  <p:tag name="KSO_WM_UNIT_ID" val="diagram20202203_1*f*1"/>
-  <p:tag name="KSO_WM_TEMPLATE_CATEGORY" val="diagram"/>
-  <p:tag name="KSO_WM_TEMPLATE_INDEX" val="20202203"/>
-  <p:tag name="KSO_WM_UNIT_LAYERLEVEL" val="1"/>
-  <p:tag name="KSO_WM_TAG_VERSION" val="1.0"/>
-  <p:tag name="KSO_WM_BEAUTIFY_FLAG" val="#wm#"/>
-  <p:tag name="KSO_WM_UNIT_SUBTYPE" val="a"/>
-  <p:tag name="KSO_WM_UNIT_TEXT_FILL_FORE_SCHEMECOLOR_INDEX_BRIGHTNESS" val="0.25"/>
-  <p:tag name="KSO_WM_UNIT_TEXT_FILL_FORE_SCHEMECOLOR_INDEX" val="13"/>
-  <p:tag name="KSO_WM_UNIT_TEXT_FILL_TYPE" val="1"/>
-</p:tagLst>
-</file>
-
-<file path=ppt/tags/tag341.xml><?xml version="1.0" encoding="utf-8"?>
-<p:tagLst xmlns:p="http://schemas.openxmlformats.org/presentationml/2006/main">
-  <p:tag name="KSO_WM_SLIDE_ID" val="diagram20202203_1"/>
-  <p:tag name="KSO_WM_TEMPLATE_SUBCATEGORY" val="0"/>
-  <p:tag name="KSO_WM_TEMPLATE_MASTER_TYPE" val="0"/>
-  <p:tag name="KSO_WM_TEMPLATE_COLOR_TYPE" val="1"/>
-  <p:tag name="KSO_WM_SLIDE_TYPE" val="text"/>
-  <p:tag name="KSO_WM_SLIDE_SUBTYPE" val="pureTxt"/>
-  <p:tag name="KSO_WM_SLIDE_ITEM_CNT" val="0"/>
-  <p:tag name="KSO_WM_SLIDE_INDEX" val="1"/>
-  <p:tag name="KSO_WM_SLIDE_SIZE" val="902*540"/>
-  <p:tag name="KSO_WM_SLIDE_POSITION" val="0*0"/>
-  <p:tag name="KSO_WM_TAG_VERSION" val="1.0"/>
-  <p:tag name="KSO_WM_BEAUTIFY_FLAG" val="#wm#"/>
-  <p:tag name="KSO_WM_TEMPLATE_CATEGORY" val="diagram"/>
-  <p:tag name="KSO_WM_TEMPLATE_INDEX" val="20202203"/>
-  <p:tag name="KSO_WM_SLIDE_LAYOUT" val="f"/>
-  <p:tag name="KSO_WM_SLIDE_LAYOUT_CNT" val="1"/>
-  <p:tag name="KSO_WM_SLIDE_BK_DARK_LIGHT" val="2"/>
-  <p:tag name="KSO_WM_SLIDE_BACKGROUND_TYPE" val="general"/>
 </p:tagLst>
 </file>
 
